--- a/figures/phylogeneticTrees/phylo-tree-51sp2.pptx
+++ b/figures/phylogeneticTrees/phylo-tree-51sp2.pptx
@@ -302,7 +302,7 @@
           <a:p>
             <a:fld id="{488CEBE3-1740-4D45-B435-43B16EB302B8}" type="datetimeFigureOut">
               <a:rPr lang="ko-KR" altLang="en-US" smtClean="0"/>
-              <a:t>2020-07-15</a:t>
+              <a:t>2020-07-17</a:t>
             </a:fld>
             <a:endParaRPr lang="ko-KR" altLang="en-US"/>
           </a:p>
@@ -470,7 +470,7 @@
           <a:p>
             <a:fld id="{488CEBE3-1740-4D45-B435-43B16EB302B8}" type="datetimeFigureOut">
               <a:rPr lang="ko-KR" altLang="en-US" smtClean="0"/>
-              <a:t>2020-07-15</a:t>
+              <a:t>2020-07-17</a:t>
             </a:fld>
             <a:endParaRPr lang="ko-KR" altLang="en-US"/>
           </a:p>
@@ -648,7 +648,7 @@
           <a:p>
             <a:fld id="{488CEBE3-1740-4D45-B435-43B16EB302B8}" type="datetimeFigureOut">
               <a:rPr lang="ko-KR" altLang="en-US" smtClean="0"/>
-              <a:t>2020-07-15</a:t>
+              <a:t>2020-07-17</a:t>
             </a:fld>
             <a:endParaRPr lang="ko-KR" altLang="en-US"/>
           </a:p>
@@ -816,7 +816,7 @@
           <a:p>
             <a:fld id="{488CEBE3-1740-4D45-B435-43B16EB302B8}" type="datetimeFigureOut">
               <a:rPr lang="ko-KR" altLang="en-US" smtClean="0"/>
-              <a:t>2020-07-15</a:t>
+              <a:t>2020-07-17</a:t>
             </a:fld>
             <a:endParaRPr lang="ko-KR" altLang="en-US"/>
           </a:p>
@@ -1061,7 +1061,7 @@
           <a:p>
             <a:fld id="{488CEBE3-1740-4D45-B435-43B16EB302B8}" type="datetimeFigureOut">
               <a:rPr lang="ko-KR" altLang="en-US" smtClean="0"/>
-              <a:t>2020-07-15</a:t>
+              <a:t>2020-07-17</a:t>
             </a:fld>
             <a:endParaRPr lang="ko-KR" altLang="en-US"/>
           </a:p>
@@ -1346,7 +1346,7 @@
           <a:p>
             <a:fld id="{488CEBE3-1740-4D45-B435-43B16EB302B8}" type="datetimeFigureOut">
               <a:rPr lang="ko-KR" altLang="en-US" smtClean="0"/>
-              <a:t>2020-07-15</a:t>
+              <a:t>2020-07-17</a:t>
             </a:fld>
             <a:endParaRPr lang="ko-KR" altLang="en-US"/>
           </a:p>
@@ -1770,7 +1770,7 @@
           <a:p>
             <a:fld id="{488CEBE3-1740-4D45-B435-43B16EB302B8}" type="datetimeFigureOut">
               <a:rPr lang="ko-KR" altLang="en-US" smtClean="0"/>
-              <a:t>2020-07-15</a:t>
+              <a:t>2020-07-17</a:t>
             </a:fld>
             <a:endParaRPr lang="ko-KR" altLang="en-US"/>
           </a:p>
@@ -1887,7 +1887,7 @@
           <a:p>
             <a:fld id="{488CEBE3-1740-4D45-B435-43B16EB302B8}" type="datetimeFigureOut">
               <a:rPr lang="ko-KR" altLang="en-US" smtClean="0"/>
-              <a:t>2020-07-15</a:t>
+              <a:t>2020-07-17</a:t>
             </a:fld>
             <a:endParaRPr lang="ko-KR" altLang="en-US"/>
           </a:p>
@@ -1982,7 +1982,7 @@
           <a:p>
             <a:fld id="{488CEBE3-1740-4D45-B435-43B16EB302B8}" type="datetimeFigureOut">
               <a:rPr lang="ko-KR" altLang="en-US" smtClean="0"/>
-              <a:t>2020-07-15</a:t>
+              <a:t>2020-07-17</a:t>
             </a:fld>
             <a:endParaRPr lang="ko-KR" altLang="en-US"/>
           </a:p>
@@ -2257,7 +2257,7 @@
           <a:p>
             <a:fld id="{488CEBE3-1740-4D45-B435-43B16EB302B8}" type="datetimeFigureOut">
               <a:rPr lang="ko-KR" altLang="en-US" smtClean="0"/>
-              <a:t>2020-07-15</a:t>
+              <a:t>2020-07-17</a:t>
             </a:fld>
             <a:endParaRPr lang="ko-KR" altLang="en-US"/>
           </a:p>
@@ -2509,7 +2509,7 @@
           <a:p>
             <a:fld id="{488CEBE3-1740-4D45-B435-43B16EB302B8}" type="datetimeFigureOut">
               <a:rPr lang="ko-KR" altLang="en-US" smtClean="0"/>
-              <a:t>2020-07-15</a:t>
+              <a:t>2020-07-17</a:t>
             </a:fld>
             <a:endParaRPr lang="ko-KR" altLang="en-US"/>
           </a:p>
@@ -2720,7 +2720,7 @@
           <a:p>
             <a:fld id="{488CEBE3-1740-4D45-B435-43B16EB302B8}" type="datetimeFigureOut">
               <a:rPr lang="ko-KR" altLang="en-US" smtClean="0"/>
-              <a:t>2020-07-15</a:t>
+              <a:t>2020-07-17</a:t>
             </a:fld>
             <a:endParaRPr lang="ko-KR" altLang="en-US"/>
           </a:p>
@@ -3109,14 +3109,14 @@
         </p:nvSpPr>
         <p:spPr>
           <a:xfrm>
-            <a:off x="1830831" y="9270368"/>
-            <a:ext cx="3474720" cy="360154"/>
+            <a:off x="1751438" y="8836881"/>
+            <a:ext cx="3554113" cy="793641"/>
           </a:xfrm>
           <a:prstGeom prst="rect">
             <a:avLst/>
           </a:prstGeom>
           <a:solidFill>
-            <a:srgbClr val="78ED54"/>
+            <a:srgbClr val="FB7070"/>
           </a:solidFill>
           <a:ln w="19050">
             <a:noFill/>
@@ -3149,110 +3149,6 @@
       </p:sp>
       <p:sp>
         <p:nvSpPr>
-          <p:cNvPr id="3" name="Rectangle 2">
-            <a:extLst>
-              <a:ext uri="{FF2B5EF4-FFF2-40B4-BE49-F238E27FC236}">
-                <a16:creationId xmlns:a16="http://schemas.microsoft.com/office/drawing/2014/main" id="{0C7268F7-A9A5-4DEF-B49A-E69FD75A42EC}"/>
-              </a:ext>
-            </a:extLst>
-          </p:cNvPr>
-          <p:cNvSpPr/>
-          <p:nvPr/>
-        </p:nvSpPr>
-        <p:spPr>
-          <a:xfrm>
-            <a:off x="1830831" y="8799694"/>
-            <a:ext cx="3474720" cy="482283"/>
-          </a:xfrm>
-          <a:prstGeom prst="rect">
-            <a:avLst/>
-          </a:prstGeom>
-          <a:solidFill>
-            <a:srgbClr val="E5EC5E"/>
-          </a:solidFill>
-          <a:ln w="19050">
-            <a:noFill/>
-          </a:ln>
-        </p:spPr>
-        <p:style>
-          <a:lnRef idx="2">
-            <a:schemeClr val="accent1">
-              <a:shade val="50000"/>
-            </a:schemeClr>
-          </a:lnRef>
-          <a:fillRef idx="1">
-            <a:schemeClr val="accent1"/>
-          </a:fillRef>
-          <a:effectRef idx="0">
-            <a:schemeClr val="accent1"/>
-          </a:effectRef>
-          <a:fontRef idx="minor">
-            <a:schemeClr val="lt1"/>
-          </a:fontRef>
-        </p:style>
-        <p:txBody>
-          <a:bodyPr rtlCol="0" anchor="ctr"/>
-          <a:lstStyle/>
-          <a:p>
-            <a:pPr algn="ctr"/>
-            <a:endParaRPr lang="en-US"/>
-          </a:p>
-        </p:txBody>
-      </p:sp>
-      <p:sp>
-        <p:nvSpPr>
-          <p:cNvPr id="4" name="Rectangle 3">
-            <a:extLst>
-              <a:ext uri="{FF2B5EF4-FFF2-40B4-BE49-F238E27FC236}">
-                <a16:creationId xmlns:a16="http://schemas.microsoft.com/office/drawing/2014/main" id="{C9BD7902-C22B-4D4B-B015-5CE1896B666A}"/>
-              </a:ext>
-            </a:extLst>
-          </p:cNvPr>
-          <p:cNvSpPr/>
-          <p:nvPr/>
-        </p:nvSpPr>
-        <p:spPr>
-          <a:xfrm>
-            <a:off x="1830831" y="8626662"/>
-            <a:ext cx="3474720" cy="178591"/>
-          </a:xfrm>
-          <a:prstGeom prst="rect">
-            <a:avLst/>
-          </a:prstGeom>
-          <a:solidFill>
-            <a:srgbClr val="EB9569"/>
-          </a:solidFill>
-          <a:ln w="19050">
-            <a:noFill/>
-          </a:ln>
-        </p:spPr>
-        <p:style>
-          <a:lnRef idx="2">
-            <a:schemeClr val="accent1">
-              <a:shade val="50000"/>
-            </a:schemeClr>
-          </a:lnRef>
-          <a:fillRef idx="1">
-            <a:schemeClr val="accent1"/>
-          </a:fillRef>
-          <a:effectRef idx="0">
-            <a:schemeClr val="accent1"/>
-          </a:effectRef>
-          <a:fontRef idx="minor">
-            <a:schemeClr val="lt1"/>
-          </a:fontRef>
-        </p:style>
-        <p:txBody>
-          <a:bodyPr rtlCol="0" anchor="ctr"/>
-          <a:lstStyle/>
-          <a:p>
-            <a:pPr algn="ctr"/>
-            <a:endParaRPr lang="en-US" dirty="0"/>
-          </a:p>
-        </p:txBody>
-      </p:sp>
-      <p:sp>
-        <p:nvSpPr>
           <p:cNvPr id="5" name="Rectangle 4">
             <a:extLst>
               <a:ext uri="{FF2B5EF4-FFF2-40B4-BE49-F238E27FC236}">
@@ -3265,14 +3161,14 @@
         </p:nvSpPr>
         <p:spPr>
           <a:xfrm>
-            <a:off x="1830831" y="7666399"/>
-            <a:ext cx="3474720" cy="966378"/>
+            <a:off x="1751438" y="7666398"/>
+            <a:ext cx="3554113" cy="1172101"/>
           </a:xfrm>
           <a:prstGeom prst="rect">
             <a:avLst/>
           </a:prstGeom>
           <a:solidFill>
-            <a:srgbClr val="EB74A1"/>
+            <a:srgbClr val="CAA349"/>
           </a:solidFill>
           <a:ln w="19050">
             <a:noFill/>
@@ -3317,14 +3213,14 @@
         </p:nvSpPr>
         <p:spPr>
           <a:xfrm>
-            <a:off x="1830831" y="2774871"/>
-            <a:ext cx="3474720" cy="4892020"/>
+            <a:off x="1751438" y="2774871"/>
+            <a:ext cx="3554113" cy="4892020"/>
           </a:xfrm>
           <a:prstGeom prst="rect">
             <a:avLst/>
           </a:prstGeom>
           <a:solidFill>
-            <a:srgbClr val="E07FEA"/>
+            <a:srgbClr val="80C585"/>
           </a:solidFill>
           <a:ln w="19050">
             <a:noFill/>
@@ -3369,14 +3265,14 @@
         </p:nvSpPr>
         <p:spPr>
           <a:xfrm>
-            <a:off x="1830831" y="1324497"/>
-            <a:ext cx="3474720" cy="1458799"/>
+            <a:off x="1751438" y="1324497"/>
+            <a:ext cx="3554113" cy="1458799"/>
           </a:xfrm>
           <a:prstGeom prst="rect">
             <a:avLst/>
           </a:prstGeom>
           <a:solidFill>
-            <a:srgbClr val="9C8AEA"/>
+            <a:srgbClr val="59D3D9"/>
           </a:solidFill>
           <a:ln w="19050">
             <a:noFill/>
@@ -3403,7 +3299,10 @@
           <a:lstStyle/>
           <a:p>
             <a:pPr algn="ctr"/>
-            <a:endParaRPr lang="en-US" sz="800" dirty="0">
+            <a:endParaRPr lang="en-US" sz="800">
+              <a:solidFill>
+                <a:srgbClr val="59D3D9"/>
+              </a:solidFill>
               <a:latin typeface="Arial" panose="020B0604020202020204" pitchFamily="34" charset="0"/>
               <a:cs typeface="Arial" panose="020B0604020202020204" pitchFamily="34" charset="0"/>
             </a:endParaRPr>
@@ -3424,7 +3323,7 @@
         </p:nvSpPr>
         <p:spPr>
           <a:xfrm>
-            <a:off x="5388376" y="1939812"/>
+            <a:off x="5352982" y="1915397"/>
             <a:ext cx="712054" cy="276999"/>
           </a:xfrm>
           <a:prstGeom prst="rect">
@@ -3439,7 +3338,7 @@
           <a:lstStyle/>
           <a:p>
             <a:r>
-              <a:rPr lang="en-US" sz="1200" dirty="0">
+              <a:rPr lang="en-US" sz="1200">
                 <a:latin typeface="Arial" panose="020B0604020202020204" pitchFamily="34" charset="0"/>
                 <a:cs typeface="Arial" panose="020B0604020202020204" pitchFamily="34" charset="0"/>
               </a:rPr>
@@ -3462,7 +3361,7 @@
         </p:nvSpPr>
         <p:spPr>
           <a:xfrm>
-            <a:off x="5388376" y="5108349"/>
+            <a:off x="5352982" y="5082382"/>
             <a:ext cx="712054" cy="276999"/>
           </a:xfrm>
           <a:prstGeom prst="rect">
@@ -3477,7 +3376,7 @@
           <a:lstStyle/>
           <a:p>
             <a:r>
-              <a:rPr lang="en-US" sz="1200" dirty="0">
+              <a:rPr lang="en-US" sz="1200">
                 <a:latin typeface="Arial" panose="020B0604020202020204" pitchFamily="34" charset="0"/>
                 <a:cs typeface="Arial" panose="020B0604020202020204" pitchFamily="34" charset="0"/>
               </a:rPr>
@@ -3500,7 +3399,7 @@
         </p:nvSpPr>
         <p:spPr>
           <a:xfrm>
-            <a:off x="5388376" y="8037056"/>
+            <a:off x="5352982" y="8113949"/>
             <a:ext cx="712054" cy="276999"/>
           </a:xfrm>
           <a:prstGeom prst="rect">
@@ -3515,7 +3414,7 @@
           <a:lstStyle/>
           <a:p>
             <a:r>
-              <a:rPr lang="en-US" sz="1200" dirty="0">
+              <a:rPr lang="en-US" sz="1200">
                 <a:latin typeface="Arial" panose="020B0604020202020204" pitchFamily="34" charset="0"/>
                 <a:cs typeface="Arial" panose="020B0604020202020204" pitchFamily="34" charset="0"/>
               </a:rPr>
@@ -3538,7 +3437,7 @@
         </p:nvSpPr>
         <p:spPr>
           <a:xfrm>
-            <a:off x="5388376" y="8596967"/>
+            <a:off x="5352982" y="9095202"/>
             <a:ext cx="712054" cy="276999"/>
           </a:xfrm>
           <a:prstGeom prst="rect">
@@ -3553,87 +3452,11 @@
           <a:lstStyle/>
           <a:p>
             <a:r>
-              <a:rPr lang="en-US" sz="1200" dirty="0">
+              <a:rPr lang="en-US" sz="1200">
                 <a:latin typeface="Arial" panose="020B0604020202020204" pitchFamily="34" charset="0"/>
                 <a:cs typeface="Arial" panose="020B0604020202020204" pitchFamily="34" charset="0"/>
               </a:rPr>
               <a:t>Clade 4</a:t>
-            </a:r>
-          </a:p>
-        </p:txBody>
-      </p:sp>
-      <p:sp>
-        <p:nvSpPr>
-          <p:cNvPr id="217" name="TextBox 216">
-            <a:extLst>
-              <a:ext uri="{FF2B5EF4-FFF2-40B4-BE49-F238E27FC236}">
-                <a16:creationId xmlns:a16="http://schemas.microsoft.com/office/drawing/2014/main" id="{E2C4FFD8-40E2-474E-8C20-16D49D8BEFD1}"/>
-              </a:ext>
-            </a:extLst>
-          </p:cNvPr>
-          <p:cNvSpPr txBox="1"/>
-          <p:nvPr/>
-        </p:nvSpPr>
-        <p:spPr>
-          <a:xfrm>
-            <a:off x="5388376" y="8928303"/>
-            <a:ext cx="712054" cy="276999"/>
-          </a:xfrm>
-          <a:prstGeom prst="rect">
-            <a:avLst/>
-          </a:prstGeom>
-          <a:noFill/>
-        </p:spPr>
-        <p:txBody>
-          <a:bodyPr wrap="none" rtlCol="0">
-            <a:spAutoFit/>
-          </a:bodyPr>
-          <a:lstStyle/>
-          <a:p>
-            <a:r>
-              <a:rPr lang="en-US" sz="1200" dirty="0">
-                <a:latin typeface="Arial" panose="020B0604020202020204" pitchFamily="34" charset="0"/>
-                <a:cs typeface="Arial" panose="020B0604020202020204" pitchFamily="34" charset="0"/>
-              </a:rPr>
-              <a:t>Clade 5</a:t>
-            </a:r>
-          </a:p>
-        </p:txBody>
-      </p:sp>
-      <p:sp>
-        <p:nvSpPr>
-          <p:cNvPr id="219" name="TextBox 218">
-            <a:extLst>
-              <a:ext uri="{FF2B5EF4-FFF2-40B4-BE49-F238E27FC236}">
-                <a16:creationId xmlns:a16="http://schemas.microsoft.com/office/drawing/2014/main" id="{11383E31-0DF2-4A2A-BFAC-40D2FD6A127A}"/>
-              </a:ext>
-            </a:extLst>
-          </p:cNvPr>
-          <p:cNvSpPr txBox="1"/>
-          <p:nvPr/>
-        </p:nvSpPr>
-        <p:spPr>
-          <a:xfrm>
-            <a:off x="5388376" y="9373643"/>
-            <a:ext cx="712054" cy="276999"/>
-          </a:xfrm>
-          <a:prstGeom prst="rect">
-            <a:avLst/>
-          </a:prstGeom>
-          <a:noFill/>
-        </p:spPr>
-        <p:txBody>
-          <a:bodyPr wrap="none" rtlCol="0">
-            <a:spAutoFit/>
-          </a:bodyPr>
-          <a:lstStyle/>
-          <a:p>
-            <a:r>
-              <a:rPr lang="en-US" sz="1200" dirty="0">
-                <a:latin typeface="Arial" panose="020B0604020202020204" pitchFamily="34" charset="0"/>
-                <a:cs typeface="Arial" panose="020B0604020202020204" pitchFamily="34" charset="0"/>
-              </a:rPr>
-              <a:t>Clade 6</a:t>
             </a:r>
           </a:p>
         </p:txBody>
@@ -3831,7 +3654,7 @@
               <a:tabLst/>
             </a:pPr>
             <a:r>
-              <a:rPr kumimoji="0" lang="ko-KR" altLang="ko-KR" sz="800" b="0" i="1" u="none" strike="noStrike" cap="none" normalizeH="0" baseline="0" dirty="0">
+              <a:rPr kumimoji="0" lang="ko-KR" altLang="ko-KR" sz="800" b="0" i="1" u="none" strike="noStrike" cap="none" normalizeH="0" baseline="0">
                 <a:ln>
                   <a:noFill/>
                 </a:ln>
@@ -3844,7 +3667,7 @@
               <a:t> </a:t>
             </a:r>
             <a:r>
-              <a:rPr kumimoji="0" lang="en-US" altLang="ko-KR" sz="800" b="0" i="1" u="none" strike="noStrike" cap="none" normalizeH="0" baseline="0" dirty="0">
+              <a:rPr kumimoji="0" lang="en-US" altLang="ko-KR" sz="800" b="0" i="1" u="none" strike="noStrike" cap="none" normalizeH="0" baseline="0">
                 <a:ln>
                   <a:noFill/>
                 </a:ln>
@@ -3857,7 +3680,7 @@
               <a:t>S. </a:t>
             </a:r>
             <a:r>
-              <a:rPr kumimoji="0" lang="ko-KR" altLang="ko-KR" sz="800" b="0" i="1" u="none" strike="noStrike" cap="none" normalizeH="0" baseline="0" dirty="0" err="1">
+              <a:rPr kumimoji="0" lang="ko-KR" altLang="ko-KR" sz="800" b="0" i="1" u="none" strike="noStrike" cap="none" normalizeH="0" baseline="0" err="1">
                 <a:ln>
                   <a:noFill/>
                 </a:ln>
@@ -3870,7 +3693,7 @@
               <a:t>orientalis</a:t>
             </a:r>
             <a:r>
-              <a:rPr kumimoji="0" lang="ko-KR" altLang="en-US" sz="800" b="0" i="1" u="none" strike="noStrike" cap="none" normalizeH="0" baseline="0" dirty="0">
+              <a:rPr kumimoji="0" lang="ko-KR" altLang="en-US" sz="800" b="0" i="1" u="none" strike="noStrike" cap="none" normalizeH="0" baseline="0">
                 <a:ln>
                   <a:noFill/>
                 </a:ln>
@@ -3883,7 +3706,7 @@
               <a:t> </a:t>
             </a:r>
             <a:r>
-              <a:rPr kumimoji="0" lang="en-US" altLang="ko-KR" sz="800" b="0" i="0" u="none" strike="noStrike" cap="none" normalizeH="0" baseline="0" dirty="0">
+              <a:rPr kumimoji="0" lang="en-US" altLang="ko-KR" sz="800" b="0" i="0" u="none" strike="noStrike" cap="none" normalizeH="0" baseline="0">
                 <a:ln>
                   <a:noFill/>
                 </a:ln>
@@ -3896,7 +3719,7 @@
               <a:t>-</a:t>
             </a:r>
             <a:r>
-              <a:rPr kumimoji="0" lang="ko-KR" altLang="ko-KR" sz="800" b="0" i="0" u="none" strike="noStrike" cap="none" normalizeH="0" baseline="0" dirty="0">
+              <a:rPr kumimoji="0" lang="ko-KR" altLang="ko-KR" sz="800" b="0" i="0" u="none" strike="noStrike" cap="none" normalizeH="0" baseline="0">
                 <a:ln>
                   <a:noFill/>
                 </a:ln>
@@ -3909,45 +3732,19 @@
               <a:t>ORIENTALI</a:t>
             </a:r>
             <a:r>
-              <a:rPr kumimoji="0" lang="en-US" altLang="ko-KR" sz="800" b="0" i="0" u="none" strike="noStrike" cap="none" normalizeH="0" baseline="0" dirty="0">
-                <a:ln>
-                  <a:noFill/>
-                </a:ln>
-                <a:solidFill>
-                  <a:srgbClr val="000000"/>
-                </a:solidFill>
-                <a:effectLst/>
-                <a:cs typeface="Arial" panose="020B0604020202020204" pitchFamily="34" charset="0"/>
-              </a:rPr>
-              <a:t>S </a:t>
-            </a:r>
-            <a:r>
-              <a:rPr kumimoji="0" lang="en-US" altLang="ko-KR" sz="800" b="0" i="0" u="none" strike="noStrike" cap="none" normalizeH="0" baseline="0" dirty="0" err="1">
-                <a:ln>
-                  <a:noFill/>
-                </a:ln>
-                <a:solidFill>
-                  <a:srgbClr val="000000"/>
-                </a:solidFill>
-                <a:effectLst/>
-                <a:cs typeface="Arial" panose="020B0604020202020204" pitchFamily="34" charset="0"/>
-              </a:rPr>
-              <a:t>sp</a:t>
-            </a:r>
-            <a:r>
-              <a:rPr kumimoji="0" lang="en-US" altLang="ko-KR" sz="800" b="0" i="0" u="none" strike="noStrike" cap="none" normalizeH="0" baseline="0" dirty="0">
-                <a:ln>
-                  <a:noFill/>
-                </a:ln>
-                <a:solidFill>
-                  <a:srgbClr val="000000"/>
-                </a:solidFill>
-                <a:effectLst/>
-                <a:cs typeface="Arial" panose="020B0604020202020204" pitchFamily="34" charset="0"/>
-              </a:rPr>
-              <a:t>-gr.</a:t>
-            </a:r>
-            <a:endParaRPr kumimoji="0" lang="ko-KR" altLang="ko-KR" sz="2800" b="0" i="0" u="none" strike="noStrike" cap="none" normalizeH="0" baseline="0" dirty="0">
+              <a:rPr kumimoji="0" lang="en-US" altLang="ko-KR" sz="800" b="0" i="0" u="none" strike="noStrike" cap="none" normalizeH="0" baseline="0">
+                <a:ln>
+                  <a:noFill/>
+                </a:ln>
+                <a:solidFill>
+                  <a:srgbClr val="000000"/>
+                </a:solidFill>
+                <a:effectLst/>
+                <a:cs typeface="Arial" panose="020B0604020202020204" pitchFamily="34" charset="0"/>
+              </a:rPr>
+              <a:t>S sp-gr.</a:t>
+            </a:r>
+            <a:endParaRPr kumimoji="0" lang="ko-KR" altLang="ko-KR" sz="2800" b="0" i="0" u="none" strike="noStrike" cap="none" normalizeH="0" baseline="0">
               <a:ln>
                 <a:noFill/>
               </a:ln>
@@ -4238,7 +4035,7 @@
               <a:tabLst/>
             </a:pPr>
             <a:r>
-              <a:rPr kumimoji="0" lang="ko-KR" altLang="ko-KR" sz="800" b="0" i="1" u="none" strike="noStrike" cap="none" normalizeH="0" baseline="0" dirty="0">
+              <a:rPr kumimoji="0" lang="ko-KR" altLang="ko-KR" sz="800" b="0" i="1" u="none" strike="noStrike" cap="none" normalizeH="0" baseline="0">
                 <a:ln>
                   <a:noFill/>
                 </a:ln>
@@ -4251,7 +4048,7 @@
               <a:t> </a:t>
             </a:r>
             <a:r>
-              <a:rPr kumimoji="0" lang="en-US" altLang="ko-KR" sz="800" b="0" i="1" u="none" strike="noStrike" cap="none" normalizeH="0" baseline="0" dirty="0">
+              <a:rPr kumimoji="0" lang="en-US" altLang="ko-KR" sz="800" b="0" i="1" u="none" strike="noStrike" cap="none" normalizeH="0" baseline="0">
                 <a:ln>
                   <a:noFill/>
                 </a:ln>
@@ -4264,7 +4061,7 @@
               <a:t>S. </a:t>
             </a:r>
             <a:r>
-              <a:rPr kumimoji="0" lang="ko-KR" altLang="ko-KR" sz="800" b="0" i="1" u="none" strike="noStrike" cap="none" normalizeH="0" baseline="0" dirty="0" err="1">
+              <a:rPr kumimoji="0" lang="ko-KR" altLang="ko-KR" sz="800" b="0" i="1" u="none" strike="noStrike" cap="none" normalizeH="0" baseline="0" err="1">
                 <a:ln>
                   <a:noFill/>
                 </a:ln>
@@ -4277,7 +4074,7 @@
               <a:t>pinnatifida</a:t>
             </a:r>
             <a:r>
-              <a:rPr kumimoji="0" lang="ko-KR" altLang="en-US" sz="800" b="0" i="1" u="none" strike="noStrike" cap="none" normalizeH="0" baseline="0" dirty="0">
+              <a:rPr kumimoji="0" lang="ko-KR" altLang="en-US" sz="800" b="0" i="1" u="none" strike="noStrike" cap="none" normalizeH="0" baseline="0">
                 <a:ln>
                   <a:noFill/>
                 </a:ln>
@@ -4290,7 +4087,7 @@
               <a:t> </a:t>
             </a:r>
             <a:r>
-              <a:rPr kumimoji="0" lang="en-US" altLang="ko-KR" sz="800" b="0" i="0" u="none" strike="noStrike" cap="none" normalizeH="0" baseline="0" dirty="0">
+              <a:rPr kumimoji="0" lang="en-US" altLang="ko-KR" sz="800" b="0" i="0" u="none" strike="noStrike" cap="none" normalizeH="0" baseline="0">
                 <a:ln>
                   <a:noFill/>
                 </a:ln>
@@ -4303,7 +4100,7 @@
               <a:t>-</a:t>
             </a:r>
             <a:r>
-              <a:rPr kumimoji="0" lang="ko-KR" altLang="ko-KR" sz="800" b="0" i="0" u="none" strike="noStrike" cap="none" normalizeH="0" baseline="0" dirty="0">
+              <a:rPr kumimoji="0" lang="ko-KR" altLang="ko-KR" sz="800" b="0" i="0" u="none" strike="noStrike" cap="none" normalizeH="0" baseline="0">
                 <a:ln>
                   <a:noFill/>
                 </a:ln>
@@ -4316,45 +4113,19 @@
               <a:t>ORIENTALI</a:t>
             </a:r>
             <a:r>
-              <a:rPr kumimoji="0" lang="en-US" altLang="ko-KR" sz="800" b="0" i="0" u="none" strike="noStrike" cap="none" normalizeH="0" baseline="0" dirty="0">
-                <a:ln>
-                  <a:noFill/>
-                </a:ln>
-                <a:solidFill>
-                  <a:srgbClr val="000000"/>
-                </a:solidFill>
-                <a:effectLst/>
-                <a:cs typeface="Arial" panose="020B0604020202020204" pitchFamily="34" charset="0"/>
-              </a:rPr>
-              <a:t>S </a:t>
-            </a:r>
-            <a:r>
-              <a:rPr kumimoji="0" lang="en-US" altLang="ko-KR" sz="800" b="0" i="0" u="none" strike="noStrike" cap="none" normalizeH="0" baseline="0" dirty="0" err="1">
-                <a:ln>
-                  <a:noFill/>
-                </a:ln>
-                <a:solidFill>
-                  <a:srgbClr val="000000"/>
-                </a:solidFill>
-                <a:effectLst/>
-                <a:cs typeface="Arial" panose="020B0604020202020204" pitchFamily="34" charset="0"/>
-              </a:rPr>
-              <a:t>sp</a:t>
-            </a:r>
-            <a:r>
-              <a:rPr kumimoji="0" lang="en-US" altLang="ko-KR" sz="800" b="0" i="0" u="none" strike="noStrike" cap="none" normalizeH="0" baseline="0" dirty="0">
-                <a:ln>
-                  <a:noFill/>
-                </a:ln>
-                <a:solidFill>
-                  <a:srgbClr val="000000"/>
-                </a:solidFill>
-                <a:effectLst/>
-                <a:cs typeface="Arial" panose="020B0604020202020204" pitchFamily="34" charset="0"/>
-              </a:rPr>
-              <a:t>-gr.</a:t>
-            </a:r>
-            <a:endParaRPr kumimoji="0" lang="ko-KR" altLang="ko-KR" sz="2800" b="0" i="0" u="none" strike="noStrike" cap="none" normalizeH="0" baseline="0" dirty="0">
+              <a:rPr kumimoji="0" lang="en-US" altLang="ko-KR" sz="800" b="0" i="0" u="none" strike="noStrike" cap="none" normalizeH="0" baseline="0">
+                <a:ln>
+                  <a:noFill/>
+                </a:ln>
+                <a:solidFill>
+                  <a:srgbClr val="000000"/>
+                </a:solidFill>
+                <a:effectLst/>
+                <a:cs typeface="Arial" panose="020B0604020202020204" pitchFamily="34" charset="0"/>
+              </a:rPr>
+              <a:t>S sp-gr.</a:t>
+            </a:r>
+            <a:endParaRPr kumimoji="0" lang="ko-KR" altLang="ko-KR" sz="2800" b="0" i="0" u="none" strike="noStrike" cap="none" normalizeH="0" baseline="0">
               <a:ln>
                 <a:noFill/>
               </a:ln>
@@ -4730,7 +4501,7 @@
               <a:tabLst/>
             </a:pPr>
             <a:r>
-              <a:rPr kumimoji="0" lang="ko-KR" altLang="ko-KR" sz="800" b="0" i="1" u="none" strike="noStrike" cap="none" normalizeH="0" baseline="0" dirty="0">
+              <a:rPr kumimoji="0" lang="ko-KR" altLang="ko-KR" sz="800" b="0" i="1" u="none" strike="noStrike" cap="none" normalizeH="0" baseline="0">
                 <a:ln>
                   <a:noFill/>
                 </a:ln>
@@ -4743,7 +4514,7 @@
               <a:t> </a:t>
             </a:r>
             <a:r>
-              <a:rPr kumimoji="0" lang="en-US" altLang="ko-KR" sz="800" b="0" i="1" u="none" strike="noStrike" cap="none" normalizeH="0" baseline="0" dirty="0">
+              <a:rPr kumimoji="0" lang="en-US" altLang="ko-KR" sz="800" b="0" i="1" u="none" strike="noStrike" cap="none" normalizeH="0" baseline="0">
                 <a:ln>
                   <a:noFill/>
                 </a:ln>
@@ -4756,7 +4527,7 @@
               <a:t>S. </a:t>
             </a:r>
             <a:r>
-              <a:rPr kumimoji="0" lang="ko-KR" altLang="ko-KR" sz="800" b="0" i="1" u="none" strike="noStrike" cap="none" normalizeH="0" baseline="0" dirty="0" err="1">
+              <a:rPr kumimoji="0" lang="ko-KR" altLang="ko-KR" sz="800" b="0" i="1" u="none" strike="noStrike" cap="none" normalizeH="0" baseline="0" err="1">
                 <a:ln>
                   <a:noFill/>
                 </a:ln>
@@ -4769,7 +4540,7 @@
               <a:t>multicaulis</a:t>
             </a:r>
             <a:r>
-              <a:rPr kumimoji="0" lang="ko-KR" altLang="en-US" sz="800" b="0" i="1" u="none" strike="noStrike" cap="none" normalizeH="0" baseline="0" dirty="0">
+              <a:rPr kumimoji="0" lang="ko-KR" altLang="en-US" sz="800" b="0" i="1" u="none" strike="noStrike" cap="none" normalizeH="0" baseline="0">
                 <a:ln>
                   <a:noFill/>
                 </a:ln>
@@ -4782,7 +4553,7 @@
               <a:t> </a:t>
             </a:r>
             <a:r>
-              <a:rPr kumimoji="0" lang="en-US" altLang="ko-KR" sz="800" b="0" i="0" u="none" strike="noStrike" cap="none" normalizeH="0" baseline="0" dirty="0">
+              <a:rPr kumimoji="0" lang="en-US" altLang="ko-KR" sz="800" b="0" i="0" u="none" strike="noStrike" cap="none" normalizeH="0" baseline="0">
                 <a:ln>
                   <a:noFill/>
                 </a:ln>
@@ -4795,7 +4566,7 @@
               <a:t>-</a:t>
             </a:r>
             <a:r>
-              <a:rPr kumimoji="0" lang="ko-KR" altLang="ko-KR" sz="800" b="0" i="0" u="none" strike="noStrike" cap="none" normalizeH="0" baseline="0" dirty="0">
+              <a:rPr kumimoji="0" lang="ko-KR" altLang="ko-KR" sz="800" b="0" i="0" u="none" strike="noStrike" cap="none" normalizeH="0" baseline="0">
                 <a:ln>
                   <a:noFill/>
                 </a:ln>
@@ -4808,45 +4579,19 @@
               <a:t>ORIENTALI</a:t>
             </a:r>
             <a:r>
-              <a:rPr kumimoji="0" lang="en-US" altLang="ko-KR" sz="800" b="0" i="0" u="none" strike="noStrike" cap="none" normalizeH="0" baseline="0" dirty="0">
-                <a:ln>
-                  <a:noFill/>
-                </a:ln>
-                <a:solidFill>
-                  <a:srgbClr val="000000"/>
-                </a:solidFill>
-                <a:effectLst/>
-                <a:cs typeface="Arial" panose="020B0604020202020204" pitchFamily="34" charset="0"/>
-              </a:rPr>
-              <a:t>S </a:t>
-            </a:r>
-            <a:r>
-              <a:rPr kumimoji="0" lang="en-US" altLang="ko-KR" sz="800" b="0" i="0" u="none" strike="noStrike" cap="none" normalizeH="0" baseline="0" dirty="0" err="1">
-                <a:ln>
-                  <a:noFill/>
-                </a:ln>
-                <a:solidFill>
-                  <a:srgbClr val="000000"/>
-                </a:solidFill>
-                <a:effectLst/>
-                <a:cs typeface="Arial" panose="020B0604020202020204" pitchFamily="34" charset="0"/>
-              </a:rPr>
-              <a:t>sp</a:t>
-            </a:r>
-            <a:r>
-              <a:rPr kumimoji="0" lang="en-US" altLang="ko-KR" sz="800" b="0" i="0" u="none" strike="noStrike" cap="none" normalizeH="0" baseline="0" dirty="0">
-                <a:ln>
-                  <a:noFill/>
-                </a:ln>
-                <a:solidFill>
-                  <a:srgbClr val="000000"/>
-                </a:solidFill>
-                <a:effectLst/>
-                <a:cs typeface="Arial" panose="020B0604020202020204" pitchFamily="34" charset="0"/>
-              </a:rPr>
-              <a:t>-gr.</a:t>
-            </a:r>
-            <a:endParaRPr kumimoji="0" lang="ko-KR" altLang="ko-KR" sz="2800" b="0" i="0" u="none" strike="noStrike" cap="none" normalizeH="0" baseline="0" dirty="0">
+              <a:rPr kumimoji="0" lang="en-US" altLang="ko-KR" sz="800" b="0" i="0" u="none" strike="noStrike" cap="none" normalizeH="0" baseline="0">
+                <a:ln>
+                  <a:noFill/>
+                </a:ln>
+                <a:solidFill>
+                  <a:srgbClr val="000000"/>
+                </a:solidFill>
+                <a:effectLst/>
+                <a:cs typeface="Arial" panose="020B0604020202020204" pitchFamily="34" charset="0"/>
+              </a:rPr>
+              <a:t>S sp-gr.</a:t>
+            </a:r>
+            <a:endParaRPr kumimoji="0" lang="ko-KR" altLang="ko-KR" sz="2800" b="0" i="0" u="none" strike="noStrike" cap="none" normalizeH="0" baseline="0">
               <a:ln>
                 <a:noFill/>
               </a:ln>
@@ -5137,7 +4882,7 @@
               <a:tabLst/>
             </a:pPr>
             <a:r>
-              <a:rPr kumimoji="0" lang="ko-KR" altLang="ko-KR" sz="800" b="0" i="1" u="none" strike="noStrike" cap="none" normalizeH="0" baseline="0" dirty="0">
+              <a:rPr kumimoji="0" lang="ko-KR" altLang="ko-KR" sz="800" b="0" i="1" u="none" strike="noStrike" cap="none" normalizeH="0" baseline="0">
                 <a:ln>
                   <a:noFill/>
                 </a:ln>
@@ -5150,7 +4895,7 @@
               <a:t> </a:t>
             </a:r>
             <a:r>
-              <a:rPr kumimoji="0" lang="en-US" altLang="ko-KR" sz="800" b="0" i="1" u="none" strike="noStrike" cap="none" normalizeH="0" baseline="0" dirty="0">
+              <a:rPr kumimoji="0" lang="en-US" altLang="ko-KR" sz="800" b="0" i="1" u="none" strike="noStrike" cap="none" normalizeH="0" baseline="0">
                 <a:ln>
                   <a:noFill/>
                 </a:ln>
@@ -5163,7 +4908,7 @@
               <a:t>S. </a:t>
             </a:r>
             <a:r>
-              <a:rPr kumimoji="0" lang="ko-KR" altLang="ko-KR" sz="800" b="0" i="1" u="none" strike="noStrike" cap="none" normalizeH="0" baseline="0" dirty="0" err="1">
+              <a:rPr kumimoji="0" lang="ko-KR" altLang="ko-KR" sz="800" b="0" i="1" u="none" strike="noStrike" cap="none" normalizeH="0" baseline="0" err="1">
                 <a:ln>
                   <a:noFill/>
                 </a:ln>
@@ -5176,7 +4921,7 @@
               <a:t>heydei</a:t>
             </a:r>
             <a:r>
-              <a:rPr kumimoji="0" lang="ko-KR" altLang="en-US" sz="800" b="0" i="1" u="none" strike="noStrike" cap="none" normalizeH="0" baseline="0" dirty="0">
+              <a:rPr kumimoji="0" lang="ko-KR" altLang="en-US" sz="800" b="0" i="1" u="none" strike="noStrike" cap="none" normalizeH="0" baseline="0">
                 <a:ln>
                   <a:noFill/>
                 </a:ln>
@@ -5189,7 +4934,7 @@
               <a:t> </a:t>
             </a:r>
             <a:r>
-              <a:rPr kumimoji="0" lang="en-US" altLang="ko-KR" sz="800" b="0" i="0" u="none" strike="noStrike" cap="none" normalizeH="0" baseline="0" dirty="0">
+              <a:rPr kumimoji="0" lang="en-US" altLang="ko-KR" sz="800" b="0" i="0" u="none" strike="noStrike" cap="none" normalizeH="0" baseline="0">
                 <a:ln>
                   <a:noFill/>
                 </a:ln>
@@ -5202,7 +4947,7 @@
               <a:t>-</a:t>
             </a:r>
             <a:r>
-              <a:rPr kumimoji="0" lang="ko-KR" altLang="ko-KR" sz="800" b="0" i="0" u="none" strike="noStrike" cap="none" normalizeH="0" baseline="0" dirty="0" err="1">
+              <a:rPr kumimoji="0" lang="ko-KR" altLang="ko-KR" sz="800" b="0" i="0" u="none" strike="noStrike" cap="none" normalizeH="0" baseline="0" err="1">
                 <a:ln>
                   <a:noFill/>
                 </a:ln>
@@ -5215,7 +4960,7 @@
               <a:t>Subsect</a:t>
             </a:r>
             <a:r>
-              <a:rPr kumimoji="0" lang="ko-KR" altLang="ko-KR" sz="800" b="0" i="0" u="none" strike="noStrike" cap="none" normalizeH="0" baseline="0" dirty="0">
+              <a:rPr kumimoji="0" lang="ko-KR" altLang="ko-KR" sz="800" b="0" i="0" u="none" strike="noStrike" cap="none" normalizeH="0" baseline="0">
                 <a:ln>
                   <a:noFill/>
                 </a:ln>
@@ -5228,7 +4973,7 @@
               <a:t> CYSTASPI</a:t>
             </a:r>
             <a:r>
-              <a:rPr kumimoji="0" lang="en-US" altLang="ko-KR" sz="800" b="0" i="0" u="none" strike="noStrike" cap="none" normalizeH="0" baseline="0" dirty="0">
+              <a:rPr kumimoji="0" lang="en-US" altLang="ko-KR" sz="800" b="0" i="0" u="none" strike="noStrike" cap="none" normalizeH="0" baseline="0">
                 <a:ln>
                   <a:noFill/>
                 </a:ln>
@@ -5241,7 +4986,7 @@
               <a:t>S. -</a:t>
             </a:r>
             <a:r>
-              <a:rPr kumimoji="0" lang="ko-KR" altLang="ko-KR" sz="800" b="0" i="0" u="none" strike="noStrike" cap="none" normalizeH="0" baseline="0" dirty="0" err="1">
+              <a:rPr kumimoji="0" lang="ko-KR" altLang="ko-KR" sz="800" b="0" i="0" u="none" strike="noStrike" cap="none" normalizeH="0" baseline="0" err="1">
                 <a:ln>
                   <a:noFill/>
                 </a:ln>
@@ -5254,7 +4999,7 @@
               <a:t>Sect</a:t>
             </a:r>
             <a:r>
-              <a:rPr kumimoji="0" lang="ko-KR" altLang="ko-KR" sz="800" b="0" i="0" u="none" strike="noStrike" cap="none" normalizeH="0" baseline="0" dirty="0">
+              <a:rPr kumimoji="0" lang="ko-KR" altLang="ko-KR" sz="800" b="0" i="0" u="none" strike="noStrike" cap="none" normalizeH="0" baseline="0">
                 <a:ln>
                   <a:noFill/>
                 </a:ln>
@@ -5266,7 +5011,7 @@
               </a:rPr>
               <a:t> LUPULINARIA</a:t>
             </a:r>
-            <a:endParaRPr kumimoji="0" lang="ko-KR" altLang="ko-KR" sz="2800" b="0" i="0" u="none" strike="noStrike" cap="none" normalizeH="0" baseline="0" dirty="0">
+            <a:endParaRPr kumimoji="0" lang="ko-KR" altLang="ko-KR" sz="2800" b="0" i="0" u="none" strike="noStrike" cap="none" normalizeH="0" baseline="0">
               <a:ln>
                 <a:noFill/>
               </a:ln>
@@ -5727,7 +5472,7 @@
               <a:tabLst/>
             </a:pPr>
             <a:r>
-              <a:rPr kumimoji="0" lang="ko-KR" altLang="ko-KR" sz="800" b="0" i="1" u="none" strike="noStrike" cap="none" normalizeH="0" baseline="0" dirty="0">
+              <a:rPr kumimoji="0" lang="ko-KR" altLang="ko-KR" sz="800" b="0" i="1" u="none" strike="noStrike" cap="none" normalizeH="0" baseline="0">
                 <a:ln>
                   <a:noFill/>
                 </a:ln>
@@ -5740,7 +5485,7 @@
               <a:t> </a:t>
             </a:r>
             <a:r>
-              <a:rPr kumimoji="0" lang="en-US" altLang="ko-KR" sz="800" b="0" i="1" u="none" strike="noStrike" cap="none" normalizeH="0" baseline="0" dirty="0">
+              <a:rPr kumimoji="0" lang="en-US" altLang="ko-KR" sz="800" b="0" i="1" u="none" strike="noStrike" cap="none" normalizeH="0" baseline="0">
                 <a:ln>
                   <a:noFill/>
                 </a:ln>
@@ -5753,7 +5498,7 @@
               <a:t>S. </a:t>
             </a:r>
             <a:r>
-              <a:rPr kumimoji="0" lang="ko-KR" altLang="ko-KR" sz="800" b="0" i="1" u="none" strike="noStrike" cap="none" normalizeH="0" baseline="0" dirty="0" err="1">
+              <a:rPr kumimoji="0" lang="ko-KR" altLang="ko-KR" sz="800" b="0" i="1" u="none" strike="noStrike" cap="none" normalizeH="0" baseline="0" err="1">
                 <a:ln>
                   <a:noFill/>
                 </a:ln>
@@ -5766,7 +5511,7 @@
               <a:t>leptosiphon</a:t>
             </a:r>
             <a:r>
-              <a:rPr kumimoji="0" lang="ko-KR" altLang="en-US" sz="800" b="0" i="1" u="none" strike="noStrike" cap="none" normalizeH="0" baseline="0" dirty="0">
+              <a:rPr kumimoji="0" lang="ko-KR" altLang="en-US" sz="800" b="0" i="1" u="none" strike="noStrike" cap="none" normalizeH="0" baseline="0">
                 <a:ln>
                   <a:noFill/>
                 </a:ln>
@@ -5779,7 +5524,7 @@
               <a:t> </a:t>
             </a:r>
             <a:r>
-              <a:rPr kumimoji="0" lang="en-US" altLang="ko-KR" sz="800" b="0" i="0" u="none" strike="noStrike" cap="none" normalizeH="0" baseline="0" dirty="0">
+              <a:rPr kumimoji="0" lang="en-US" altLang="ko-KR" sz="800" b="0" i="0" u="none" strike="noStrike" cap="none" normalizeH="0" baseline="0">
                 <a:ln>
                   <a:noFill/>
                 </a:ln>
@@ -5792,7 +5537,7 @@
               <a:t>-</a:t>
             </a:r>
             <a:r>
-              <a:rPr kumimoji="0" lang="ko-KR" altLang="ko-KR" sz="800" b="0" i="0" u="none" strike="noStrike" cap="none" normalizeH="0" baseline="0" dirty="0" err="1">
+              <a:rPr kumimoji="0" lang="ko-KR" altLang="ko-KR" sz="800" b="0" i="0" u="none" strike="noStrike" cap="none" normalizeH="0" baseline="0" err="1">
                 <a:ln>
                   <a:noFill/>
                 </a:ln>
@@ -5805,7 +5550,7 @@
               <a:t>Sect</a:t>
             </a:r>
             <a:r>
-              <a:rPr kumimoji="0" lang="ko-KR" altLang="ko-KR" sz="800" b="0" i="0" u="none" strike="noStrike" cap="none" normalizeH="0" baseline="0" dirty="0">
+              <a:rPr kumimoji="0" lang="ko-KR" altLang="ko-KR" sz="800" b="0" i="0" u="none" strike="noStrike" cap="none" normalizeH="0" baseline="0">
                 <a:ln>
                   <a:noFill/>
                 </a:ln>
@@ -5817,7 +5562,7 @@
               </a:rPr>
               <a:t> APELTANTHUS</a:t>
             </a:r>
-            <a:endParaRPr kumimoji="0" lang="ko-KR" altLang="ko-KR" sz="2800" b="0" i="0" u="none" strike="noStrike" cap="none" normalizeH="0" baseline="0" dirty="0">
+            <a:endParaRPr kumimoji="0" lang="ko-KR" altLang="ko-KR" sz="2800" b="0" i="0" u="none" strike="noStrike" cap="none" normalizeH="0" baseline="0">
               <a:ln>
                 <a:noFill/>
               </a:ln>
@@ -6108,7 +5853,7 @@
               <a:tabLst/>
             </a:pPr>
             <a:r>
-              <a:rPr kumimoji="0" lang="ko-KR" altLang="ko-KR" sz="800" b="0" i="1" u="none" strike="noStrike" cap="none" normalizeH="0" baseline="0" dirty="0">
+              <a:rPr kumimoji="0" lang="ko-KR" altLang="ko-KR" sz="800" b="0" i="1" u="none" strike="noStrike" cap="none" normalizeH="0" baseline="0">
                 <a:ln>
                   <a:noFill/>
                 </a:ln>
@@ -6121,7 +5866,7 @@
               <a:t> </a:t>
             </a:r>
             <a:r>
-              <a:rPr kumimoji="0" lang="en-US" altLang="ko-KR" sz="800" b="0" i="1" u="none" strike="noStrike" cap="none" normalizeH="0" baseline="0" dirty="0">
+              <a:rPr kumimoji="0" lang="en-US" altLang="ko-KR" sz="800" b="0" i="1" u="none" strike="noStrike" cap="none" normalizeH="0" baseline="0">
                 <a:ln>
                   <a:noFill/>
                 </a:ln>
@@ -6134,7 +5879,7 @@
               <a:t>S. </a:t>
             </a:r>
             <a:r>
-              <a:rPr kumimoji="0" lang="ko-KR" altLang="ko-KR" sz="800" b="0" i="1" u="none" strike="noStrike" cap="none" normalizeH="0" baseline="0" dirty="0" err="1">
+              <a:rPr kumimoji="0" lang="ko-KR" altLang="ko-KR" sz="800" b="0" i="1" u="none" strike="noStrike" cap="none" normalizeH="0" baseline="0" err="1">
                 <a:ln>
                   <a:noFill/>
                 </a:ln>
@@ -6147,7 +5892,7 @@
               <a:t>alpina</a:t>
             </a:r>
             <a:r>
-              <a:rPr kumimoji="0" lang="ko-KR" altLang="en-US" sz="800" b="0" i="1" u="none" strike="noStrike" cap="none" normalizeH="0" baseline="0" dirty="0">
+              <a:rPr kumimoji="0" lang="ko-KR" altLang="en-US" sz="800" b="0" i="1" u="none" strike="noStrike" cap="none" normalizeH="0" baseline="0">
                 <a:ln>
                   <a:noFill/>
                 </a:ln>
@@ -6160,7 +5905,7 @@
               <a:t> </a:t>
             </a:r>
             <a:r>
-              <a:rPr kumimoji="0" lang="en-US" altLang="ko-KR" sz="800" b="0" i="0" u="none" strike="noStrike" cap="none" normalizeH="0" baseline="0" dirty="0">
+              <a:rPr kumimoji="0" lang="en-US" altLang="ko-KR" sz="800" b="0" i="0" u="none" strike="noStrike" cap="none" normalizeH="0" baseline="0">
                 <a:ln>
                   <a:noFill/>
                 </a:ln>
@@ -6173,7 +5918,7 @@
               <a:t>-</a:t>
             </a:r>
             <a:r>
-              <a:rPr kumimoji="0" lang="ko-KR" altLang="ko-KR" sz="800" b="0" i="0" u="none" strike="noStrike" cap="none" normalizeH="0" baseline="0" dirty="0">
+              <a:rPr kumimoji="0" lang="ko-KR" altLang="ko-KR" sz="800" b="0" i="0" u="none" strike="noStrike" cap="none" normalizeH="0" baseline="0">
                 <a:ln>
                   <a:noFill/>
                 </a:ln>
@@ -6186,45 +5931,19 @@
               <a:t>ORIENTALI</a:t>
             </a:r>
             <a:r>
-              <a:rPr kumimoji="0" lang="en-US" altLang="ko-KR" sz="800" b="0" i="0" u="none" strike="noStrike" cap="none" normalizeH="0" baseline="0" dirty="0">
-                <a:ln>
-                  <a:noFill/>
-                </a:ln>
-                <a:solidFill>
-                  <a:srgbClr val="000000"/>
-                </a:solidFill>
-                <a:effectLst/>
-                <a:cs typeface="Arial" panose="020B0604020202020204" pitchFamily="34" charset="0"/>
-              </a:rPr>
-              <a:t>S </a:t>
-            </a:r>
-            <a:r>
-              <a:rPr kumimoji="0" lang="en-US" altLang="ko-KR" sz="800" b="0" i="0" u="none" strike="noStrike" cap="none" normalizeH="0" baseline="0" dirty="0" err="1">
-                <a:ln>
-                  <a:noFill/>
-                </a:ln>
-                <a:solidFill>
-                  <a:srgbClr val="000000"/>
-                </a:solidFill>
-                <a:effectLst/>
-                <a:cs typeface="Arial" panose="020B0604020202020204" pitchFamily="34" charset="0"/>
-              </a:rPr>
-              <a:t>sp</a:t>
-            </a:r>
-            <a:r>
-              <a:rPr kumimoji="0" lang="en-US" altLang="ko-KR" sz="800" b="0" i="0" u="none" strike="noStrike" cap="none" normalizeH="0" baseline="0" dirty="0">
-                <a:ln>
-                  <a:noFill/>
-                </a:ln>
-                <a:solidFill>
-                  <a:srgbClr val="000000"/>
-                </a:solidFill>
-                <a:effectLst/>
-                <a:cs typeface="Arial" panose="020B0604020202020204" pitchFamily="34" charset="0"/>
-              </a:rPr>
-              <a:t>-gr.</a:t>
-            </a:r>
-            <a:endParaRPr kumimoji="0" lang="ko-KR" altLang="ko-KR" sz="2800" b="0" i="0" u="none" strike="noStrike" cap="none" normalizeH="0" baseline="0" dirty="0">
+              <a:rPr kumimoji="0" lang="en-US" altLang="ko-KR" sz="800" b="0" i="0" u="none" strike="noStrike" cap="none" normalizeH="0" baseline="0">
+                <a:ln>
+                  <a:noFill/>
+                </a:ln>
+                <a:solidFill>
+                  <a:srgbClr val="000000"/>
+                </a:solidFill>
+                <a:effectLst/>
+                <a:cs typeface="Arial" panose="020B0604020202020204" pitchFamily="34" charset="0"/>
+              </a:rPr>
+              <a:t>S sp-gr.</a:t>
+            </a:r>
+            <a:endParaRPr kumimoji="0" lang="ko-KR" altLang="ko-KR" sz="2800" b="0" i="0" u="none" strike="noStrike" cap="none" normalizeH="0" baseline="0">
               <a:ln>
                 <a:noFill/>
               </a:ln>
@@ -6515,7 +6234,7 @@
               <a:tabLst/>
             </a:pPr>
             <a:r>
-              <a:rPr kumimoji="0" lang="ko-KR" altLang="ko-KR" sz="800" b="0" i="1" u="none" strike="noStrike" cap="none" normalizeH="0" baseline="0" dirty="0">
+              <a:rPr kumimoji="0" lang="ko-KR" altLang="ko-KR" sz="800" b="0" i="1" u="none" strike="noStrike" cap="none" normalizeH="0" baseline="0">
                 <a:ln>
                   <a:noFill/>
                 </a:ln>
@@ -6528,7 +6247,7 @@
               <a:t> </a:t>
             </a:r>
             <a:r>
-              <a:rPr kumimoji="0" lang="en-US" altLang="ko-KR" sz="800" b="0" i="1" u="none" strike="noStrike" cap="none" normalizeH="0" baseline="0" dirty="0">
+              <a:rPr kumimoji="0" lang="en-US" altLang="ko-KR" sz="800" b="0" i="1" u="none" strike="noStrike" cap="none" normalizeH="0" baseline="0">
                 <a:ln>
                   <a:noFill/>
                 </a:ln>
@@ -6541,7 +6260,7 @@
               <a:t>S. </a:t>
             </a:r>
             <a:r>
-              <a:rPr kumimoji="0" lang="ko-KR" altLang="ko-KR" sz="800" b="0" i="1" u="none" strike="noStrike" cap="none" normalizeH="0" baseline="0" dirty="0" err="1">
+              <a:rPr kumimoji="0" lang="ko-KR" altLang="ko-KR" sz="800" b="0" i="1" u="none" strike="noStrike" cap="none" normalizeH="0" baseline="0" err="1">
                 <a:ln>
                   <a:noFill/>
                 </a:ln>
@@ -6554,7 +6273,7 @@
               <a:t>prostrata</a:t>
             </a:r>
             <a:r>
-              <a:rPr kumimoji="0" lang="ko-KR" altLang="en-US" sz="800" b="0" i="1" u="none" strike="noStrike" cap="none" normalizeH="0" baseline="0" dirty="0">
+              <a:rPr kumimoji="0" lang="ko-KR" altLang="en-US" sz="800" b="0" i="1" u="none" strike="noStrike" cap="none" normalizeH="0" baseline="0">
                 <a:ln>
                   <a:noFill/>
                 </a:ln>
@@ -6567,7 +6286,7 @@
               <a:t> </a:t>
             </a:r>
             <a:r>
-              <a:rPr kumimoji="0" lang="en-US" altLang="ko-KR" sz="800" b="0" i="0" u="none" strike="noStrike" cap="none" normalizeH="0" baseline="0" dirty="0">
+              <a:rPr kumimoji="0" lang="en-US" altLang="ko-KR" sz="800" b="0" i="0" u="none" strike="noStrike" cap="none" normalizeH="0" baseline="0">
                 <a:ln>
                   <a:noFill/>
                 </a:ln>
@@ -6580,7 +6299,7 @@
               <a:t>-</a:t>
             </a:r>
             <a:r>
-              <a:rPr kumimoji="0" lang="ko-KR" altLang="ko-KR" sz="800" b="0" i="0" u="none" strike="noStrike" cap="none" normalizeH="0" baseline="0" dirty="0" err="1">
+              <a:rPr kumimoji="0" lang="ko-KR" altLang="ko-KR" sz="800" b="0" i="0" u="none" strike="noStrike" cap="none" normalizeH="0" baseline="0" err="1">
                 <a:ln>
                   <a:noFill/>
                 </a:ln>
@@ -6592,7 +6311,7 @@
               </a:rPr>
               <a:t>Q</a:t>
             </a:r>
-            <a:endParaRPr kumimoji="0" lang="ko-KR" altLang="ko-KR" sz="2800" b="0" i="0" u="none" strike="noStrike" cap="none" normalizeH="0" baseline="0" dirty="0">
+            <a:endParaRPr kumimoji="0" lang="ko-KR" altLang="ko-KR" sz="2800" b="0" i="0" u="none" strike="noStrike" cap="none" normalizeH="0" baseline="0">
               <a:ln>
                 <a:noFill/>
               </a:ln>
@@ -6880,7 +6599,7 @@
               <a:tabLst/>
             </a:pPr>
             <a:r>
-              <a:rPr kumimoji="0" lang="ko-KR" altLang="ko-KR" sz="800" b="0" i="1" u="none" strike="noStrike" cap="none" normalizeH="0" baseline="0" dirty="0">
+              <a:rPr kumimoji="0" lang="ko-KR" altLang="ko-KR" sz="800" b="0" i="1" u="none" strike="noStrike" cap="none" normalizeH="0" baseline="0">
                 <a:ln>
                   <a:noFill/>
                 </a:ln>
@@ -6893,7 +6612,7 @@
               <a:t> </a:t>
             </a:r>
             <a:r>
-              <a:rPr kumimoji="0" lang="en-US" altLang="ko-KR" sz="800" b="0" i="1" u="none" strike="noStrike" cap="none" normalizeH="0" baseline="0" dirty="0">
+              <a:rPr kumimoji="0" lang="en-US" altLang="ko-KR" sz="800" b="0" i="1" u="none" strike="noStrike" cap="none" normalizeH="0" baseline="0">
                 <a:ln>
                   <a:noFill/>
                 </a:ln>
@@ -6906,7 +6625,7 @@
               <a:t>S. </a:t>
             </a:r>
             <a:r>
-              <a:rPr kumimoji="0" lang="ko-KR" altLang="ko-KR" sz="800" b="0" i="1" u="none" strike="noStrike" cap="none" normalizeH="0" baseline="0" dirty="0" err="1">
+              <a:rPr kumimoji="0" lang="ko-KR" altLang="ko-KR" sz="800" b="0" i="1" u="none" strike="noStrike" cap="none" normalizeH="0" baseline="0" err="1">
                 <a:ln>
                   <a:noFill/>
                 </a:ln>
@@ -6919,7 +6638,7 @@
               <a:t>przewalskii</a:t>
             </a:r>
             <a:r>
-              <a:rPr kumimoji="0" lang="ko-KR" altLang="en-US" sz="800" b="0" i="1" u="none" strike="noStrike" cap="none" normalizeH="0" baseline="0" dirty="0">
+              <a:rPr kumimoji="0" lang="ko-KR" altLang="en-US" sz="800" b="0" i="1" u="none" strike="noStrike" cap="none" normalizeH="0" baseline="0">
                 <a:ln>
                   <a:noFill/>
                 </a:ln>
@@ -6932,7 +6651,7 @@
               <a:t> </a:t>
             </a:r>
             <a:r>
-              <a:rPr kumimoji="0" lang="en-US" altLang="ko-KR" sz="800" b="0" i="0" u="none" strike="noStrike" cap="none" normalizeH="0" baseline="0" dirty="0">
+              <a:rPr kumimoji="0" lang="en-US" altLang="ko-KR" sz="800" b="0" i="0" u="none" strike="noStrike" cap="none" normalizeH="0" baseline="0">
                 <a:ln>
                   <a:noFill/>
                 </a:ln>
@@ -6945,7 +6664,7 @@
               <a:t>-</a:t>
             </a:r>
             <a:r>
-              <a:rPr kumimoji="0" lang="ko-KR" altLang="ko-KR" sz="800" b="0" i="0" u="none" strike="noStrike" cap="none" normalizeH="0" baseline="0" dirty="0" err="1">
+              <a:rPr kumimoji="0" lang="ko-KR" altLang="ko-KR" sz="800" b="0" i="0" u="none" strike="noStrike" cap="none" normalizeH="0" baseline="0" err="1">
                 <a:ln>
                   <a:noFill/>
                 </a:ln>
@@ -6957,7 +6676,7 @@
               </a:rPr>
               <a:t>Q</a:t>
             </a:r>
-            <a:endParaRPr kumimoji="0" lang="ko-KR" altLang="ko-KR" sz="2800" b="0" i="0" u="none" strike="noStrike" cap="none" normalizeH="0" baseline="0" dirty="0">
+            <a:endParaRPr kumimoji="0" lang="ko-KR" altLang="ko-KR" sz="2800" b="0" i="0" u="none" strike="noStrike" cap="none" normalizeH="0" baseline="0">
               <a:ln>
                 <a:noFill/>
               </a:ln>
@@ -7516,7 +7235,7 @@
               <a:tabLst/>
             </a:pPr>
             <a:r>
-              <a:rPr kumimoji="0" lang="ko-KR" altLang="ko-KR" sz="800" b="0" i="1" u="none" strike="noStrike" cap="none" normalizeH="0" baseline="0" dirty="0">
+              <a:rPr kumimoji="0" lang="ko-KR" altLang="ko-KR" sz="800" b="0" i="1" u="none" strike="noStrike" cap="none" normalizeH="0" baseline="0">
                 <a:ln>
                   <a:noFill/>
                 </a:ln>
@@ -7529,7 +7248,7 @@
               <a:t> </a:t>
             </a:r>
             <a:r>
-              <a:rPr kumimoji="0" lang="en-US" altLang="ko-KR" sz="800" b="0" i="1" u="none" strike="noStrike" cap="none" normalizeH="0" baseline="0" dirty="0">
+              <a:rPr kumimoji="0" lang="en-US" altLang="ko-KR" sz="800" b="0" i="1" u="none" strike="noStrike" cap="none" normalizeH="0" baseline="0">
                 <a:ln>
                   <a:noFill/>
                 </a:ln>
@@ -7542,7 +7261,7 @@
               <a:t>S. </a:t>
             </a:r>
             <a:r>
-              <a:rPr kumimoji="0" lang="ko-KR" altLang="ko-KR" sz="800" b="0" i="1" u="none" strike="noStrike" cap="none" normalizeH="0" baseline="0" dirty="0" err="1">
+              <a:rPr kumimoji="0" lang="ko-KR" altLang="ko-KR" sz="800" b="0" i="1" u="none" strike="noStrike" cap="none" normalizeH="0" baseline="0" err="1">
                 <a:ln>
                   <a:noFill/>
                 </a:ln>
@@ -7555,7 +7274,7 @@
               <a:t>baicalensis</a:t>
             </a:r>
             <a:r>
-              <a:rPr kumimoji="0" lang="ko-KR" altLang="en-US" sz="800" b="0" i="1" u="none" strike="noStrike" cap="none" normalizeH="0" baseline="0" dirty="0">
+              <a:rPr kumimoji="0" lang="ko-KR" altLang="en-US" sz="800" b="0" i="1" u="none" strike="noStrike" cap="none" normalizeH="0" baseline="0">
                 <a:ln>
                   <a:noFill/>
                 </a:ln>
@@ -7568,7 +7287,7 @@
               <a:t> </a:t>
             </a:r>
             <a:r>
-              <a:rPr kumimoji="0" lang="en-US" altLang="ko-KR" sz="800" b="0" i="0" u="none" strike="noStrike" cap="none" normalizeH="0" baseline="0" dirty="0">
+              <a:rPr kumimoji="0" lang="en-US" altLang="ko-KR" sz="800" b="0" i="0" u="none" strike="noStrike" cap="none" normalizeH="0" baseline="0">
                 <a:ln>
                   <a:noFill/>
                 </a:ln>
@@ -7581,7 +7300,7 @@
               <a:t>-</a:t>
             </a:r>
             <a:r>
-              <a:rPr kumimoji="0" lang="ko-KR" altLang="ko-KR" sz="800" b="0" i="0" u="none" strike="noStrike" cap="none" normalizeH="0" baseline="0" dirty="0">
+              <a:rPr kumimoji="0" lang="ko-KR" altLang="ko-KR" sz="800" b="0" i="0" u="none" strike="noStrike" cap="none" normalizeH="0" baseline="0">
                 <a:ln>
                   <a:noFill/>
                 </a:ln>
@@ -7594,32 +7313,19 @@
               <a:t>STRIGILLOSA </a:t>
             </a:r>
             <a:r>
-              <a:rPr kumimoji="0" lang="en-US" altLang="ko-KR" sz="800" b="0" i="0" u="none" strike="noStrike" cap="none" normalizeH="0" baseline="0" dirty="0" err="1">
-                <a:ln>
-                  <a:noFill/>
-                </a:ln>
-                <a:solidFill>
-                  <a:srgbClr val="000000"/>
-                </a:solidFill>
-                <a:effectLst/>
-                <a:cs typeface="Arial" panose="020B0604020202020204" pitchFamily="34" charset="0"/>
-              </a:rPr>
-              <a:t>sp</a:t>
-            </a:r>
-            <a:r>
-              <a:rPr kumimoji="0" lang="en-US" altLang="ko-KR" sz="800" b="0" i="0" u="none" strike="noStrike" cap="none" normalizeH="0" baseline="0" dirty="0">
-                <a:ln>
-                  <a:noFill/>
-                </a:ln>
-                <a:solidFill>
-                  <a:srgbClr val="000000"/>
-                </a:solidFill>
-                <a:effectLst/>
-                <a:cs typeface="Arial" panose="020B0604020202020204" pitchFamily="34" charset="0"/>
-              </a:rPr>
-              <a:t>-gr.</a:t>
-            </a:r>
-            <a:endParaRPr kumimoji="0" lang="ko-KR" altLang="ko-KR" sz="2800" b="0" i="0" u="none" strike="noStrike" cap="none" normalizeH="0" baseline="0" dirty="0">
+              <a:rPr kumimoji="0" lang="en-US" altLang="ko-KR" sz="800" b="0" i="0" u="none" strike="noStrike" cap="none" normalizeH="0" baseline="0">
+                <a:ln>
+                  <a:noFill/>
+                </a:ln>
+                <a:solidFill>
+                  <a:srgbClr val="000000"/>
+                </a:solidFill>
+                <a:effectLst/>
+                <a:cs typeface="Arial" panose="020B0604020202020204" pitchFamily="34" charset="0"/>
+              </a:rPr>
+              <a:t>sp-gr.</a:t>
+            </a:r>
+            <a:endParaRPr kumimoji="0" lang="ko-KR" altLang="ko-KR" sz="2800" b="0" i="0" u="none" strike="noStrike" cap="none" normalizeH="0" baseline="0">
               <a:ln>
                 <a:noFill/>
               </a:ln>
@@ -7995,7 +7701,7 @@
               <a:tabLst/>
             </a:pPr>
             <a:r>
-              <a:rPr kumimoji="0" lang="ko-KR" altLang="ko-KR" sz="800" b="0" i="1" u="none" strike="noStrike" cap="none" normalizeH="0" baseline="0" dirty="0">
+              <a:rPr kumimoji="0" lang="ko-KR" altLang="ko-KR" sz="800" b="0" i="1" u="none" strike="noStrike" cap="none" normalizeH="0" baseline="0">
                 <a:ln>
                   <a:noFill/>
                 </a:ln>
@@ -8008,7 +7714,7 @@
               <a:t> </a:t>
             </a:r>
             <a:r>
-              <a:rPr kumimoji="0" lang="en-US" altLang="ko-KR" sz="800" b="0" i="1" u="none" strike="noStrike" cap="none" normalizeH="0" baseline="0" dirty="0">
+              <a:rPr kumimoji="0" lang="en-US" altLang="ko-KR" sz="800" b="0" i="1" u="none" strike="noStrike" cap="none" normalizeH="0" baseline="0">
                 <a:ln>
                   <a:noFill/>
                 </a:ln>
@@ -8021,7 +7727,7 @@
               <a:t>S. </a:t>
             </a:r>
             <a:r>
-              <a:rPr kumimoji="0" lang="ko-KR" altLang="ko-KR" sz="800" b="0" i="1" u="none" strike="noStrike" cap="none" normalizeH="0" baseline="0" dirty="0" err="1">
+              <a:rPr kumimoji="0" lang="ko-KR" altLang="ko-KR" sz="800" b="0" i="1" u="none" strike="noStrike" cap="none" normalizeH="0" baseline="0" err="1">
                 <a:ln>
                   <a:noFill/>
                 </a:ln>
@@ -8034,7 +7740,7 @@
               <a:t>scordiifolia</a:t>
             </a:r>
             <a:r>
-              <a:rPr kumimoji="0" lang="ko-KR" altLang="en-US" sz="800" b="0" i="1" u="none" strike="noStrike" cap="none" normalizeH="0" baseline="0" dirty="0">
+              <a:rPr kumimoji="0" lang="ko-KR" altLang="en-US" sz="800" b="0" i="1" u="none" strike="noStrike" cap="none" normalizeH="0" baseline="0">
                 <a:ln>
                   <a:noFill/>
                 </a:ln>
@@ -8047,7 +7753,7 @@
               <a:t> </a:t>
             </a:r>
             <a:r>
-              <a:rPr kumimoji="0" lang="en-US" altLang="ko-KR" sz="800" b="0" i="0" u="none" strike="noStrike" cap="none" normalizeH="0" baseline="0" dirty="0">
+              <a:rPr kumimoji="0" lang="en-US" altLang="ko-KR" sz="800" b="0" i="0" u="none" strike="noStrike" cap="none" normalizeH="0" baseline="0">
                 <a:ln>
                   <a:noFill/>
                 </a:ln>
@@ -8060,7 +7766,7 @@
               <a:t>-</a:t>
             </a:r>
             <a:r>
-              <a:rPr kumimoji="0" lang="ko-KR" altLang="ko-KR" sz="800" b="0" i="0" u="none" strike="noStrike" cap="none" normalizeH="0" baseline="0" dirty="0">
+              <a:rPr kumimoji="0" lang="ko-KR" altLang="ko-KR" sz="800" b="0" i="0" u="none" strike="noStrike" cap="none" normalizeH="0" baseline="0">
                 <a:ln>
                   <a:noFill/>
                 </a:ln>
@@ -8073,32 +7779,19 @@
               <a:t>STRIGILLOSA </a:t>
             </a:r>
             <a:r>
-              <a:rPr kumimoji="0" lang="en-US" altLang="ko-KR" sz="800" b="0" i="0" u="none" strike="noStrike" cap="none" normalizeH="0" baseline="0" dirty="0" err="1">
-                <a:ln>
-                  <a:noFill/>
-                </a:ln>
-                <a:solidFill>
-                  <a:srgbClr val="000000"/>
-                </a:solidFill>
-                <a:effectLst/>
-                <a:cs typeface="Arial" panose="020B0604020202020204" pitchFamily="34" charset="0"/>
-              </a:rPr>
-              <a:t>sp</a:t>
-            </a:r>
-            <a:r>
-              <a:rPr kumimoji="0" lang="en-US" altLang="ko-KR" sz="800" b="0" i="0" u="none" strike="noStrike" cap="none" normalizeH="0" baseline="0" dirty="0">
-                <a:ln>
-                  <a:noFill/>
-                </a:ln>
-                <a:solidFill>
-                  <a:srgbClr val="000000"/>
-                </a:solidFill>
-                <a:effectLst/>
-                <a:cs typeface="Arial" panose="020B0604020202020204" pitchFamily="34" charset="0"/>
-              </a:rPr>
-              <a:t>-gr.</a:t>
-            </a:r>
-            <a:endParaRPr kumimoji="0" lang="ko-KR" altLang="ko-KR" sz="2800" b="0" i="0" u="none" strike="noStrike" cap="none" normalizeH="0" baseline="0" dirty="0">
+              <a:rPr kumimoji="0" lang="en-US" altLang="ko-KR" sz="800" b="0" i="0" u="none" strike="noStrike" cap="none" normalizeH="0" baseline="0">
+                <a:ln>
+                  <a:noFill/>
+                </a:ln>
+                <a:solidFill>
+                  <a:srgbClr val="000000"/>
+                </a:solidFill>
+                <a:effectLst/>
+                <a:cs typeface="Arial" panose="020B0604020202020204" pitchFamily="34" charset="0"/>
+              </a:rPr>
+              <a:t>sp-gr.</a:t>
+            </a:r>
+            <a:endParaRPr kumimoji="0" lang="ko-KR" altLang="ko-KR" sz="2800" b="0" i="0" u="none" strike="noStrike" cap="none" normalizeH="0" baseline="0">
               <a:ln>
                 <a:noFill/>
               </a:ln>
@@ -8386,7 +8079,7 @@
               <a:tabLst/>
             </a:pPr>
             <a:r>
-              <a:rPr kumimoji="0" lang="ko-KR" altLang="ko-KR" sz="800" b="0" i="1" u="none" strike="noStrike" cap="none" normalizeH="0" baseline="0" dirty="0">
+              <a:rPr kumimoji="0" lang="ko-KR" altLang="ko-KR" sz="800" b="0" i="1" u="none" strike="noStrike" cap="none" normalizeH="0" baseline="0">
                 <a:ln>
                   <a:noFill/>
                 </a:ln>
@@ -8399,7 +8092,7 @@
               <a:t> </a:t>
             </a:r>
             <a:r>
-              <a:rPr kumimoji="0" lang="en-US" altLang="ko-KR" sz="800" b="0" i="1" u="none" strike="noStrike" cap="none" normalizeH="0" baseline="0" dirty="0">
+              <a:rPr kumimoji="0" lang="en-US" altLang="ko-KR" sz="800" b="0" i="1" u="none" strike="noStrike" cap="none" normalizeH="0" baseline="0">
                 <a:ln>
                   <a:noFill/>
                 </a:ln>
@@ -8412,7 +8105,7 @@
               <a:t>S. </a:t>
             </a:r>
             <a:r>
-              <a:rPr kumimoji="0" lang="ko-KR" altLang="ko-KR" sz="800" b="0" i="1" u="none" strike="noStrike" cap="none" normalizeH="0" baseline="0" dirty="0" err="1">
+              <a:rPr kumimoji="0" lang="ko-KR" altLang="ko-KR" sz="800" b="0" i="1" u="none" strike="noStrike" cap="none" normalizeH="0" baseline="0" err="1">
                 <a:ln>
                   <a:noFill/>
                 </a:ln>
@@ -8425,7 +8118,7 @@
               <a:t>strigillosa</a:t>
             </a:r>
             <a:r>
-              <a:rPr kumimoji="0" lang="ko-KR" altLang="en-US" sz="800" b="0" i="1" u="none" strike="noStrike" cap="none" normalizeH="0" baseline="0" dirty="0">
+              <a:rPr kumimoji="0" lang="ko-KR" altLang="en-US" sz="800" b="0" i="1" u="none" strike="noStrike" cap="none" normalizeH="0" baseline="0">
                 <a:ln>
                   <a:noFill/>
                 </a:ln>
@@ -8438,7 +8131,7 @@
               <a:t> </a:t>
             </a:r>
             <a:r>
-              <a:rPr kumimoji="0" lang="en-US" altLang="ko-KR" sz="800" b="0" i="0" u="none" strike="noStrike" cap="none" normalizeH="0" baseline="0" dirty="0">
+              <a:rPr kumimoji="0" lang="en-US" altLang="ko-KR" sz="800" b="0" i="0" u="none" strike="noStrike" cap="none" normalizeH="0" baseline="0">
                 <a:ln>
                   <a:noFill/>
                 </a:ln>
@@ -8451,7 +8144,7 @@
               <a:t>-</a:t>
             </a:r>
             <a:r>
-              <a:rPr kumimoji="0" lang="ko-KR" altLang="ko-KR" sz="800" b="0" i="0" u="none" strike="noStrike" cap="none" normalizeH="0" baseline="0" dirty="0">
+              <a:rPr kumimoji="0" lang="ko-KR" altLang="ko-KR" sz="800" b="0" i="0" u="none" strike="noStrike" cap="none" normalizeH="0" baseline="0">
                 <a:ln>
                   <a:noFill/>
                 </a:ln>
@@ -8464,32 +8157,19 @@
               <a:t>STRIGILLOSA </a:t>
             </a:r>
             <a:r>
-              <a:rPr kumimoji="0" lang="en-US" altLang="ko-KR" sz="800" b="0" i="0" u="none" strike="noStrike" cap="none" normalizeH="0" baseline="0" dirty="0" err="1">
-                <a:ln>
-                  <a:noFill/>
-                </a:ln>
-                <a:solidFill>
-                  <a:srgbClr val="000000"/>
-                </a:solidFill>
-                <a:effectLst/>
-                <a:cs typeface="Arial" panose="020B0604020202020204" pitchFamily="34" charset="0"/>
-              </a:rPr>
-              <a:t>sp</a:t>
-            </a:r>
-            <a:r>
-              <a:rPr kumimoji="0" lang="en-US" altLang="ko-KR" sz="800" b="0" i="0" u="none" strike="noStrike" cap="none" normalizeH="0" baseline="0" dirty="0">
-                <a:ln>
-                  <a:noFill/>
-                </a:ln>
-                <a:solidFill>
-                  <a:srgbClr val="000000"/>
-                </a:solidFill>
-                <a:effectLst/>
-                <a:cs typeface="Arial" panose="020B0604020202020204" pitchFamily="34" charset="0"/>
-              </a:rPr>
-              <a:t>-gr.</a:t>
-            </a:r>
-            <a:endParaRPr kumimoji="0" lang="ko-KR" altLang="ko-KR" sz="2800" b="0" i="0" u="none" strike="noStrike" cap="none" normalizeH="0" baseline="0" dirty="0">
+              <a:rPr kumimoji="0" lang="en-US" altLang="ko-KR" sz="800" b="0" i="0" u="none" strike="noStrike" cap="none" normalizeH="0" baseline="0">
+                <a:ln>
+                  <a:noFill/>
+                </a:ln>
+                <a:solidFill>
+                  <a:srgbClr val="000000"/>
+                </a:solidFill>
+                <a:effectLst/>
+                <a:cs typeface="Arial" panose="020B0604020202020204" pitchFamily="34" charset="0"/>
+              </a:rPr>
+              <a:t>sp-gr.</a:t>
+            </a:r>
+            <a:endParaRPr kumimoji="0" lang="ko-KR" altLang="ko-KR" sz="2800" b="0" i="0" u="none" strike="noStrike" cap="none" normalizeH="0" baseline="0">
               <a:ln>
                 <a:noFill/>
               </a:ln>
@@ -8777,7 +8457,7 @@
               <a:tabLst/>
             </a:pPr>
             <a:r>
-              <a:rPr kumimoji="0" lang="ko-KR" altLang="ko-KR" sz="800" b="0" i="1" u="none" strike="noStrike" cap="none" normalizeH="0" baseline="0" dirty="0">
+              <a:rPr kumimoji="0" lang="ko-KR" altLang="ko-KR" sz="800" b="0" i="1" u="none" strike="noStrike" cap="none" normalizeH="0" baseline="0">
                 <a:ln>
                   <a:noFill/>
                 </a:ln>
@@ -8790,7 +8470,7 @@
               <a:t> </a:t>
             </a:r>
             <a:r>
-              <a:rPr kumimoji="0" lang="en-US" altLang="ko-KR" sz="800" b="0" i="1" u="none" strike="noStrike" cap="none" normalizeH="0" baseline="0" dirty="0">
+              <a:rPr kumimoji="0" lang="en-US" altLang="ko-KR" sz="800" b="0" i="1" u="none" strike="noStrike" cap="none" normalizeH="0" baseline="0">
                 <a:ln>
                   <a:noFill/>
                 </a:ln>
@@ -8803,7 +8483,7 @@
               <a:t>S. </a:t>
             </a:r>
             <a:r>
-              <a:rPr kumimoji="0" lang="ko-KR" altLang="ko-KR" sz="800" b="0" i="1" u="none" strike="noStrike" cap="none" normalizeH="0" baseline="0" dirty="0" err="1">
+              <a:rPr kumimoji="0" lang="ko-KR" altLang="ko-KR" sz="800" b="0" i="1" u="none" strike="noStrike" cap="none" normalizeH="0" baseline="0" err="1">
                 <a:ln>
                   <a:noFill/>
                 </a:ln>
@@ -8816,7 +8496,7 @@
               <a:t>galericulata</a:t>
             </a:r>
             <a:r>
-              <a:rPr kumimoji="0" lang="ko-KR" altLang="en-US" sz="800" b="0" i="1" u="none" strike="noStrike" cap="none" normalizeH="0" baseline="0" dirty="0">
+              <a:rPr kumimoji="0" lang="ko-KR" altLang="en-US" sz="800" b="0" i="1" u="none" strike="noStrike" cap="none" normalizeH="0" baseline="0">
                 <a:ln>
                   <a:noFill/>
                 </a:ln>
@@ -8829,7 +8509,7 @@
               <a:t> </a:t>
             </a:r>
             <a:r>
-              <a:rPr kumimoji="0" lang="en-US" altLang="ko-KR" sz="800" b="0" i="0" u="none" strike="noStrike" cap="none" normalizeH="0" baseline="0" dirty="0">
+              <a:rPr kumimoji="0" lang="en-US" altLang="ko-KR" sz="800" b="0" i="0" u="none" strike="noStrike" cap="none" normalizeH="0" baseline="0">
                 <a:ln>
                   <a:noFill/>
                 </a:ln>
@@ -8842,7 +8522,7 @@
               <a:t>-</a:t>
             </a:r>
             <a:r>
-              <a:rPr kumimoji="0" lang="ko-KR" altLang="ko-KR" sz="800" b="0" i="0" u="none" strike="noStrike" cap="none" normalizeH="0" baseline="0" dirty="0">
+              <a:rPr kumimoji="0" lang="ko-KR" altLang="ko-KR" sz="800" b="0" i="0" u="none" strike="noStrike" cap="none" normalizeH="0" baseline="0">
                 <a:ln>
                   <a:noFill/>
                 </a:ln>
@@ -8855,32 +8535,19 @@
               <a:t>GALERICULATA </a:t>
             </a:r>
             <a:r>
-              <a:rPr kumimoji="0" lang="en-US" altLang="ko-KR" sz="800" b="0" i="0" u="none" strike="noStrike" cap="none" normalizeH="0" baseline="0" dirty="0" err="1">
-                <a:ln>
-                  <a:noFill/>
-                </a:ln>
-                <a:solidFill>
-                  <a:srgbClr val="000000"/>
-                </a:solidFill>
-                <a:effectLst/>
-                <a:cs typeface="Arial" panose="020B0604020202020204" pitchFamily="34" charset="0"/>
-              </a:rPr>
-              <a:t>sp</a:t>
-            </a:r>
-            <a:r>
-              <a:rPr kumimoji="0" lang="en-US" altLang="ko-KR" sz="800" b="0" i="0" u="none" strike="noStrike" cap="none" normalizeH="0" baseline="0" dirty="0">
-                <a:ln>
-                  <a:noFill/>
-                </a:ln>
-                <a:solidFill>
-                  <a:srgbClr val="000000"/>
-                </a:solidFill>
-                <a:effectLst/>
-                <a:cs typeface="Arial" panose="020B0604020202020204" pitchFamily="34" charset="0"/>
-              </a:rPr>
-              <a:t>-gr.</a:t>
-            </a:r>
-            <a:endParaRPr kumimoji="0" lang="ko-KR" altLang="ko-KR" sz="2800" b="0" i="0" u="none" strike="noStrike" cap="none" normalizeH="0" baseline="0" dirty="0">
+              <a:rPr kumimoji="0" lang="en-US" altLang="ko-KR" sz="800" b="0" i="0" u="none" strike="noStrike" cap="none" normalizeH="0" baseline="0">
+                <a:ln>
+                  <a:noFill/>
+                </a:ln>
+                <a:solidFill>
+                  <a:srgbClr val="000000"/>
+                </a:solidFill>
+                <a:effectLst/>
+                <a:cs typeface="Arial" panose="020B0604020202020204" pitchFamily="34" charset="0"/>
+              </a:rPr>
+              <a:t>sp-gr.</a:t>
+            </a:r>
+            <a:endParaRPr kumimoji="0" lang="ko-KR" altLang="ko-KR" sz="2800" b="0" i="0" u="none" strike="noStrike" cap="none" normalizeH="0" baseline="0">
               <a:ln>
                 <a:noFill/>
               </a:ln>
@@ -9305,7 +8972,7 @@
               <a:tabLst/>
             </a:pPr>
             <a:r>
-              <a:rPr kumimoji="0" lang="ko-KR" altLang="ko-KR" sz="800" b="0" i="1" u="none" strike="noStrike" cap="none" normalizeH="0" baseline="0" dirty="0">
+              <a:rPr kumimoji="0" lang="ko-KR" altLang="ko-KR" sz="800" b="0" i="1" u="none" strike="noStrike" cap="none" normalizeH="0" baseline="0">
                 <a:ln>
                   <a:noFill/>
                 </a:ln>
@@ -9318,7 +8985,7 @@
               <a:t> </a:t>
             </a:r>
             <a:r>
-              <a:rPr kumimoji="0" lang="en-US" altLang="ko-KR" sz="800" b="0" i="1" u="none" strike="noStrike" cap="none" normalizeH="0" baseline="0" dirty="0">
+              <a:rPr kumimoji="0" lang="en-US" altLang="ko-KR" sz="800" b="0" i="1" u="none" strike="noStrike" cap="none" normalizeH="0" baseline="0">
                 <a:ln>
                   <a:noFill/>
                 </a:ln>
@@ -9331,7 +8998,7 @@
               <a:t>S. </a:t>
             </a:r>
             <a:r>
-              <a:rPr kumimoji="0" lang="ko-KR" altLang="ko-KR" sz="800" b="0" i="1" u="none" strike="noStrike" cap="none" normalizeH="0" baseline="0" dirty="0" err="1">
+              <a:rPr kumimoji="0" lang="ko-KR" altLang="ko-KR" sz="800" b="0" i="1" u="none" strike="noStrike" cap="none" normalizeH="0" baseline="0" err="1">
                 <a:ln>
                   <a:noFill/>
                 </a:ln>
@@ -9344,7 +9011,7 @@
               <a:t>dependens</a:t>
             </a:r>
             <a:r>
-              <a:rPr kumimoji="0" lang="ko-KR" altLang="en-US" sz="800" b="0" i="1" u="none" strike="noStrike" cap="none" normalizeH="0" baseline="0" dirty="0">
+              <a:rPr kumimoji="0" lang="ko-KR" altLang="en-US" sz="800" b="0" i="1" u="none" strike="noStrike" cap="none" normalizeH="0" baseline="0">
                 <a:ln>
                   <a:noFill/>
                 </a:ln>
@@ -9357,7 +9024,7 @@
               <a:t> </a:t>
             </a:r>
             <a:r>
-              <a:rPr kumimoji="0" lang="en-US" altLang="ko-KR" sz="800" b="0" i="0" u="none" strike="noStrike" cap="none" normalizeH="0" baseline="0" dirty="0">
+              <a:rPr kumimoji="0" lang="en-US" altLang="ko-KR" sz="800" b="0" i="0" u="none" strike="noStrike" cap="none" normalizeH="0" baseline="0">
                 <a:ln>
                   <a:noFill/>
                 </a:ln>
@@ -9370,7 +9037,7 @@
               <a:t>-</a:t>
             </a:r>
             <a:r>
-              <a:rPr kumimoji="0" lang="ko-KR" altLang="ko-KR" sz="800" b="0" i="0" u="none" strike="noStrike" cap="none" normalizeH="0" baseline="0" dirty="0">
+              <a:rPr kumimoji="0" lang="ko-KR" altLang="ko-KR" sz="800" b="0" i="0" u="none" strike="noStrike" cap="none" normalizeH="0" baseline="0">
                 <a:ln>
                   <a:noFill/>
                 </a:ln>
@@ -9383,32 +9050,19 @@
               <a:t>GALERICULATA </a:t>
             </a:r>
             <a:r>
-              <a:rPr kumimoji="0" lang="en-US" altLang="ko-KR" sz="800" b="0" i="0" u="none" strike="noStrike" cap="none" normalizeH="0" baseline="0" dirty="0" err="1">
-                <a:ln>
-                  <a:noFill/>
-                </a:ln>
-                <a:solidFill>
-                  <a:srgbClr val="000000"/>
-                </a:solidFill>
-                <a:effectLst/>
-                <a:cs typeface="Arial" panose="020B0604020202020204" pitchFamily="34" charset="0"/>
-              </a:rPr>
-              <a:t>sp</a:t>
-            </a:r>
-            <a:r>
-              <a:rPr kumimoji="0" lang="en-US" altLang="ko-KR" sz="800" b="0" i="0" u="none" strike="noStrike" cap="none" normalizeH="0" baseline="0" dirty="0">
-                <a:ln>
-                  <a:noFill/>
-                </a:ln>
-                <a:solidFill>
-                  <a:srgbClr val="000000"/>
-                </a:solidFill>
-                <a:effectLst/>
-                <a:cs typeface="Arial" panose="020B0604020202020204" pitchFamily="34" charset="0"/>
-              </a:rPr>
-              <a:t>-gr.</a:t>
-            </a:r>
-            <a:endParaRPr kumimoji="0" lang="ko-KR" altLang="ko-KR" sz="2800" b="0" i="0" u="none" strike="noStrike" cap="none" normalizeH="0" baseline="0" dirty="0">
+              <a:rPr kumimoji="0" lang="en-US" altLang="ko-KR" sz="800" b="0" i="0" u="none" strike="noStrike" cap="none" normalizeH="0" baseline="0">
+                <a:ln>
+                  <a:noFill/>
+                </a:ln>
+                <a:solidFill>
+                  <a:srgbClr val="000000"/>
+                </a:solidFill>
+                <a:effectLst/>
+                <a:cs typeface="Arial" panose="020B0604020202020204" pitchFamily="34" charset="0"/>
+              </a:rPr>
+              <a:t>sp-gr.</a:t>
+            </a:r>
+            <a:endParaRPr kumimoji="0" lang="ko-KR" altLang="ko-KR" sz="2800" b="0" i="0" u="none" strike="noStrike" cap="none" normalizeH="0" baseline="0">
               <a:ln>
                 <a:noFill/>
               </a:ln>
@@ -9784,7 +9438,7 @@
               <a:tabLst/>
             </a:pPr>
             <a:r>
-              <a:rPr kumimoji="0" lang="ko-KR" altLang="ko-KR" sz="800" b="0" i="1" u="none" strike="noStrike" cap="none" normalizeH="0" baseline="0" dirty="0">
+              <a:rPr kumimoji="0" lang="ko-KR" altLang="ko-KR" sz="800" b="0" i="1" u="none" strike="noStrike" cap="none" normalizeH="0" baseline="0">
                 <a:ln>
                   <a:noFill/>
                 </a:ln>
@@ -9797,7 +9451,7 @@
               <a:t> </a:t>
             </a:r>
             <a:r>
-              <a:rPr kumimoji="0" lang="en-US" altLang="ko-KR" sz="800" b="0" i="1" u="none" strike="noStrike" cap="none" normalizeH="0" baseline="0" dirty="0">
+              <a:rPr kumimoji="0" lang="en-US" altLang="ko-KR" sz="800" b="0" i="1" u="none" strike="noStrike" cap="none" normalizeH="0" baseline="0">
                 <a:ln>
                   <a:noFill/>
                 </a:ln>
@@ -9810,7 +9464,7 @@
               <a:t>S. </a:t>
             </a:r>
             <a:r>
-              <a:rPr kumimoji="0" lang="ko-KR" altLang="ko-KR" sz="800" b="0" i="1" u="none" strike="noStrike" cap="none" normalizeH="0" baseline="0" dirty="0" err="1">
+              <a:rPr kumimoji="0" lang="ko-KR" altLang="ko-KR" sz="800" b="0" i="1" u="none" strike="noStrike" cap="none" normalizeH="0" baseline="0" err="1">
                 <a:ln>
                   <a:noFill/>
                 </a:ln>
@@ -9823,7 +9477,7 @@
               <a:t>lateriflora</a:t>
             </a:r>
             <a:r>
-              <a:rPr kumimoji="0" lang="ko-KR" altLang="en-US" sz="800" b="0" i="1" u="none" strike="noStrike" cap="none" normalizeH="0" baseline="0" dirty="0">
+              <a:rPr kumimoji="0" lang="ko-KR" altLang="en-US" sz="800" b="0" i="1" u="none" strike="noStrike" cap="none" normalizeH="0" baseline="0">
                 <a:ln>
                   <a:noFill/>
                 </a:ln>
@@ -9836,7 +9490,7 @@
               <a:t> </a:t>
             </a:r>
             <a:r>
-              <a:rPr kumimoji="0" lang="en-US" altLang="ko-KR" sz="800" b="0" i="0" u="none" strike="noStrike" cap="none" normalizeH="0" baseline="0" dirty="0">
+              <a:rPr kumimoji="0" lang="en-US" altLang="ko-KR" sz="800" b="0" i="0" u="none" strike="noStrike" cap="none" normalizeH="0" baseline="0">
                 <a:ln>
                   <a:noFill/>
                 </a:ln>
@@ -9849,7 +9503,7 @@
               <a:t>-</a:t>
             </a:r>
             <a:r>
-              <a:rPr kumimoji="0" lang="ko-KR" altLang="ko-KR" sz="800" b="0" i="0" u="none" strike="noStrike" cap="none" normalizeH="0" baseline="0" dirty="0">
+              <a:rPr kumimoji="0" lang="ko-KR" altLang="ko-KR" sz="800" b="0" i="0" u="none" strike="noStrike" cap="none" normalizeH="0" baseline="0">
                 <a:ln>
                   <a:noFill/>
                 </a:ln>
@@ -9862,32 +9516,19 @@
               <a:t>LATERIFLORA </a:t>
             </a:r>
             <a:r>
-              <a:rPr kumimoji="0" lang="en-US" altLang="ko-KR" sz="800" b="0" i="0" u="none" strike="noStrike" cap="none" normalizeH="0" baseline="0" dirty="0" err="1">
-                <a:ln>
-                  <a:noFill/>
-                </a:ln>
-                <a:solidFill>
-                  <a:srgbClr val="000000"/>
-                </a:solidFill>
-                <a:effectLst/>
-                <a:cs typeface="Arial" panose="020B0604020202020204" pitchFamily="34" charset="0"/>
-              </a:rPr>
-              <a:t>sp</a:t>
-            </a:r>
-            <a:r>
-              <a:rPr kumimoji="0" lang="en-US" altLang="ko-KR" sz="800" b="0" i="0" u="none" strike="noStrike" cap="none" normalizeH="0" baseline="0" dirty="0">
-                <a:ln>
-                  <a:noFill/>
-                </a:ln>
-                <a:solidFill>
-                  <a:srgbClr val="000000"/>
-                </a:solidFill>
-                <a:effectLst/>
-                <a:cs typeface="Arial" panose="020B0604020202020204" pitchFamily="34" charset="0"/>
-              </a:rPr>
-              <a:t>-gr.</a:t>
-            </a:r>
-            <a:endParaRPr kumimoji="0" lang="ko-KR" altLang="ko-KR" sz="2800" b="0" i="0" u="none" strike="noStrike" cap="none" normalizeH="0" baseline="0" dirty="0">
+              <a:rPr kumimoji="0" lang="en-US" altLang="ko-KR" sz="800" b="0" i="0" u="none" strike="noStrike" cap="none" normalizeH="0" baseline="0">
+                <a:ln>
+                  <a:noFill/>
+                </a:ln>
+                <a:solidFill>
+                  <a:srgbClr val="000000"/>
+                </a:solidFill>
+                <a:effectLst/>
+                <a:cs typeface="Arial" panose="020B0604020202020204" pitchFamily="34" charset="0"/>
+              </a:rPr>
+              <a:t>sp-gr.</a:t>
+            </a:r>
+            <a:endParaRPr kumimoji="0" lang="ko-KR" altLang="ko-KR" sz="2800" b="0" i="0" u="none" strike="noStrike" cap="none" normalizeH="0" baseline="0">
               <a:ln>
                 <a:noFill/>
               </a:ln>
@@ -10263,7 +9904,7 @@
               <a:tabLst/>
             </a:pPr>
             <a:r>
-              <a:rPr kumimoji="0" lang="ko-KR" altLang="ko-KR" sz="800" b="0" i="1" u="none" strike="noStrike" cap="none" normalizeH="0" baseline="0" dirty="0">
+              <a:rPr kumimoji="0" lang="ko-KR" altLang="ko-KR" sz="800" b="0" i="1" u="none" strike="noStrike" cap="none" normalizeH="0" baseline="0">
                 <a:ln>
                   <a:noFill/>
                 </a:ln>
@@ -10276,7 +9917,7 @@
               <a:t> </a:t>
             </a:r>
             <a:r>
-              <a:rPr kumimoji="0" lang="en-US" altLang="ko-KR" sz="800" b="0" i="1" u="none" strike="noStrike" cap="none" normalizeH="0" baseline="0" dirty="0">
+              <a:rPr kumimoji="0" lang="en-US" altLang="ko-KR" sz="800" b="0" i="1" u="none" strike="noStrike" cap="none" normalizeH="0" baseline="0">
                 <a:ln>
                   <a:noFill/>
                 </a:ln>
@@ -10289,7 +9930,7 @@
               <a:t>S. </a:t>
             </a:r>
             <a:r>
-              <a:rPr kumimoji="0" lang="ko-KR" altLang="ko-KR" sz="800" b="0" i="1" u="none" strike="noStrike" cap="none" normalizeH="0" baseline="0" dirty="0" err="1">
+              <a:rPr kumimoji="0" lang="ko-KR" altLang="ko-KR" sz="800" b="0" i="1" u="none" strike="noStrike" cap="none" normalizeH="0" baseline="0" err="1">
                 <a:ln>
                   <a:noFill/>
                 </a:ln>
@@ -10302,7 +9943,7 @@
               <a:t>indica</a:t>
             </a:r>
             <a:r>
-              <a:rPr kumimoji="0" lang="ko-KR" altLang="ko-KR" sz="800" b="0" i="1" u="none" strike="noStrike" cap="none" normalizeH="0" baseline="0" dirty="0">
+              <a:rPr kumimoji="0" lang="ko-KR" altLang="ko-KR" sz="800" b="0" i="1" u="none" strike="noStrike" cap="none" normalizeH="0" baseline="0">
                 <a:ln>
                   <a:noFill/>
                 </a:ln>
@@ -10315,7 +9956,7 @@
               <a:t> </a:t>
             </a:r>
             <a:r>
-              <a:rPr kumimoji="0" lang="ko-KR" altLang="ko-KR" sz="800" b="0" i="0" u="none" strike="noStrike" cap="none" normalizeH="0" baseline="0" dirty="0" err="1">
+              <a:rPr kumimoji="0" lang="ko-KR" altLang="ko-KR" sz="800" b="0" i="0" u="none" strike="noStrike" cap="none" normalizeH="0" baseline="0" err="1">
                 <a:ln>
                   <a:noFill/>
                 </a:ln>
@@ -10328,7 +9969,7 @@
               <a:t>var</a:t>
             </a:r>
             <a:r>
-              <a:rPr kumimoji="0" lang="en-US" altLang="ko-KR" sz="800" b="0" i="0" u="none" strike="noStrike" cap="none" normalizeH="0" baseline="0" dirty="0">
+              <a:rPr kumimoji="0" lang="en-US" altLang="ko-KR" sz="800" b="0" i="0" u="none" strike="noStrike" cap="none" normalizeH="0" baseline="0">
                 <a:ln>
                   <a:noFill/>
                 </a:ln>
@@ -10341,7 +9982,7 @@
               <a:t>.</a:t>
             </a:r>
             <a:r>
-              <a:rPr kumimoji="0" lang="ko-KR" altLang="ko-KR" sz="800" b="0" i="0" u="none" strike="noStrike" cap="none" normalizeH="0" baseline="0" dirty="0">
+              <a:rPr kumimoji="0" lang="ko-KR" altLang="ko-KR" sz="800" b="0" i="0" u="none" strike="noStrike" cap="none" normalizeH="0" baseline="0">
                 <a:ln>
                   <a:noFill/>
                 </a:ln>
@@ -10354,7 +9995,7 @@
               <a:t> </a:t>
             </a:r>
             <a:r>
-              <a:rPr kumimoji="0" lang="ko-KR" altLang="ko-KR" sz="800" b="0" i="1" u="none" strike="noStrike" cap="none" normalizeH="0" baseline="0" dirty="0" err="1">
+              <a:rPr kumimoji="0" lang="ko-KR" altLang="ko-KR" sz="800" b="0" i="1" u="none" strike="noStrike" cap="none" normalizeH="0" baseline="0" err="1">
                 <a:ln>
                   <a:noFill/>
                 </a:ln>
@@ -10367,7 +10008,7 @@
               <a:t>coccinea</a:t>
             </a:r>
             <a:r>
-              <a:rPr kumimoji="0" lang="ko-KR" altLang="en-US" sz="800" b="0" i="0" u="none" strike="noStrike" cap="none" normalizeH="0" baseline="0" dirty="0">
+              <a:rPr kumimoji="0" lang="ko-KR" altLang="en-US" sz="800" b="0" i="0" u="none" strike="noStrike" cap="none" normalizeH="0" baseline="0">
                 <a:ln>
                   <a:noFill/>
                 </a:ln>
@@ -10380,7 +10021,7 @@
               <a:t> </a:t>
             </a:r>
             <a:r>
-              <a:rPr kumimoji="0" lang="en-US" altLang="ko-KR" sz="800" b="0" i="0" u="none" strike="noStrike" cap="none" normalizeH="0" baseline="0" dirty="0">
+              <a:rPr kumimoji="0" lang="en-US" altLang="ko-KR" sz="800" b="0" i="0" u="none" strike="noStrike" cap="none" normalizeH="0" baseline="0">
                 <a:ln>
                   <a:noFill/>
                 </a:ln>
@@ -10393,7 +10034,7 @@
               <a:t>-</a:t>
             </a:r>
             <a:r>
-              <a:rPr kumimoji="0" lang="ko-KR" altLang="ko-KR" sz="800" b="0" i="0" u="none" strike="noStrike" cap="none" normalizeH="0" baseline="0" dirty="0">
+              <a:rPr kumimoji="0" lang="ko-KR" altLang="ko-KR" sz="800" b="0" i="0" u="none" strike="noStrike" cap="none" normalizeH="0" baseline="0">
                 <a:ln>
                   <a:noFill/>
                 </a:ln>
@@ -10406,32 +10047,19 @@
               <a:t>VIOLACEA </a:t>
             </a:r>
             <a:r>
-              <a:rPr kumimoji="0" lang="en-US" altLang="ko-KR" sz="800" b="0" i="0" u="none" strike="noStrike" cap="none" normalizeH="0" baseline="0" dirty="0" err="1">
-                <a:ln>
-                  <a:noFill/>
-                </a:ln>
-                <a:solidFill>
-                  <a:srgbClr val="000000"/>
-                </a:solidFill>
-                <a:effectLst/>
-                <a:cs typeface="Arial" panose="020B0604020202020204" pitchFamily="34" charset="0"/>
-              </a:rPr>
-              <a:t>sp</a:t>
-            </a:r>
-            <a:r>
-              <a:rPr kumimoji="0" lang="en-US" altLang="ko-KR" sz="800" b="0" i="0" u="none" strike="noStrike" cap="none" normalizeH="0" baseline="0" dirty="0">
-                <a:ln>
-                  <a:noFill/>
-                </a:ln>
-                <a:solidFill>
-                  <a:srgbClr val="000000"/>
-                </a:solidFill>
-                <a:effectLst/>
-                <a:cs typeface="Arial" panose="020B0604020202020204" pitchFamily="34" charset="0"/>
-              </a:rPr>
-              <a:t>-gr.</a:t>
-            </a:r>
-            <a:endParaRPr kumimoji="0" lang="ko-KR" altLang="ko-KR" sz="2800" b="0" i="0" u="none" strike="noStrike" cap="none" normalizeH="0" baseline="0" dirty="0">
+              <a:rPr kumimoji="0" lang="en-US" altLang="ko-KR" sz="800" b="0" i="0" u="none" strike="noStrike" cap="none" normalizeH="0" baseline="0">
+                <a:ln>
+                  <a:noFill/>
+                </a:ln>
+                <a:solidFill>
+                  <a:srgbClr val="000000"/>
+                </a:solidFill>
+                <a:effectLst/>
+                <a:cs typeface="Arial" panose="020B0604020202020204" pitchFamily="34" charset="0"/>
+              </a:rPr>
+              <a:t>sp-gr.</a:t>
+            </a:r>
+            <a:endParaRPr kumimoji="0" lang="ko-KR" altLang="ko-KR" sz="2800" b="0" i="0" u="none" strike="noStrike" cap="none" normalizeH="0" baseline="0">
               <a:ln>
                 <a:noFill/>
               </a:ln>
@@ -10722,7 +10350,7 @@
               <a:tabLst/>
             </a:pPr>
             <a:r>
-              <a:rPr kumimoji="0" lang="ko-KR" altLang="ko-KR" sz="800" b="0" i="1" u="none" strike="noStrike" cap="none" normalizeH="0" baseline="0" dirty="0">
+              <a:rPr kumimoji="0" lang="ko-KR" altLang="ko-KR" sz="800" b="0" i="1" u="none" strike="noStrike" cap="none" normalizeH="0" baseline="0">
                 <a:ln>
                   <a:noFill/>
                 </a:ln>
@@ -10735,7 +10363,7 @@
               <a:t> </a:t>
             </a:r>
             <a:r>
-              <a:rPr kumimoji="0" lang="en-US" altLang="ko-KR" sz="800" b="0" i="1" u="none" strike="noStrike" cap="none" normalizeH="0" baseline="0" dirty="0">
+              <a:rPr kumimoji="0" lang="en-US" altLang="ko-KR" sz="800" b="0" i="1" u="none" strike="noStrike" cap="none" normalizeH="0" baseline="0">
                 <a:ln>
                   <a:noFill/>
                 </a:ln>
@@ -10748,7 +10376,7 @@
               <a:t>S. </a:t>
             </a:r>
             <a:r>
-              <a:rPr kumimoji="0" lang="ko-KR" altLang="ko-KR" sz="800" b="0" i="1" u="none" strike="noStrike" cap="none" normalizeH="0" baseline="0" dirty="0" err="1">
+              <a:rPr kumimoji="0" lang="ko-KR" altLang="ko-KR" sz="800" b="0" i="1" u="none" strike="noStrike" cap="none" normalizeH="0" baseline="0" err="1">
                 <a:ln>
                   <a:noFill/>
                 </a:ln>
@@ -10761,7 +10389,7 @@
               <a:t>javanica</a:t>
             </a:r>
             <a:r>
-              <a:rPr kumimoji="0" lang="ko-KR" altLang="en-US" sz="800" b="0" i="1" u="none" strike="noStrike" cap="none" normalizeH="0" baseline="0" dirty="0">
+              <a:rPr kumimoji="0" lang="ko-KR" altLang="en-US" sz="800" b="0" i="1" u="none" strike="noStrike" cap="none" normalizeH="0" baseline="0">
                 <a:ln>
                   <a:noFill/>
                 </a:ln>
@@ -10774,7 +10402,7 @@
               <a:t> </a:t>
             </a:r>
             <a:r>
-              <a:rPr kumimoji="0" lang="en-US" altLang="ko-KR" sz="800" b="0" i="0" u="none" strike="noStrike" cap="none" normalizeH="0" baseline="0" dirty="0">
+              <a:rPr kumimoji="0" lang="en-US" altLang="ko-KR" sz="800" b="0" i="0" u="none" strike="noStrike" cap="none" normalizeH="0" baseline="0">
                 <a:ln>
                   <a:noFill/>
                 </a:ln>
@@ -10787,7 +10415,7 @@
               <a:t>-</a:t>
             </a:r>
             <a:r>
-              <a:rPr kumimoji="0" lang="ko-KR" altLang="ko-KR" sz="800" b="0" i="0" u="none" strike="noStrike" cap="none" normalizeH="0" baseline="0" dirty="0">
+              <a:rPr kumimoji="0" lang="ko-KR" altLang="ko-KR" sz="800" b="0" i="0" u="none" strike="noStrike" cap="none" normalizeH="0" baseline="0">
                 <a:ln>
                   <a:noFill/>
                 </a:ln>
@@ -10800,45 +10428,19 @@
               <a:t>HUMILI</a:t>
             </a:r>
             <a:r>
-              <a:rPr kumimoji="0" lang="en-US" altLang="ko-KR" sz="800" b="0" i="0" u="none" strike="noStrike" cap="none" normalizeH="0" baseline="0" dirty="0">
-                <a:ln>
-                  <a:noFill/>
-                </a:ln>
-                <a:solidFill>
-                  <a:srgbClr val="000000"/>
-                </a:solidFill>
-                <a:effectLst/>
-                <a:cs typeface="Arial" panose="020B0604020202020204" pitchFamily="34" charset="0"/>
-              </a:rPr>
-              <a:t>S </a:t>
-            </a:r>
-            <a:r>
-              <a:rPr kumimoji="0" lang="en-US" altLang="ko-KR" sz="800" b="0" i="0" u="none" strike="noStrike" cap="none" normalizeH="0" baseline="0" dirty="0" err="1">
-                <a:ln>
-                  <a:noFill/>
-                </a:ln>
-                <a:solidFill>
-                  <a:srgbClr val="000000"/>
-                </a:solidFill>
-                <a:effectLst/>
-                <a:cs typeface="Arial" panose="020B0604020202020204" pitchFamily="34" charset="0"/>
-              </a:rPr>
-              <a:t>sp</a:t>
-            </a:r>
-            <a:r>
-              <a:rPr kumimoji="0" lang="en-US" altLang="ko-KR" sz="800" b="0" i="0" u="none" strike="noStrike" cap="none" normalizeH="0" baseline="0" dirty="0">
-                <a:ln>
-                  <a:noFill/>
-                </a:ln>
-                <a:solidFill>
-                  <a:srgbClr val="000000"/>
-                </a:solidFill>
-                <a:effectLst/>
-                <a:cs typeface="Arial" panose="020B0604020202020204" pitchFamily="34" charset="0"/>
-              </a:rPr>
-              <a:t>-gr.</a:t>
-            </a:r>
-            <a:endParaRPr kumimoji="0" lang="ko-KR" altLang="ko-KR" sz="2800" b="0" i="0" u="none" strike="noStrike" cap="none" normalizeH="0" baseline="0" dirty="0">
+              <a:rPr kumimoji="0" lang="en-US" altLang="ko-KR" sz="800" b="0" i="0" u="none" strike="noStrike" cap="none" normalizeH="0" baseline="0">
+                <a:ln>
+                  <a:noFill/>
+                </a:ln>
+                <a:solidFill>
+                  <a:srgbClr val="000000"/>
+                </a:solidFill>
+                <a:effectLst/>
+                <a:cs typeface="Arial" panose="020B0604020202020204" pitchFamily="34" charset="0"/>
+              </a:rPr>
+              <a:t>S sp-gr.</a:t>
+            </a:r>
+            <a:endParaRPr kumimoji="0" lang="ko-KR" altLang="ko-KR" sz="2800" b="0" i="0" u="none" strike="noStrike" cap="none" normalizeH="0" baseline="0">
               <a:ln>
                 <a:noFill/>
               </a:ln>
@@ -11129,7 +10731,7 @@
               <a:tabLst/>
             </a:pPr>
             <a:r>
-              <a:rPr kumimoji="0" lang="ko-KR" altLang="ko-KR" sz="800" b="0" i="1" u="none" strike="noStrike" cap="none" normalizeH="0" baseline="0" dirty="0">
+              <a:rPr kumimoji="0" lang="ko-KR" altLang="ko-KR" sz="800" b="0" i="1" u="none" strike="noStrike" cap="none" normalizeH="0" baseline="0">
                 <a:ln>
                   <a:noFill/>
                 </a:ln>
@@ -11142,7 +10744,7 @@
               <a:t> </a:t>
             </a:r>
             <a:r>
-              <a:rPr kumimoji="0" lang="en-US" altLang="ko-KR" sz="800" b="0" i="1" u="none" strike="noStrike" cap="none" normalizeH="0" baseline="0" dirty="0">
+              <a:rPr kumimoji="0" lang="en-US" altLang="ko-KR" sz="800" b="0" i="1" u="none" strike="noStrike" cap="none" normalizeH="0" baseline="0">
                 <a:ln>
                   <a:noFill/>
                 </a:ln>
@@ -11155,7 +10757,7 @@
               <a:t>S. </a:t>
             </a:r>
             <a:r>
-              <a:rPr kumimoji="0" lang="ko-KR" altLang="ko-KR" sz="800" b="0" i="1" u="none" strike="noStrike" cap="none" normalizeH="0" baseline="0" dirty="0" err="1">
+              <a:rPr kumimoji="0" lang="ko-KR" altLang="ko-KR" sz="800" b="0" i="1" u="none" strike="noStrike" cap="none" normalizeH="0" baseline="0" err="1">
                 <a:ln>
                   <a:noFill/>
                 </a:ln>
@@ -11168,7 +10770,7 @@
               <a:t>barbata</a:t>
             </a:r>
             <a:r>
-              <a:rPr kumimoji="0" lang="ko-KR" altLang="en-US" sz="800" b="0" i="1" u="none" strike="noStrike" cap="none" normalizeH="0" baseline="0" dirty="0">
+              <a:rPr kumimoji="0" lang="ko-KR" altLang="en-US" sz="800" b="0" i="1" u="none" strike="noStrike" cap="none" normalizeH="0" baseline="0">
                 <a:ln>
                   <a:noFill/>
                 </a:ln>
@@ -11181,7 +10783,7 @@
               <a:t> </a:t>
             </a:r>
             <a:r>
-              <a:rPr kumimoji="0" lang="en-US" altLang="ko-KR" sz="800" b="0" i="0" u="none" strike="noStrike" cap="none" normalizeH="0" baseline="0" dirty="0">
+              <a:rPr kumimoji="0" lang="en-US" altLang="ko-KR" sz="800" b="0" i="0" u="none" strike="noStrike" cap="none" normalizeH="0" baseline="0">
                 <a:ln>
                   <a:noFill/>
                 </a:ln>
@@ -11194,7 +10796,7 @@
               <a:t>-</a:t>
             </a:r>
             <a:r>
-              <a:rPr kumimoji="0" lang="ko-KR" altLang="ko-KR" sz="800" b="0" i="0" u="none" strike="noStrike" cap="none" normalizeH="0" baseline="0" dirty="0">
+              <a:rPr kumimoji="0" lang="ko-KR" altLang="ko-KR" sz="800" b="0" i="0" u="none" strike="noStrike" cap="none" normalizeH="0" baseline="0">
                 <a:ln>
                   <a:noFill/>
                 </a:ln>
@@ -11207,32 +10809,19 @@
               <a:t>GALERICULATA </a:t>
             </a:r>
             <a:r>
-              <a:rPr kumimoji="0" lang="en-US" altLang="ko-KR" sz="800" b="0" i="0" u="none" strike="noStrike" cap="none" normalizeH="0" baseline="0" dirty="0" err="1">
-                <a:ln>
-                  <a:noFill/>
-                </a:ln>
-                <a:solidFill>
-                  <a:srgbClr val="000000"/>
-                </a:solidFill>
-                <a:effectLst/>
-                <a:cs typeface="Arial" panose="020B0604020202020204" pitchFamily="34" charset="0"/>
-              </a:rPr>
-              <a:t>sp</a:t>
-            </a:r>
-            <a:r>
-              <a:rPr kumimoji="0" lang="en-US" altLang="ko-KR" sz="800" b="0" i="0" u="none" strike="noStrike" cap="none" normalizeH="0" baseline="0" dirty="0">
-                <a:ln>
-                  <a:noFill/>
-                </a:ln>
-                <a:solidFill>
-                  <a:srgbClr val="000000"/>
-                </a:solidFill>
-                <a:effectLst/>
-                <a:cs typeface="Arial" panose="020B0604020202020204" pitchFamily="34" charset="0"/>
-              </a:rPr>
-              <a:t>-gr.</a:t>
-            </a:r>
-            <a:endParaRPr kumimoji="0" lang="ko-KR" altLang="ko-KR" sz="2800" b="0" i="0" u="none" strike="noStrike" cap="none" normalizeH="0" baseline="0" dirty="0">
+              <a:rPr kumimoji="0" lang="en-US" altLang="ko-KR" sz="800" b="0" i="0" u="none" strike="noStrike" cap="none" normalizeH="0" baseline="0">
+                <a:ln>
+                  <a:noFill/>
+                </a:ln>
+                <a:solidFill>
+                  <a:srgbClr val="000000"/>
+                </a:solidFill>
+                <a:effectLst/>
+                <a:cs typeface="Arial" panose="020B0604020202020204" pitchFamily="34" charset="0"/>
+              </a:rPr>
+              <a:t>sp-gr.</a:t>
+            </a:r>
+            <a:endParaRPr kumimoji="0" lang="ko-KR" altLang="ko-KR" sz="2800" b="0" i="0" u="none" strike="noStrike" cap="none" normalizeH="0" baseline="0">
               <a:ln>
                 <a:noFill/>
               </a:ln>
@@ -11657,7 +11246,7 @@
               <a:tabLst/>
             </a:pPr>
             <a:r>
-              <a:rPr kumimoji="0" lang="ko-KR" altLang="ko-KR" sz="800" b="0" i="0" u="none" strike="noStrike" cap="none" normalizeH="0" baseline="0" dirty="0">
+              <a:rPr kumimoji="0" lang="ko-KR" altLang="ko-KR" sz="800" b="0" i="0" u="none" strike="noStrike" cap="none" normalizeH="0" baseline="0">
                 <a:ln>
                   <a:noFill/>
                 </a:ln>
@@ -11670,7 +11259,7 @@
               <a:t> </a:t>
             </a:r>
             <a:r>
-              <a:rPr kumimoji="0" lang="en-US" altLang="ko-KR" sz="800" b="0" i="1" u="none" strike="noStrike" cap="none" normalizeH="0" baseline="0" dirty="0">
+              <a:rPr kumimoji="0" lang="en-US" altLang="ko-KR" sz="800" b="0" i="1" u="none" strike="noStrike" cap="none" normalizeH="0" baseline="0">
                 <a:ln>
                   <a:noFill/>
                 </a:ln>
@@ -11683,7 +11272,7 @@
               <a:t>S. </a:t>
             </a:r>
             <a:r>
-              <a:rPr kumimoji="0" lang="ko-KR" altLang="ko-KR" sz="800" b="0" i="1" u="none" strike="noStrike" cap="none" normalizeH="0" baseline="0" dirty="0" err="1">
+              <a:rPr kumimoji="0" lang="ko-KR" altLang="ko-KR" sz="800" b="0" i="1" u="none" strike="noStrike" cap="none" normalizeH="0" baseline="0" err="1">
                 <a:ln>
                   <a:noFill/>
                 </a:ln>
@@ -11696,7 +11285,7 @@
               <a:t>discolor</a:t>
             </a:r>
             <a:r>
-              <a:rPr kumimoji="0" lang="ko-KR" altLang="en-US" sz="800" b="0" i="1" u="none" strike="noStrike" cap="none" normalizeH="0" baseline="0" dirty="0">
+              <a:rPr kumimoji="0" lang="ko-KR" altLang="en-US" sz="800" b="0" i="1" u="none" strike="noStrike" cap="none" normalizeH="0" baseline="0">
                 <a:ln>
                   <a:noFill/>
                 </a:ln>
@@ -11709,7 +11298,7 @@
               <a:t> </a:t>
             </a:r>
             <a:r>
-              <a:rPr kumimoji="0" lang="en-US" altLang="ko-KR" sz="800" b="0" i="0" u="none" strike="noStrike" cap="none" normalizeH="0" baseline="0" dirty="0">
+              <a:rPr kumimoji="0" lang="en-US" altLang="ko-KR" sz="800" b="0" i="0" u="none" strike="noStrike" cap="none" normalizeH="0" baseline="0">
                 <a:ln>
                   <a:noFill/>
                 </a:ln>
@@ -11722,7 +11311,7 @@
               <a:t>-</a:t>
             </a:r>
             <a:r>
-              <a:rPr kumimoji="0" lang="ko-KR" altLang="ko-KR" sz="800" b="0" i="0" u="none" strike="noStrike" cap="none" normalizeH="0" baseline="0" dirty="0">
+              <a:rPr kumimoji="0" lang="ko-KR" altLang="ko-KR" sz="800" b="0" i="0" u="none" strike="noStrike" cap="none" normalizeH="0" baseline="0">
                 <a:ln>
                   <a:noFill/>
                 </a:ln>
@@ -11735,32 +11324,19 @@
               <a:t>DISCOLOR </a:t>
             </a:r>
             <a:r>
-              <a:rPr kumimoji="0" lang="en-US" altLang="ko-KR" sz="800" b="0" i="0" u="none" strike="noStrike" cap="none" normalizeH="0" baseline="0" dirty="0" err="1">
-                <a:ln>
-                  <a:noFill/>
-                </a:ln>
-                <a:solidFill>
-                  <a:srgbClr val="000000"/>
-                </a:solidFill>
-                <a:effectLst/>
-                <a:cs typeface="Arial" panose="020B0604020202020204" pitchFamily="34" charset="0"/>
-              </a:rPr>
-              <a:t>sp</a:t>
-            </a:r>
-            <a:r>
-              <a:rPr kumimoji="0" lang="en-US" altLang="ko-KR" sz="800" b="0" i="0" u="none" strike="noStrike" cap="none" normalizeH="0" baseline="0" dirty="0">
-                <a:ln>
-                  <a:noFill/>
-                </a:ln>
-                <a:solidFill>
-                  <a:srgbClr val="000000"/>
-                </a:solidFill>
-                <a:effectLst/>
-                <a:cs typeface="Arial" panose="020B0604020202020204" pitchFamily="34" charset="0"/>
-              </a:rPr>
-              <a:t>-gr.</a:t>
-            </a:r>
-            <a:endParaRPr kumimoji="0" lang="ko-KR" altLang="ko-KR" sz="2800" b="0" i="0" u="none" strike="noStrike" cap="none" normalizeH="0" baseline="0" dirty="0">
+              <a:rPr kumimoji="0" lang="en-US" altLang="ko-KR" sz="800" b="0" i="0" u="none" strike="noStrike" cap="none" normalizeH="0" baseline="0">
+                <a:ln>
+                  <a:noFill/>
+                </a:ln>
+                <a:solidFill>
+                  <a:srgbClr val="000000"/>
+                </a:solidFill>
+                <a:effectLst/>
+                <a:cs typeface="Arial" panose="020B0604020202020204" pitchFamily="34" charset="0"/>
+              </a:rPr>
+              <a:t>sp-gr.</a:t>
+            </a:r>
+            <a:endParaRPr kumimoji="0" lang="ko-KR" altLang="ko-KR" sz="2800" b="0" i="0" u="none" strike="noStrike" cap="none" normalizeH="0" baseline="0">
               <a:ln>
                 <a:noFill/>
               </a:ln>
@@ -12051,7 +11627,7 @@
               <a:tabLst/>
             </a:pPr>
             <a:r>
-              <a:rPr kumimoji="0" lang="ko-KR" altLang="ko-KR" sz="800" b="0" i="0" u="none" strike="noStrike" cap="none" normalizeH="0" baseline="0" dirty="0">
+              <a:rPr kumimoji="0" lang="ko-KR" altLang="ko-KR" sz="800" b="0" i="0" u="none" strike="noStrike" cap="none" normalizeH="0" baseline="0">
                 <a:ln>
                   <a:noFill/>
                 </a:ln>
@@ -12064,7 +11640,7 @@
               <a:t> </a:t>
             </a:r>
             <a:r>
-              <a:rPr kumimoji="0" lang="en-US" altLang="ko-KR" sz="800" b="0" i="1" u="none" strike="noStrike" cap="none" normalizeH="0" baseline="0" dirty="0">
+              <a:rPr kumimoji="0" lang="en-US" altLang="ko-KR" sz="800" b="0" i="1" u="none" strike="noStrike" cap="none" normalizeH="0" baseline="0">
                 <a:ln>
                   <a:noFill/>
                 </a:ln>
@@ -12077,7 +11653,7 @@
               <a:t>S. </a:t>
             </a:r>
             <a:r>
-              <a:rPr kumimoji="0" lang="ko-KR" altLang="ko-KR" sz="800" b="0" i="1" u="none" strike="noStrike" cap="none" normalizeH="0" baseline="0" dirty="0" err="1">
+              <a:rPr kumimoji="0" lang="ko-KR" altLang="ko-KR" sz="800" b="0" i="1" u="none" strike="noStrike" cap="none" normalizeH="0" baseline="0" err="1">
                 <a:ln>
                   <a:noFill/>
                 </a:ln>
@@ -12090,7 +11666,7 @@
               <a:t>insignis</a:t>
             </a:r>
             <a:r>
-              <a:rPr kumimoji="0" lang="ko-KR" altLang="en-US" sz="800" b="0" i="1" u="none" strike="noStrike" cap="none" normalizeH="0" baseline="0" dirty="0">
+              <a:rPr kumimoji="0" lang="ko-KR" altLang="en-US" sz="800" b="0" i="1" u="none" strike="noStrike" cap="none" normalizeH="0" baseline="0">
                 <a:ln>
                   <a:noFill/>
                 </a:ln>
@@ -12103,7 +11679,7 @@
               <a:t> </a:t>
             </a:r>
             <a:r>
-              <a:rPr kumimoji="0" lang="en-US" altLang="ko-KR" sz="800" b="0" i="0" u="none" strike="noStrike" cap="none" normalizeH="0" baseline="0" dirty="0">
+              <a:rPr kumimoji="0" lang="en-US" altLang="ko-KR" sz="800" b="0" i="0" u="none" strike="noStrike" cap="none" normalizeH="0" baseline="0">
                 <a:ln>
                   <a:noFill/>
                 </a:ln>
@@ -12116,7 +11692,7 @@
               <a:t>-</a:t>
             </a:r>
             <a:r>
-              <a:rPr kumimoji="0" lang="ko-KR" altLang="ko-KR" sz="800" b="0" i="0" u="none" strike="noStrike" cap="none" normalizeH="0" baseline="0" dirty="0" err="1">
+              <a:rPr kumimoji="0" lang="ko-KR" altLang="ko-KR" sz="800" b="0" i="0" u="none" strike="noStrike" cap="none" normalizeH="0" baseline="0" err="1">
                 <a:ln>
                   <a:noFill/>
                 </a:ln>
@@ -12128,7 +11704,7 @@
               </a:rPr>
               <a:t>Q</a:t>
             </a:r>
-            <a:endParaRPr kumimoji="0" lang="ko-KR" altLang="ko-KR" sz="2800" b="0" i="0" u="none" strike="noStrike" cap="none" normalizeH="0" baseline="0" dirty="0">
+            <a:endParaRPr kumimoji="0" lang="ko-KR" altLang="ko-KR" sz="2800" b="0" i="0" u="none" strike="noStrike" cap="none" normalizeH="0" baseline="0">
               <a:ln>
                 <a:noFill/>
               </a:ln>
@@ -12553,7 +12129,7 @@
               <a:tabLst/>
             </a:pPr>
             <a:r>
-              <a:rPr kumimoji="0" lang="ko-KR" altLang="ko-KR" sz="800" b="0" i="0" u="none" strike="noStrike" cap="none" normalizeH="0" baseline="0" dirty="0">
+              <a:rPr kumimoji="0" lang="ko-KR" altLang="ko-KR" sz="800" b="0" i="0" u="none" strike="noStrike" cap="none" normalizeH="0" baseline="0">
                 <a:ln>
                   <a:noFill/>
                 </a:ln>
@@ -12566,7 +12142,7 @@
               <a:t> </a:t>
             </a:r>
             <a:r>
-              <a:rPr kumimoji="0" lang="en-US" altLang="ko-KR" sz="800" b="0" i="1" u="none" strike="noStrike" cap="none" normalizeH="0" baseline="0" dirty="0">
+              <a:rPr kumimoji="0" lang="en-US" altLang="ko-KR" sz="800" b="0" i="1" u="none" strike="noStrike" cap="none" normalizeH="0" baseline="0">
                 <a:ln>
                   <a:noFill/>
                 </a:ln>
@@ -12579,7 +12155,7 @@
               <a:t>S. </a:t>
             </a:r>
             <a:r>
-              <a:rPr kumimoji="0" lang="ko-KR" altLang="ko-KR" sz="800" b="0" i="1" u="none" strike="noStrike" cap="none" normalizeH="0" baseline="0" dirty="0" err="1">
+              <a:rPr kumimoji="0" lang="ko-KR" altLang="ko-KR" sz="800" b="0" i="1" u="none" strike="noStrike" cap="none" normalizeH="0" baseline="0" err="1">
                 <a:ln>
                   <a:noFill/>
                 </a:ln>
@@ -12592,7 +12168,7 @@
               <a:t>sapphirina</a:t>
             </a:r>
             <a:r>
-              <a:rPr kumimoji="0" lang="ko-KR" altLang="en-US" sz="800" b="0" i="1" u="none" strike="noStrike" cap="none" normalizeH="0" baseline="0" dirty="0">
+              <a:rPr kumimoji="0" lang="ko-KR" altLang="en-US" sz="800" b="0" i="1" u="none" strike="noStrike" cap="none" normalizeH="0" baseline="0">
                 <a:ln>
                   <a:noFill/>
                 </a:ln>
@@ -12605,7 +12181,7 @@
               <a:t> </a:t>
             </a:r>
             <a:r>
-              <a:rPr kumimoji="0" lang="en-US" altLang="ko-KR" sz="800" b="0" i="0" u="none" strike="noStrike" cap="none" normalizeH="0" baseline="0" dirty="0">
+              <a:rPr kumimoji="0" lang="en-US" altLang="ko-KR" sz="800" b="0" i="0" u="none" strike="noStrike" cap="none" normalizeH="0" baseline="0">
                 <a:ln>
                   <a:noFill/>
                 </a:ln>
@@ -12618,7 +12194,7 @@
               <a:t>-</a:t>
             </a:r>
             <a:r>
-              <a:rPr kumimoji="0" lang="ko-KR" altLang="ko-KR" sz="800" b="0" i="0" u="none" strike="noStrike" cap="none" normalizeH="0" baseline="0" dirty="0" err="1">
+              <a:rPr kumimoji="0" lang="ko-KR" altLang="ko-KR" sz="800" b="0" i="0" u="none" strike="noStrike" cap="none" normalizeH="0" baseline="0" err="1">
                 <a:ln>
                   <a:noFill/>
                 </a:ln>
@@ -12630,7 +12206,7 @@
               </a:rPr>
               <a:t>Q</a:t>
             </a:r>
-            <a:endParaRPr kumimoji="0" lang="ko-KR" altLang="ko-KR" sz="2800" b="0" i="0" u="none" strike="noStrike" cap="none" normalizeH="0" baseline="0" dirty="0">
+            <a:endParaRPr kumimoji="0" lang="ko-KR" altLang="ko-KR" sz="2800" b="0" i="0" u="none" strike="noStrike" cap="none" normalizeH="0" baseline="0">
               <a:ln>
                 <a:noFill/>
               </a:ln>
@@ -12921,7 +12497,7 @@
               <a:tabLst/>
             </a:pPr>
             <a:r>
-              <a:rPr kumimoji="0" lang="ko-KR" altLang="ko-KR" sz="800" b="0" i="1" u="none" strike="noStrike" cap="none" normalizeH="0" baseline="0" dirty="0">
+              <a:rPr kumimoji="0" lang="ko-KR" altLang="ko-KR" sz="800" b="0" i="1" u="none" strike="noStrike" cap="none" normalizeH="0" baseline="0">
                 <a:ln>
                   <a:noFill/>
                 </a:ln>
@@ -12934,7 +12510,7 @@
               <a:t> </a:t>
             </a:r>
             <a:r>
-              <a:rPr kumimoji="0" lang="en-US" altLang="ko-KR" sz="800" b="0" i="1" u="none" strike="noStrike" cap="none" normalizeH="0" baseline="0" dirty="0">
+              <a:rPr kumimoji="0" lang="en-US" altLang="ko-KR" sz="800" b="0" i="1" u="none" strike="noStrike" cap="none" normalizeH="0" baseline="0">
                 <a:ln>
                   <a:noFill/>
                 </a:ln>
@@ -12947,7 +12523,7 @@
               <a:t>S. </a:t>
             </a:r>
             <a:r>
-              <a:rPr kumimoji="0" lang="ko-KR" altLang="ko-KR" sz="800" b="0" i="1" u="none" strike="noStrike" cap="none" normalizeH="0" baseline="0" dirty="0" err="1">
+              <a:rPr kumimoji="0" lang="ko-KR" altLang="ko-KR" sz="800" b="0" i="1" u="none" strike="noStrike" cap="none" normalizeH="0" baseline="0" err="1">
                 <a:ln>
                   <a:noFill/>
                 </a:ln>
@@ -12960,7 +12536,7 @@
               <a:t>ovata</a:t>
             </a:r>
             <a:r>
-              <a:rPr kumimoji="0" lang="ko-KR" altLang="en-US" sz="800" b="0" i="1" u="none" strike="noStrike" cap="none" normalizeH="0" baseline="0" dirty="0">
+              <a:rPr kumimoji="0" lang="ko-KR" altLang="en-US" sz="800" b="0" i="1" u="none" strike="noStrike" cap="none" normalizeH="0" baseline="0">
                 <a:ln>
                   <a:noFill/>
                 </a:ln>
@@ -12973,7 +12549,7 @@
               <a:t> </a:t>
             </a:r>
             <a:r>
-              <a:rPr kumimoji="0" lang="en-US" altLang="ko-KR" sz="800" b="0" i="0" u="none" strike="noStrike" cap="none" normalizeH="0" baseline="0" dirty="0">
+              <a:rPr kumimoji="0" lang="en-US" altLang="ko-KR" sz="800" b="0" i="0" u="none" strike="noStrike" cap="none" normalizeH="0" baseline="0">
                 <a:ln>
                   <a:noFill/>
                 </a:ln>
@@ -12986,7 +12562,7 @@
               <a:t>-</a:t>
             </a:r>
             <a:r>
-              <a:rPr kumimoji="0" lang="ko-KR" altLang="ko-KR" sz="800" b="0" i="0" u="none" strike="noStrike" cap="none" normalizeH="0" baseline="0" dirty="0">
+              <a:rPr kumimoji="0" lang="ko-KR" altLang="ko-KR" sz="800" b="0" i="0" u="none" strike="noStrike" cap="none" normalizeH="0" baseline="0">
                 <a:ln>
                   <a:noFill/>
                 </a:ln>
@@ -12999,32 +12575,19 @@
               <a:t>OVATA </a:t>
             </a:r>
             <a:r>
-              <a:rPr kumimoji="0" lang="en-US" altLang="ko-KR" sz="800" b="0" i="0" u="none" strike="noStrike" cap="none" normalizeH="0" baseline="0" dirty="0" err="1">
-                <a:ln>
-                  <a:noFill/>
-                </a:ln>
-                <a:solidFill>
-                  <a:srgbClr val="000000"/>
-                </a:solidFill>
-                <a:effectLst/>
-                <a:cs typeface="Arial" panose="020B0604020202020204" pitchFamily="34" charset="0"/>
-              </a:rPr>
-              <a:t>sp</a:t>
-            </a:r>
-            <a:r>
-              <a:rPr kumimoji="0" lang="en-US" altLang="ko-KR" sz="800" b="0" i="0" u="none" strike="noStrike" cap="none" normalizeH="0" baseline="0" dirty="0">
-                <a:ln>
-                  <a:noFill/>
-                </a:ln>
-                <a:solidFill>
-                  <a:srgbClr val="000000"/>
-                </a:solidFill>
-                <a:effectLst/>
-                <a:cs typeface="Arial" panose="020B0604020202020204" pitchFamily="34" charset="0"/>
-              </a:rPr>
-              <a:t>-gr.</a:t>
-            </a:r>
-            <a:endParaRPr kumimoji="0" lang="ko-KR" altLang="ko-KR" sz="2800" b="0" i="0" u="none" strike="noStrike" cap="none" normalizeH="0" baseline="0" dirty="0">
+              <a:rPr kumimoji="0" lang="en-US" altLang="ko-KR" sz="800" b="0" i="0" u="none" strike="noStrike" cap="none" normalizeH="0" baseline="0">
+                <a:ln>
+                  <a:noFill/>
+                </a:ln>
+                <a:solidFill>
+                  <a:srgbClr val="000000"/>
+                </a:solidFill>
+                <a:effectLst/>
+                <a:cs typeface="Arial" panose="020B0604020202020204" pitchFamily="34" charset="0"/>
+              </a:rPr>
+              <a:t>sp-gr.</a:t>
+            </a:r>
+            <a:endParaRPr kumimoji="0" lang="ko-KR" altLang="ko-KR" sz="2800" b="0" i="0" u="none" strike="noStrike" cap="none" normalizeH="0" baseline="0">
               <a:ln>
                 <a:noFill/>
               </a:ln>
@@ -13315,7 +12878,7 @@
               <a:tabLst/>
             </a:pPr>
             <a:r>
-              <a:rPr kumimoji="0" lang="ko-KR" altLang="ko-KR" sz="800" b="0" i="0" u="none" strike="noStrike" cap="none" normalizeH="0" baseline="0" dirty="0">
+              <a:rPr kumimoji="0" lang="ko-KR" altLang="ko-KR" sz="800" b="0" i="0" u="none" strike="noStrike" cap="none" normalizeH="0" baseline="0">
                 <a:ln>
                   <a:noFill/>
                 </a:ln>
@@ -13328,7 +12891,7 @@
               <a:t> </a:t>
             </a:r>
             <a:r>
-              <a:rPr kumimoji="0" lang="en-US" altLang="ko-KR" sz="800" b="0" i="1" u="none" strike="noStrike" cap="none" normalizeH="0" baseline="0" dirty="0">
+              <a:rPr kumimoji="0" lang="en-US" altLang="ko-KR" sz="800" b="0" i="1" u="none" strike="noStrike" cap="none" normalizeH="0" baseline="0">
                 <a:ln>
                   <a:noFill/>
                 </a:ln>
@@ -13341,7 +12904,7 @@
               <a:t>S. </a:t>
             </a:r>
             <a:r>
-              <a:rPr kumimoji="0" lang="ko-KR" altLang="ko-KR" sz="800" b="0" i="1" u="none" strike="noStrike" cap="none" normalizeH="0" baseline="0" dirty="0" err="1">
+              <a:rPr kumimoji="0" lang="ko-KR" altLang="ko-KR" sz="800" b="0" i="1" u="none" strike="noStrike" cap="none" normalizeH="0" baseline="0" err="1">
                 <a:ln>
                   <a:noFill/>
                 </a:ln>
@@ -13354,7 +12917,7 @@
               <a:t>parvula</a:t>
             </a:r>
             <a:r>
-              <a:rPr kumimoji="0" lang="ko-KR" altLang="en-US" sz="800" b="0" i="1" u="none" strike="noStrike" cap="none" normalizeH="0" baseline="0" dirty="0">
+              <a:rPr kumimoji="0" lang="ko-KR" altLang="en-US" sz="800" b="0" i="1" u="none" strike="noStrike" cap="none" normalizeH="0" baseline="0">
                 <a:ln>
                   <a:noFill/>
                 </a:ln>
@@ -13367,7 +12930,7 @@
               <a:t> </a:t>
             </a:r>
             <a:r>
-              <a:rPr kumimoji="0" lang="en-US" altLang="ko-KR" sz="800" b="0" i="0" u="none" strike="noStrike" cap="none" normalizeH="0" baseline="0" dirty="0">
+              <a:rPr kumimoji="0" lang="en-US" altLang="ko-KR" sz="800" b="0" i="0" u="none" strike="noStrike" cap="none" normalizeH="0" baseline="0">
                 <a:ln>
                   <a:noFill/>
                 </a:ln>
@@ -13380,7 +12943,7 @@
               <a:t>-</a:t>
             </a:r>
             <a:r>
-              <a:rPr kumimoji="0" lang="ko-KR" altLang="ko-KR" sz="800" b="0" i="0" u="none" strike="noStrike" cap="none" normalizeH="0" baseline="0" dirty="0">
+              <a:rPr kumimoji="0" lang="ko-KR" altLang="ko-KR" sz="800" b="0" i="0" u="none" strike="noStrike" cap="none" normalizeH="0" baseline="0">
                 <a:ln>
                   <a:noFill/>
                 </a:ln>
@@ -13393,32 +12956,19 @@
               <a:t>PARVULA </a:t>
             </a:r>
             <a:r>
-              <a:rPr kumimoji="0" lang="en-US" altLang="ko-KR" sz="800" b="0" i="0" u="none" strike="noStrike" cap="none" normalizeH="0" baseline="0" dirty="0" err="1">
-                <a:ln>
-                  <a:noFill/>
-                </a:ln>
-                <a:solidFill>
-                  <a:srgbClr val="000000"/>
-                </a:solidFill>
-                <a:effectLst/>
-                <a:cs typeface="Arial" panose="020B0604020202020204" pitchFamily="34" charset="0"/>
-              </a:rPr>
-              <a:t>sp</a:t>
-            </a:r>
-            <a:r>
-              <a:rPr kumimoji="0" lang="en-US" altLang="ko-KR" sz="800" b="0" i="0" u="none" strike="noStrike" cap="none" normalizeH="0" baseline="0" dirty="0">
-                <a:ln>
-                  <a:noFill/>
-                </a:ln>
-                <a:solidFill>
-                  <a:srgbClr val="000000"/>
-                </a:solidFill>
-                <a:effectLst/>
-                <a:cs typeface="Arial" panose="020B0604020202020204" pitchFamily="34" charset="0"/>
-              </a:rPr>
-              <a:t>-gr.</a:t>
-            </a:r>
-            <a:endParaRPr kumimoji="0" lang="ko-KR" altLang="ko-KR" sz="2800" b="0" i="0" u="none" strike="noStrike" cap="none" normalizeH="0" baseline="0" dirty="0">
+              <a:rPr kumimoji="0" lang="en-US" altLang="ko-KR" sz="800" b="0" i="0" u="none" strike="noStrike" cap="none" normalizeH="0" baseline="0">
+                <a:ln>
+                  <a:noFill/>
+                </a:ln>
+                <a:solidFill>
+                  <a:srgbClr val="000000"/>
+                </a:solidFill>
+                <a:effectLst/>
+                <a:cs typeface="Arial" panose="020B0604020202020204" pitchFamily="34" charset="0"/>
+              </a:rPr>
+              <a:t>sp-gr.</a:t>
+            </a:r>
+            <a:endParaRPr kumimoji="0" lang="ko-KR" altLang="ko-KR" sz="2800" b="0" i="0" u="none" strike="noStrike" cap="none" normalizeH="0" baseline="0">
               <a:ln>
                 <a:noFill/>
               </a:ln>
@@ -13794,7 +13344,7 @@
               <a:tabLst/>
             </a:pPr>
             <a:r>
-              <a:rPr kumimoji="0" lang="ko-KR" altLang="ko-KR" sz="800" b="0" i="0" u="none" strike="noStrike" cap="none" normalizeH="0" baseline="0" dirty="0">
+              <a:rPr kumimoji="0" lang="ko-KR" altLang="ko-KR" sz="800" b="0" i="0" u="none" strike="noStrike" cap="none" normalizeH="0" baseline="0">
                 <a:ln>
                   <a:noFill/>
                 </a:ln>
@@ -13807,7 +13357,7 @@
               <a:t> </a:t>
             </a:r>
             <a:r>
-              <a:rPr kumimoji="0" lang="en-US" altLang="ko-KR" sz="800" b="0" i="1" u="none" strike="noStrike" cap="none" normalizeH="0" baseline="0" dirty="0">
+              <a:rPr kumimoji="0" lang="en-US" altLang="ko-KR" sz="800" b="0" i="1" u="none" strike="noStrike" cap="none" normalizeH="0" baseline="0">
                 <a:ln>
                   <a:noFill/>
                 </a:ln>
@@ -13820,7 +13370,7 @@
               <a:t>S. </a:t>
             </a:r>
             <a:r>
-              <a:rPr kumimoji="0" lang="ko-KR" altLang="ko-KR" sz="800" b="0" i="1" u="none" strike="noStrike" cap="none" normalizeH="0" baseline="0" dirty="0" err="1">
+              <a:rPr kumimoji="0" lang="ko-KR" altLang="ko-KR" sz="800" b="0" i="1" u="none" strike="noStrike" cap="none" normalizeH="0" baseline="0" err="1">
                 <a:ln>
                   <a:noFill/>
                 </a:ln>
@@ -13833,7 +13383,7 @@
               <a:t>angustifolia</a:t>
             </a:r>
             <a:r>
-              <a:rPr kumimoji="0" lang="ko-KR" altLang="en-US" sz="800" b="0" i="1" u="none" strike="noStrike" cap="none" normalizeH="0" baseline="0" dirty="0">
+              <a:rPr kumimoji="0" lang="ko-KR" altLang="en-US" sz="800" b="0" i="1" u="none" strike="noStrike" cap="none" normalizeH="0" baseline="0">
                 <a:ln>
                   <a:noFill/>
                 </a:ln>
@@ -13846,7 +13396,7 @@
               <a:t> </a:t>
             </a:r>
             <a:r>
-              <a:rPr kumimoji="0" lang="en-US" altLang="ko-KR" sz="800" b="0" i="0" u="none" strike="noStrike" cap="none" normalizeH="0" baseline="0" dirty="0">
+              <a:rPr kumimoji="0" lang="en-US" altLang="ko-KR" sz="800" b="0" i="0" u="none" strike="noStrike" cap="none" normalizeH="0" baseline="0">
                 <a:ln>
                   <a:noFill/>
                 </a:ln>
@@ -13859,7 +13409,7 @@
               <a:t>-</a:t>
             </a:r>
             <a:r>
-              <a:rPr kumimoji="0" lang="ko-KR" altLang="ko-KR" sz="800" b="0" i="0" u="none" strike="noStrike" cap="none" normalizeH="0" baseline="0" dirty="0">
+              <a:rPr kumimoji="0" lang="ko-KR" altLang="ko-KR" sz="800" b="0" i="0" u="none" strike="noStrike" cap="none" normalizeH="0" baseline="0">
                 <a:ln>
                   <a:noFill/>
                 </a:ln>
@@ -13872,32 +13422,19 @@
               <a:t>ANGUSTIFOLIA </a:t>
             </a:r>
             <a:r>
-              <a:rPr kumimoji="0" lang="en-US" altLang="ko-KR" sz="800" b="0" i="0" u="none" strike="noStrike" cap="none" normalizeH="0" baseline="0" dirty="0" err="1">
-                <a:ln>
-                  <a:noFill/>
-                </a:ln>
-                <a:solidFill>
-                  <a:srgbClr val="000000"/>
-                </a:solidFill>
-                <a:effectLst/>
-                <a:cs typeface="Arial" panose="020B0604020202020204" pitchFamily="34" charset="0"/>
-              </a:rPr>
-              <a:t>sp</a:t>
-            </a:r>
-            <a:r>
-              <a:rPr kumimoji="0" lang="en-US" altLang="ko-KR" sz="800" b="0" i="0" u="none" strike="noStrike" cap="none" normalizeH="0" baseline="0" dirty="0">
-                <a:ln>
-                  <a:noFill/>
-                </a:ln>
-                <a:solidFill>
-                  <a:srgbClr val="000000"/>
-                </a:solidFill>
-                <a:effectLst/>
-                <a:cs typeface="Arial" panose="020B0604020202020204" pitchFamily="34" charset="0"/>
-              </a:rPr>
-              <a:t>-gr.</a:t>
-            </a:r>
-            <a:endParaRPr kumimoji="0" lang="ko-KR" altLang="ko-KR" sz="2800" b="0" i="0" u="none" strike="noStrike" cap="none" normalizeH="0" baseline="0" dirty="0">
+              <a:rPr kumimoji="0" lang="en-US" altLang="ko-KR" sz="800" b="0" i="0" u="none" strike="noStrike" cap="none" normalizeH="0" baseline="0">
+                <a:ln>
+                  <a:noFill/>
+                </a:ln>
+                <a:solidFill>
+                  <a:srgbClr val="000000"/>
+                </a:solidFill>
+                <a:effectLst/>
+                <a:cs typeface="Arial" panose="020B0604020202020204" pitchFamily="34" charset="0"/>
+              </a:rPr>
+              <a:t>sp-gr.</a:t>
+            </a:r>
+            <a:endParaRPr kumimoji="0" lang="ko-KR" altLang="ko-KR" sz="2800" b="0" i="0" u="none" strike="noStrike" cap="none" normalizeH="0" baseline="0">
               <a:ln>
                 <a:noFill/>
               </a:ln>
@@ -14185,7 +13722,7 @@
               <a:tabLst/>
             </a:pPr>
             <a:r>
-              <a:rPr kumimoji="0" lang="ko-KR" altLang="ko-KR" sz="800" b="0" i="1" u="none" strike="noStrike" cap="none" normalizeH="0" baseline="0" dirty="0">
+              <a:rPr kumimoji="0" lang="ko-KR" altLang="ko-KR" sz="800" b="0" i="1" u="none" strike="noStrike" cap="none" normalizeH="0" baseline="0">
                 <a:ln>
                   <a:noFill/>
                 </a:ln>
@@ -14198,7 +13735,7 @@
               <a:t> </a:t>
             </a:r>
             <a:r>
-              <a:rPr kumimoji="0" lang="en-US" altLang="ko-KR" sz="800" b="0" i="1" u="none" strike="noStrike" cap="none" normalizeH="0" baseline="0" dirty="0">
+              <a:rPr kumimoji="0" lang="en-US" altLang="ko-KR" sz="800" b="0" i="1" u="none" strike="noStrike" cap="none" normalizeH="0" baseline="0">
                 <a:ln>
                   <a:noFill/>
                 </a:ln>
@@ -14211,7 +13748,7 @@
               <a:t>S. </a:t>
             </a:r>
             <a:r>
-              <a:rPr kumimoji="0" lang="ko-KR" altLang="ko-KR" sz="800" b="0" i="1" u="none" strike="noStrike" cap="none" normalizeH="0" baseline="0" dirty="0" err="1">
+              <a:rPr kumimoji="0" lang="ko-KR" altLang="ko-KR" sz="800" b="0" i="1" u="none" strike="noStrike" cap="none" normalizeH="0" baseline="0" err="1">
                 <a:ln>
                   <a:noFill/>
                 </a:ln>
@@ -14224,7 +13761,7 @@
               <a:t>angustifolia</a:t>
             </a:r>
             <a:r>
-              <a:rPr kumimoji="0" lang="ko-KR" altLang="ko-KR" sz="800" b="0" i="1" u="none" strike="noStrike" cap="none" normalizeH="0" baseline="0" dirty="0">
+              <a:rPr kumimoji="0" lang="ko-KR" altLang="ko-KR" sz="800" b="0" i="1" u="none" strike="noStrike" cap="none" normalizeH="0" baseline="0">
                 <a:ln>
                   <a:noFill/>
                 </a:ln>
@@ -14237,7 +13774,7 @@
               <a:t> </a:t>
             </a:r>
             <a:r>
-              <a:rPr kumimoji="0" lang="ko-KR" altLang="ko-KR" sz="800" b="0" i="0" u="none" strike="noStrike" cap="none" normalizeH="0" baseline="0" dirty="0" err="1">
+              <a:rPr kumimoji="0" lang="ko-KR" altLang="ko-KR" sz="800" b="0" i="0" u="none" strike="noStrike" cap="none" normalizeH="0" baseline="0" err="1">
                 <a:ln>
                   <a:noFill/>
                 </a:ln>
@@ -14250,7 +13787,7 @@
               <a:t>subsp</a:t>
             </a:r>
             <a:r>
-              <a:rPr kumimoji="0" lang="ko-KR" altLang="ko-KR" sz="800" b="0" i="0" u="none" strike="noStrike" cap="none" normalizeH="0" baseline="0" dirty="0">
+              <a:rPr kumimoji="0" lang="ko-KR" altLang="ko-KR" sz="800" b="0" i="0" u="none" strike="noStrike" cap="none" normalizeH="0" baseline="0">
                 <a:ln>
                   <a:noFill/>
                 </a:ln>
@@ -14263,7 +13800,7 @@
               <a:t> </a:t>
             </a:r>
             <a:r>
-              <a:rPr kumimoji="0" lang="ko-KR" altLang="ko-KR" sz="800" b="0" i="1" u="none" strike="noStrike" cap="none" normalizeH="0" baseline="0" dirty="0" err="1">
+              <a:rPr kumimoji="0" lang="ko-KR" altLang="ko-KR" sz="800" b="0" i="1" u="none" strike="noStrike" cap="none" normalizeH="0" baseline="0" err="1">
                 <a:ln>
                   <a:noFill/>
                 </a:ln>
@@ -14276,7 +13813,7 @@
               <a:t>micrantha</a:t>
             </a:r>
             <a:r>
-              <a:rPr kumimoji="0" lang="ko-KR" altLang="en-US" sz="800" b="0" i="0" u="none" strike="noStrike" cap="none" normalizeH="0" baseline="0" dirty="0">
+              <a:rPr kumimoji="0" lang="ko-KR" altLang="en-US" sz="800" b="0" i="0" u="none" strike="noStrike" cap="none" normalizeH="0" baseline="0">
                 <a:ln>
                   <a:noFill/>
                 </a:ln>
@@ -14289,7 +13826,7 @@
               <a:t> </a:t>
             </a:r>
             <a:r>
-              <a:rPr kumimoji="0" lang="en-US" altLang="ko-KR" sz="800" b="0" i="0" u="none" strike="noStrike" cap="none" normalizeH="0" baseline="0" dirty="0">
+              <a:rPr kumimoji="0" lang="en-US" altLang="ko-KR" sz="800" b="0" i="0" u="none" strike="noStrike" cap="none" normalizeH="0" baseline="0">
                 <a:ln>
                   <a:noFill/>
                 </a:ln>
@@ -14302,7 +13839,7 @@
               <a:t>-</a:t>
             </a:r>
             <a:r>
-              <a:rPr kumimoji="0" lang="ko-KR" altLang="ko-KR" sz="800" b="0" i="0" u="none" strike="noStrike" cap="none" normalizeH="0" baseline="0" dirty="0" err="1">
+              <a:rPr kumimoji="0" lang="ko-KR" altLang="ko-KR" sz="800" b="0" i="0" u="none" strike="noStrike" cap="none" normalizeH="0" baseline="0" err="1">
                 <a:ln>
                   <a:noFill/>
                 </a:ln>
@@ -14314,7 +13851,7 @@
               </a:rPr>
               <a:t>Q</a:t>
             </a:r>
-            <a:endParaRPr kumimoji="0" lang="ko-KR" altLang="ko-KR" sz="2800" b="0" i="0" u="none" strike="noStrike" cap="none" normalizeH="0" baseline="0" dirty="0">
+            <a:endParaRPr kumimoji="0" lang="ko-KR" altLang="ko-KR" sz="2800" b="0" i="0" u="none" strike="noStrike" cap="none" normalizeH="0" baseline="0">
               <a:ln>
                 <a:noFill/>
               </a:ln>
@@ -14690,7 +14227,7 @@
               <a:tabLst/>
             </a:pPr>
             <a:r>
-              <a:rPr kumimoji="0" lang="ko-KR" altLang="ko-KR" sz="800" b="0" i="1" u="none" strike="noStrike" cap="none" normalizeH="0" baseline="0" dirty="0">
+              <a:rPr kumimoji="0" lang="ko-KR" altLang="ko-KR" sz="800" b="0" i="1" u="none" strike="noStrike" cap="none" normalizeH="0" baseline="0">
                 <a:ln>
                   <a:noFill/>
                 </a:ln>
@@ -14703,7 +14240,7 @@
               <a:t> </a:t>
             </a:r>
             <a:r>
-              <a:rPr kumimoji="0" lang="en-US" altLang="ko-KR" sz="800" b="0" i="1" u="none" strike="noStrike" cap="none" normalizeH="0" baseline="0" dirty="0">
+              <a:rPr kumimoji="0" lang="en-US" altLang="ko-KR" sz="800" b="0" i="1" u="none" strike="noStrike" cap="none" normalizeH="0" baseline="0">
                 <a:ln>
                   <a:noFill/>
                 </a:ln>
@@ -14716,7 +14253,7 @@
               <a:t>S. </a:t>
             </a:r>
             <a:r>
-              <a:rPr kumimoji="0" lang="ko-KR" altLang="ko-KR" sz="800" b="0" i="1" u="none" strike="noStrike" cap="none" normalizeH="0" baseline="0" dirty="0" err="1">
+              <a:rPr kumimoji="0" lang="ko-KR" altLang="ko-KR" sz="800" b="0" i="1" u="none" strike="noStrike" cap="none" normalizeH="0" baseline="0" err="1">
                 <a:ln>
                   <a:noFill/>
                 </a:ln>
@@ -14729,7 +14266,7 @@
               <a:t>siphocampyloides</a:t>
             </a:r>
             <a:r>
-              <a:rPr kumimoji="0" lang="ko-KR" altLang="en-US" sz="800" b="0" i="1" u="none" strike="noStrike" cap="none" normalizeH="0" baseline="0" dirty="0">
+              <a:rPr kumimoji="0" lang="ko-KR" altLang="en-US" sz="800" b="0" i="1" u="none" strike="noStrike" cap="none" normalizeH="0" baseline="0">
                 <a:ln>
                   <a:noFill/>
                 </a:ln>
@@ -14742,7 +14279,7 @@
               <a:t> </a:t>
             </a:r>
             <a:r>
-              <a:rPr kumimoji="0" lang="en-US" altLang="ko-KR" sz="800" b="0" i="0" u="none" strike="noStrike" cap="none" normalizeH="0" baseline="0" dirty="0">
+              <a:rPr kumimoji="0" lang="en-US" altLang="ko-KR" sz="800" b="0" i="0" u="none" strike="noStrike" cap="none" normalizeH="0" baseline="0">
                 <a:ln>
                   <a:noFill/>
                 </a:ln>
@@ -14755,7 +14292,7 @@
               <a:t>-</a:t>
             </a:r>
             <a:r>
-              <a:rPr kumimoji="0" lang="ko-KR" altLang="ko-KR" sz="800" b="0" i="0" u="none" strike="noStrike" cap="none" normalizeH="0" baseline="0" dirty="0">
+              <a:rPr kumimoji="0" lang="ko-KR" altLang="ko-KR" sz="800" b="0" i="0" u="none" strike="noStrike" cap="none" normalizeH="0" baseline="0">
                 <a:ln>
                   <a:noFill/>
                 </a:ln>
@@ -14768,32 +14305,19 @@
               <a:t>ANGUSTIFOLIA </a:t>
             </a:r>
             <a:r>
-              <a:rPr kumimoji="0" lang="en-US" altLang="ko-KR" sz="800" b="0" i="0" u="none" strike="noStrike" cap="none" normalizeH="0" baseline="0" dirty="0" err="1">
-                <a:ln>
-                  <a:noFill/>
-                </a:ln>
-                <a:solidFill>
-                  <a:srgbClr val="000000"/>
-                </a:solidFill>
-                <a:effectLst/>
-                <a:cs typeface="Arial" panose="020B0604020202020204" pitchFamily="34" charset="0"/>
-              </a:rPr>
-              <a:t>sp</a:t>
-            </a:r>
-            <a:r>
-              <a:rPr kumimoji="0" lang="en-US" altLang="ko-KR" sz="800" b="0" i="0" u="none" strike="noStrike" cap="none" normalizeH="0" baseline="0" dirty="0">
-                <a:ln>
-                  <a:noFill/>
-                </a:ln>
-                <a:solidFill>
-                  <a:srgbClr val="000000"/>
-                </a:solidFill>
-                <a:effectLst/>
-                <a:cs typeface="Arial" panose="020B0604020202020204" pitchFamily="34" charset="0"/>
-              </a:rPr>
-              <a:t>-gr.</a:t>
-            </a:r>
-            <a:endParaRPr kumimoji="0" lang="ko-KR" altLang="ko-KR" sz="2800" b="0" i="0" u="none" strike="noStrike" cap="none" normalizeH="0" baseline="0" dirty="0">
+              <a:rPr kumimoji="0" lang="en-US" altLang="ko-KR" sz="800" b="0" i="0" u="none" strike="noStrike" cap="none" normalizeH="0" baseline="0">
+                <a:ln>
+                  <a:noFill/>
+                </a:ln>
+                <a:solidFill>
+                  <a:srgbClr val="000000"/>
+                </a:solidFill>
+                <a:effectLst/>
+                <a:cs typeface="Arial" panose="020B0604020202020204" pitchFamily="34" charset="0"/>
+              </a:rPr>
+              <a:t>sp-gr.</a:t>
+            </a:r>
+            <a:endParaRPr kumimoji="0" lang="ko-KR" altLang="ko-KR" sz="2800" b="0" i="0" u="none" strike="noStrike" cap="none" normalizeH="0" baseline="0">
               <a:ln>
                 <a:noFill/>
               </a:ln>
@@ -15084,7 +14608,7 @@
               <a:tabLst/>
             </a:pPr>
             <a:r>
-              <a:rPr kumimoji="0" lang="ko-KR" altLang="ko-KR" sz="800" b="0" i="1" u="none" strike="noStrike" cap="none" normalizeH="0" baseline="0" dirty="0">
+              <a:rPr kumimoji="0" lang="ko-KR" altLang="ko-KR" sz="800" b="0" i="1" u="none" strike="noStrike" cap="none" normalizeH="0" baseline="0">
                 <a:ln>
                   <a:noFill/>
                 </a:ln>
@@ -15097,7 +14621,7 @@
               <a:t> </a:t>
             </a:r>
             <a:r>
-              <a:rPr kumimoji="0" lang="en-US" altLang="ko-KR" sz="800" b="0" i="1" u="none" strike="noStrike" cap="none" normalizeH="0" baseline="0" dirty="0">
+              <a:rPr kumimoji="0" lang="en-US" altLang="ko-KR" sz="800" b="0" i="1" u="none" strike="noStrike" cap="none" normalizeH="0" baseline="0">
                 <a:ln>
                   <a:noFill/>
                 </a:ln>
@@ -15110,7 +14634,7 @@
               <a:t>S. </a:t>
             </a:r>
             <a:r>
-              <a:rPr kumimoji="0" lang="ko-KR" altLang="ko-KR" sz="800" b="0" i="1" u="none" strike="noStrike" cap="none" normalizeH="0" baseline="0" dirty="0" err="1">
+              <a:rPr kumimoji="0" lang="ko-KR" altLang="ko-KR" sz="800" b="0" i="1" u="none" strike="noStrike" cap="none" normalizeH="0" baseline="0" err="1">
                 <a:ln>
                   <a:noFill/>
                 </a:ln>
@@ -15123,7 +14647,7 @@
               <a:t>antirrhinoides</a:t>
             </a:r>
             <a:r>
-              <a:rPr kumimoji="0" lang="ko-KR" altLang="en-US" sz="800" b="0" i="1" u="none" strike="noStrike" cap="none" normalizeH="0" baseline="0" dirty="0">
+              <a:rPr kumimoji="0" lang="ko-KR" altLang="en-US" sz="800" b="0" i="1" u="none" strike="noStrike" cap="none" normalizeH="0" baseline="0">
                 <a:ln>
                   <a:noFill/>
                 </a:ln>
@@ -15136,7 +14660,7 @@
               <a:t> </a:t>
             </a:r>
             <a:r>
-              <a:rPr kumimoji="0" lang="en-US" altLang="ko-KR" sz="800" b="0" i="0" u="none" strike="noStrike" cap="none" normalizeH="0" baseline="0" dirty="0">
+              <a:rPr kumimoji="0" lang="en-US" altLang="ko-KR" sz="800" b="0" i="0" u="none" strike="noStrike" cap="none" normalizeH="0" baseline="0">
                 <a:ln>
                   <a:noFill/>
                 </a:ln>
@@ -15149,7 +14673,7 @@
               <a:t>-</a:t>
             </a:r>
             <a:r>
-              <a:rPr kumimoji="0" lang="ko-KR" altLang="ko-KR" sz="800" b="0" i="0" u="none" strike="noStrike" cap="none" normalizeH="0" baseline="0" dirty="0">
+              <a:rPr kumimoji="0" lang="ko-KR" altLang="ko-KR" sz="800" b="0" i="0" u="none" strike="noStrike" cap="none" normalizeH="0" baseline="0">
                 <a:ln>
                   <a:noFill/>
                 </a:ln>
@@ -15162,32 +14686,19 @@
               <a:t>ANGUSTIFOLIA </a:t>
             </a:r>
             <a:r>
-              <a:rPr kumimoji="0" lang="en-US" altLang="ko-KR" sz="800" b="0" i="0" u="none" strike="noStrike" cap="none" normalizeH="0" baseline="0" dirty="0" err="1">
-                <a:ln>
-                  <a:noFill/>
-                </a:ln>
-                <a:solidFill>
-                  <a:srgbClr val="000000"/>
-                </a:solidFill>
-                <a:effectLst/>
-                <a:cs typeface="Arial" panose="020B0604020202020204" pitchFamily="34" charset="0"/>
-              </a:rPr>
-              <a:t>sp</a:t>
-            </a:r>
-            <a:r>
-              <a:rPr kumimoji="0" lang="en-US" altLang="ko-KR" sz="800" b="0" i="0" u="none" strike="noStrike" cap="none" normalizeH="0" baseline="0" dirty="0">
-                <a:ln>
-                  <a:noFill/>
-                </a:ln>
-                <a:solidFill>
-                  <a:srgbClr val="000000"/>
-                </a:solidFill>
-                <a:effectLst/>
-                <a:cs typeface="Arial" panose="020B0604020202020204" pitchFamily="34" charset="0"/>
-              </a:rPr>
-              <a:t>-gr.</a:t>
-            </a:r>
-            <a:endParaRPr kumimoji="0" lang="ko-KR" altLang="ko-KR" sz="2800" b="0" i="0" u="none" strike="noStrike" cap="none" normalizeH="0" baseline="0" dirty="0">
+              <a:rPr kumimoji="0" lang="en-US" altLang="ko-KR" sz="800" b="0" i="0" u="none" strike="noStrike" cap="none" normalizeH="0" baseline="0">
+                <a:ln>
+                  <a:noFill/>
+                </a:ln>
+                <a:solidFill>
+                  <a:srgbClr val="000000"/>
+                </a:solidFill>
+                <a:effectLst/>
+                <a:cs typeface="Arial" panose="020B0604020202020204" pitchFamily="34" charset="0"/>
+              </a:rPr>
+              <a:t>sp-gr.</a:t>
+            </a:r>
+            <a:endParaRPr kumimoji="0" lang="ko-KR" altLang="ko-KR" sz="2800" b="0" i="0" u="none" strike="noStrike" cap="none" normalizeH="0" baseline="0">
               <a:ln>
                 <a:noFill/>
               </a:ln>
@@ -15867,7 +15378,7 @@
               <a:tabLst/>
             </a:pPr>
             <a:r>
-              <a:rPr kumimoji="0" lang="ko-KR" altLang="ko-KR" sz="800" b="0" i="0" u="none" strike="noStrike" cap="none" normalizeH="0" baseline="0" dirty="0">
+              <a:rPr kumimoji="0" lang="ko-KR" altLang="ko-KR" sz="800" b="0" i="0" u="none" strike="noStrike" cap="none" normalizeH="0" baseline="0">
                 <a:ln>
                   <a:noFill/>
                 </a:ln>
@@ -15880,7 +15391,7 @@
               <a:t> </a:t>
             </a:r>
             <a:r>
-              <a:rPr kumimoji="0" lang="en-US" altLang="ko-KR" sz="800" b="0" i="1" u="none" strike="noStrike" cap="none" normalizeH="0" baseline="0" dirty="0">
+              <a:rPr kumimoji="0" lang="en-US" altLang="ko-KR" sz="800" b="0" i="1" u="none" strike="noStrike" cap="none" normalizeH="0" baseline="0">
                 <a:ln>
                   <a:noFill/>
                 </a:ln>
@@ -15893,7 +15404,7 @@
               <a:t>S. </a:t>
             </a:r>
             <a:r>
-              <a:rPr kumimoji="0" lang="ko-KR" altLang="ko-KR" sz="800" b="0" i="1" u="none" strike="noStrike" cap="none" normalizeH="0" baseline="0" dirty="0" err="1">
+              <a:rPr kumimoji="0" lang="ko-KR" altLang="ko-KR" sz="800" b="0" i="1" u="none" strike="noStrike" cap="none" normalizeH="0" baseline="0" err="1">
                 <a:ln>
                   <a:noFill/>
                 </a:ln>
@@ -15906,7 +15417,7 @@
               <a:t>racemosa</a:t>
             </a:r>
             <a:r>
-              <a:rPr kumimoji="0" lang="ko-KR" altLang="en-US" sz="800" b="0" i="1" u="none" strike="noStrike" cap="none" normalizeH="0" baseline="0" dirty="0">
+              <a:rPr kumimoji="0" lang="ko-KR" altLang="en-US" sz="800" b="0" i="1" u="none" strike="noStrike" cap="none" normalizeH="0" baseline="0">
                 <a:ln>
                   <a:noFill/>
                 </a:ln>
@@ -15919,7 +15430,7 @@
               <a:t> </a:t>
             </a:r>
             <a:r>
-              <a:rPr kumimoji="0" lang="en-US" altLang="ko-KR" sz="800" b="0" i="0" u="none" strike="noStrike" cap="none" normalizeH="0" baseline="0" dirty="0">
+              <a:rPr kumimoji="0" lang="en-US" altLang="ko-KR" sz="800" b="0" i="0" u="none" strike="noStrike" cap="none" normalizeH="0" baseline="0">
                 <a:ln>
                   <a:noFill/>
                 </a:ln>
@@ -15932,7 +15443,7 @@
               <a:t>-</a:t>
             </a:r>
             <a:r>
-              <a:rPr kumimoji="0" lang="ko-KR" altLang="ko-KR" sz="800" b="0" i="0" u="none" strike="noStrike" cap="none" normalizeH="0" baseline="0" dirty="0">
+              <a:rPr kumimoji="0" lang="ko-KR" altLang="ko-KR" sz="800" b="0" i="0" u="none" strike="noStrike" cap="none" normalizeH="0" baseline="0">
                 <a:ln>
                   <a:noFill/>
                 </a:ln>
@@ -15945,32 +15456,19 @@
               <a:t>RACEMOSA </a:t>
             </a:r>
             <a:r>
-              <a:rPr kumimoji="0" lang="en-US" altLang="ko-KR" sz="800" b="0" i="0" u="none" strike="noStrike" cap="none" normalizeH="0" baseline="0" dirty="0" err="1">
-                <a:ln>
-                  <a:noFill/>
-                </a:ln>
-                <a:solidFill>
-                  <a:srgbClr val="000000"/>
-                </a:solidFill>
-                <a:effectLst/>
-                <a:cs typeface="Arial" panose="020B0604020202020204" pitchFamily="34" charset="0"/>
-              </a:rPr>
-              <a:t>sp</a:t>
-            </a:r>
-            <a:r>
-              <a:rPr kumimoji="0" lang="en-US" altLang="ko-KR" sz="800" b="0" i="0" u="none" strike="noStrike" cap="none" normalizeH="0" baseline="0" dirty="0">
-                <a:ln>
-                  <a:noFill/>
-                </a:ln>
-                <a:solidFill>
-                  <a:srgbClr val="000000"/>
-                </a:solidFill>
-                <a:effectLst/>
-                <a:cs typeface="Arial" panose="020B0604020202020204" pitchFamily="34" charset="0"/>
-              </a:rPr>
-              <a:t>-gr.</a:t>
-            </a:r>
-            <a:endParaRPr kumimoji="0" lang="ko-KR" altLang="ko-KR" sz="2800" b="0" i="0" u="none" strike="noStrike" cap="none" normalizeH="0" baseline="0" dirty="0">
+              <a:rPr kumimoji="0" lang="en-US" altLang="ko-KR" sz="800" b="0" i="0" u="none" strike="noStrike" cap="none" normalizeH="0" baseline="0">
+                <a:ln>
+                  <a:noFill/>
+                </a:ln>
+                <a:solidFill>
+                  <a:srgbClr val="000000"/>
+                </a:solidFill>
+                <a:effectLst/>
+                <a:cs typeface="Arial" panose="020B0604020202020204" pitchFamily="34" charset="0"/>
+              </a:rPr>
+              <a:t>sp-gr.</a:t>
+            </a:r>
+            <a:endParaRPr kumimoji="0" lang="ko-KR" altLang="ko-KR" sz="2800" b="0" i="0" u="none" strike="noStrike" cap="none" normalizeH="0" baseline="0">
               <a:ln>
                 <a:noFill/>
               </a:ln>
@@ -16431,7 +15929,7 @@
               <a:tabLst/>
             </a:pPr>
             <a:r>
-              <a:rPr kumimoji="0" lang="ko-KR" altLang="ko-KR" sz="800" b="0" i="0" u="none" strike="noStrike" cap="none" normalizeH="0" baseline="0" dirty="0">
+              <a:rPr kumimoji="0" lang="ko-KR" altLang="ko-KR" sz="800" b="0" i="0" u="none" strike="noStrike" cap="none" normalizeH="0" baseline="0">
                 <a:ln>
                   <a:noFill/>
                 </a:ln>
@@ -16444,7 +15942,7 @@
               <a:t> </a:t>
             </a:r>
             <a:r>
-              <a:rPr kumimoji="0" lang="en-US" altLang="ko-KR" sz="800" b="0" i="1" u="none" strike="noStrike" cap="none" normalizeH="0" baseline="0" dirty="0">
+              <a:rPr kumimoji="0" lang="en-US" altLang="ko-KR" sz="800" b="0" i="1" u="none" strike="noStrike" cap="none" normalizeH="0" baseline="0">
                 <a:ln>
                   <a:noFill/>
                 </a:ln>
@@ -16457,7 +15955,7 @@
               <a:t>S. </a:t>
             </a:r>
             <a:r>
-              <a:rPr kumimoji="0" lang="ko-KR" altLang="ko-KR" sz="800" b="0" i="1" u="none" strike="noStrike" cap="none" normalizeH="0" baseline="0" dirty="0" err="1">
+              <a:rPr kumimoji="0" lang="ko-KR" altLang="ko-KR" sz="800" b="0" i="1" u="none" strike="noStrike" cap="none" normalizeH="0" baseline="0" err="1">
                 <a:ln>
                   <a:noFill/>
                 </a:ln>
@@ -16470,7 +15968,7 @@
               <a:t>incana</a:t>
             </a:r>
             <a:r>
-              <a:rPr kumimoji="0" lang="ko-KR" altLang="en-US" sz="800" b="0" i="1" u="none" strike="noStrike" cap="none" normalizeH="0" baseline="0" dirty="0">
+              <a:rPr kumimoji="0" lang="ko-KR" altLang="en-US" sz="800" b="0" i="1" u="none" strike="noStrike" cap="none" normalizeH="0" baseline="0">
                 <a:ln>
                   <a:noFill/>
                 </a:ln>
@@ -16483,7 +15981,7 @@
               <a:t> </a:t>
             </a:r>
             <a:r>
-              <a:rPr kumimoji="0" lang="en-US" altLang="ko-KR" sz="800" b="0" i="0" u="none" strike="noStrike" cap="none" normalizeH="0" baseline="0" dirty="0">
+              <a:rPr kumimoji="0" lang="en-US" altLang="ko-KR" sz="800" b="0" i="0" u="none" strike="noStrike" cap="none" normalizeH="0" baseline="0">
                 <a:ln>
                   <a:noFill/>
                 </a:ln>
@@ -16496,7 +15994,7 @@
               <a:t>-</a:t>
             </a:r>
             <a:r>
-              <a:rPr kumimoji="0" lang="ko-KR" altLang="ko-KR" sz="800" b="0" i="0" u="none" strike="noStrike" cap="none" normalizeH="0" baseline="0" dirty="0">
+              <a:rPr kumimoji="0" lang="ko-KR" altLang="ko-KR" sz="800" b="0" i="0" u="none" strike="noStrike" cap="none" normalizeH="0" baseline="0">
                 <a:ln>
                   <a:noFill/>
                 </a:ln>
@@ -16509,32 +16007,19 @@
               <a:t>INCANA </a:t>
             </a:r>
             <a:r>
-              <a:rPr kumimoji="0" lang="en-US" altLang="ko-KR" sz="800" b="0" i="0" u="none" strike="noStrike" cap="none" normalizeH="0" baseline="0" dirty="0" err="1">
-                <a:ln>
-                  <a:noFill/>
-                </a:ln>
-                <a:solidFill>
-                  <a:srgbClr val="000000"/>
-                </a:solidFill>
-                <a:effectLst/>
-                <a:cs typeface="Arial" panose="020B0604020202020204" pitchFamily="34" charset="0"/>
-              </a:rPr>
-              <a:t>sp</a:t>
-            </a:r>
-            <a:r>
-              <a:rPr kumimoji="0" lang="en-US" altLang="ko-KR" sz="800" b="0" i="0" u="none" strike="noStrike" cap="none" normalizeH="0" baseline="0" dirty="0">
-                <a:ln>
-                  <a:noFill/>
-                </a:ln>
-                <a:solidFill>
-                  <a:srgbClr val="000000"/>
-                </a:solidFill>
-                <a:effectLst/>
-                <a:cs typeface="Arial" panose="020B0604020202020204" pitchFamily="34" charset="0"/>
-              </a:rPr>
-              <a:t>-gr.</a:t>
-            </a:r>
-            <a:endParaRPr kumimoji="0" lang="ko-KR" altLang="ko-KR" sz="2800" b="0" i="0" u="none" strike="noStrike" cap="none" normalizeH="0" baseline="0" dirty="0">
+              <a:rPr kumimoji="0" lang="en-US" altLang="ko-KR" sz="800" b="0" i="0" u="none" strike="noStrike" cap="none" normalizeH="0" baseline="0">
+                <a:ln>
+                  <a:noFill/>
+                </a:ln>
+                <a:solidFill>
+                  <a:srgbClr val="000000"/>
+                </a:solidFill>
+                <a:effectLst/>
+                <a:cs typeface="Arial" panose="020B0604020202020204" pitchFamily="34" charset="0"/>
+              </a:rPr>
+              <a:t>sp-gr.</a:t>
+            </a:r>
+            <a:endParaRPr kumimoji="0" lang="ko-KR" altLang="ko-KR" sz="2800" b="0" i="0" u="none" strike="noStrike" cap="none" normalizeH="0" baseline="0">
               <a:ln>
                 <a:noFill/>
               </a:ln>
@@ -16825,7 +16310,7 @@
               <a:tabLst/>
             </a:pPr>
             <a:r>
-              <a:rPr kumimoji="0" lang="ko-KR" altLang="ko-KR" sz="800" b="0" i="1" u="none" strike="noStrike" cap="none" normalizeH="0" baseline="0" dirty="0">
+              <a:rPr kumimoji="0" lang="ko-KR" altLang="ko-KR" sz="800" b="0" i="1" u="none" strike="noStrike" cap="none" normalizeH="0" baseline="0">
                 <a:ln>
                   <a:noFill/>
                 </a:ln>
@@ -16838,7 +16323,7 @@
               <a:t> </a:t>
             </a:r>
             <a:r>
-              <a:rPr kumimoji="0" lang="en-US" altLang="ko-KR" sz="800" b="0" i="1" u="none" strike="noStrike" cap="none" normalizeH="0" baseline="0" dirty="0">
+              <a:rPr kumimoji="0" lang="en-US" altLang="ko-KR" sz="800" b="0" i="1" u="none" strike="noStrike" cap="none" normalizeH="0" baseline="0">
                 <a:ln>
                   <a:noFill/>
                 </a:ln>
@@ -16851,7 +16336,7 @@
               <a:t>S. </a:t>
             </a:r>
             <a:r>
-              <a:rPr kumimoji="0" lang="ko-KR" altLang="ko-KR" sz="800" b="0" i="1" u="none" strike="noStrike" cap="none" normalizeH="0" baseline="0" dirty="0" err="1">
+              <a:rPr kumimoji="0" lang="ko-KR" altLang="ko-KR" sz="800" b="0" i="1" u="none" strike="noStrike" cap="none" normalizeH="0" baseline="0" err="1">
                 <a:ln>
                   <a:noFill/>
                 </a:ln>
@@ -16864,7 +16349,7 @@
               <a:t>arenicola</a:t>
             </a:r>
             <a:r>
-              <a:rPr kumimoji="0" lang="ko-KR" altLang="en-US" sz="800" b="0" i="1" u="none" strike="noStrike" cap="none" normalizeH="0" baseline="0" dirty="0">
+              <a:rPr kumimoji="0" lang="ko-KR" altLang="en-US" sz="800" b="0" i="1" u="none" strike="noStrike" cap="none" normalizeH="0" baseline="0">
                 <a:ln>
                   <a:noFill/>
                 </a:ln>
@@ -16877,7 +16362,7 @@
               <a:t> </a:t>
             </a:r>
             <a:r>
-              <a:rPr kumimoji="0" lang="en-US" altLang="ko-KR" sz="800" b="0" i="0" u="none" strike="noStrike" cap="none" normalizeH="0" baseline="0" dirty="0">
+              <a:rPr kumimoji="0" lang="en-US" altLang="ko-KR" sz="800" b="0" i="0" u="none" strike="noStrike" cap="none" normalizeH="0" baseline="0">
                 <a:ln>
                   <a:noFill/>
                 </a:ln>
@@ -16890,7 +16375,7 @@
               <a:t>-</a:t>
             </a:r>
             <a:r>
-              <a:rPr kumimoji="0" lang="ko-KR" altLang="ko-KR" sz="800" b="0" i="0" u="none" strike="noStrike" cap="none" normalizeH="0" baseline="0" dirty="0" err="1">
+              <a:rPr kumimoji="0" lang="ko-KR" altLang="ko-KR" sz="800" b="0" i="0" u="none" strike="noStrike" cap="none" normalizeH="0" baseline="0" err="1">
                 <a:ln>
                   <a:noFill/>
                 </a:ln>
@@ -16902,7 +16387,7 @@
               </a:rPr>
               <a:t>Q</a:t>
             </a:r>
-            <a:endParaRPr kumimoji="0" lang="ko-KR" altLang="ko-KR" sz="2800" b="0" i="0" u="none" strike="noStrike" cap="none" normalizeH="0" baseline="0" dirty="0">
+            <a:endParaRPr kumimoji="0" lang="ko-KR" altLang="ko-KR" sz="2800" b="0" i="0" u="none" strike="noStrike" cap="none" normalizeH="0" baseline="0">
               <a:ln>
                 <a:noFill/>
               </a:ln>
@@ -17190,7 +16675,7 @@
               <a:tabLst/>
             </a:pPr>
             <a:r>
-              <a:rPr kumimoji="0" lang="ko-KR" altLang="ko-KR" sz="800" b="0" i="1" u="none" strike="noStrike" cap="none" normalizeH="0" baseline="0" dirty="0">
+              <a:rPr kumimoji="0" lang="ko-KR" altLang="ko-KR" sz="800" b="0" i="1" u="none" strike="noStrike" cap="none" normalizeH="0" baseline="0">
                 <a:ln>
                   <a:noFill/>
                 </a:ln>
@@ -17203,7 +16688,7 @@
               <a:t> </a:t>
             </a:r>
             <a:r>
-              <a:rPr kumimoji="0" lang="en-US" altLang="ko-KR" sz="800" b="0" i="1" u="none" strike="noStrike" cap="none" normalizeH="0" baseline="0" dirty="0">
+              <a:rPr kumimoji="0" lang="en-US" altLang="ko-KR" sz="800" b="0" i="1" u="none" strike="noStrike" cap="none" normalizeH="0" baseline="0">
                 <a:ln>
                   <a:noFill/>
                 </a:ln>
@@ -17216,7 +16701,7 @@
               <a:t>S. </a:t>
             </a:r>
             <a:r>
-              <a:rPr kumimoji="0" lang="ko-KR" altLang="ko-KR" sz="800" b="0" i="1" u="none" strike="noStrike" cap="none" normalizeH="0" baseline="0" dirty="0" err="1">
+              <a:rPr kumimoji="0" lang="ko-KR" altLang="ko-KR" sz="800" b="0" i="1" u="none" strike="noStrike" cap="none" normalizeH="0" baseline="0" err="1">
                 <a:ln>
                   <a:noFill/>
                 </a:ln>
@@ -17229,7 +16714,7 @@
               <a:t>multiglandulosa</a:t>
             </a:r>
             <a:r>
-              <a:rPr kumimoji="0" lang="ko-KR" altLang="en-US" sz="800" b="0" i="1" u="none" strike="noStrike" cap="none" normalizeH="0" baseline="0" dirty="0">
+              <a:rPr kumimoji="0" lang="ko-KR" altLang="en-US" sz="800" b="0" i="1" u="none" strike="noStrike" cap="none" normalizeH="0" baseline="0">
                 <a:ln>
                   <a:noFill/>
                 </a:ln>
@@ -17242,7 +16727,7 @@
               <a:t> </a:t>
             </a:r>
             <a:r>
-              <a:rPr kumimoji="0" lang="en-US" altLang="ko-KR" sz="800" b="0" i="0" u="none" strike="noStrike" cap="none" normalizeH="0" baseline="0" dirty="0">
+              <a:rPr kumimoji="0" lang="en-US" altLang="ko-KR" sz="800" b="0" i="0" u="none" strike="noStrike" cap="none" normalizeH="0" baseline="0">
                 <a:ln>
                   <a:noFill/>
                 </a:ln>
@@ -17255,7 +16740,7 @@
               <a:t>-</a:t>
             </a:r>
             <a:r>
-              <a:rPr kumimoji="0" lang="ko-KR" altLang="ko-KR" sz="800" b="0" i="0" u="none" strike="noStrike" cap="none" normalizeH="0" baseline="0" dirty="0" err="1">
+              <a:rPr kumimoji="0" lang="ko-KR" altLang="ko-KR" sz="800" b="0" i="0" u="none" strike="noStrike" cap="none" normalizeH="0" baseline="0" err="1">
                 <a:ln>
                   <a:noFill/>
                 </a:ln>
@@ -17267,7 +16752,7 @@
               </a:rPr>
               <a:t>Q</a:t>
             </a:r>
-            <a:endParaRPr kumimoji="0" lang="ko-KR" altLang="ko-KR" sz="2800" b="0" i="0" u="none" strike="noStrike" cap="none" normalizeH="0" baseline="0" dirty="0">
+            <a:endParaRPr kumimoji="0" lang="ko-KR" altLang="ko-KR" sz="2800" b="0" i="0" u="none" strike="noStrike" cap="none" normalizeH="0" baseline="0">
               <a:ln>
                 <a:noFill/>
               </a:ln>
@@ -17558,7 +17043,7 @@
               <a:tabLst/>
             </a:pPr>
             <a:r>
-              <a:rPr kumimoji="0" lang="ko-KR" altLang="ko-KR" sz="800" b="0" i="1" u="none" strike="noStrike" cap="none" normalizeH="0" baseline="0" dirty="0">
+              <a:rPr kumimoji="0" lang="ko-KR" altLang="ko-KR" sz="800" b="0" i="1" u="none" strike="noStrike" cap="none" normalizeH="0" baseline="0">
                 <a:ln>
                   <a:noFill/>
                 </a:ln>
@@ -17571,7 +17056,7 @@
               <a:t> </a:t>
             </a:r>
             <a:r>
-              <a:rPr kumimoji="0" lang="en-US" altLang="ko-KR" sz="800" b="0" i="1" u="none" strike="noStrike" cap="none" normalizeH="0" baseline="0" dirty="0">
+              <a:rPr kumimoji="0" lang="en-US" altLang="ko-KR" sz="800" b="0" i="1" u="none" strike="noStrike" cap="none" normalizeH="0" baseline="0">
                 <a:ln>
                   <a:noFill/>
                 </a:ln>
@@ -17584,7 +17069,7 @@
               <a:t>S. </a:t>
             </a:r>
             <a:r>
-              <a:rPr kumimoji="0" lang="ko-KR" altLang="ko-KR" sz="800" b="0" i="1" u="none" strike="noStrike" cap="none" normalizeH="0" baseline="0" dirty="0" err="1">
+              <a:rPr kumimoji="0" lang="ko-KR" altLang="ko-KR" sz="800" b="0" i="1" u="none" strike="noStrike" cap="none" normalizeH="0" baseline="0" err="1">
                 <a:ln>
                   <a:noFill/>
                 </a:ln>
@@ -17597,7 +17082,7 @@
               <a:t>serrata</a:t>
             </a:r>
             <a:r>
-              <a:rPr kumimoji="0" lang="ko-KR" altLang="en-US" sz="800" b="0" i="1" u="none" strike="noStrike" cap="none" normalizeH="0" baseline="0" dirty="0">
+              <a:rPr kumimoji="0" lang="ko-KR" altLang="en-US" sz="800" b="0" i="1" u="none" strike="noStrike" cap="none" normalizeH="0" baseline="0">
                 <a:ln>
                   <a:noFill/>
                 </a:ln>
@@ -17610,7 +17095,7 @@
               <a:t> </a:t>
             </a:r>
             <a:r>
-              <a:rPr kumimoji="0" lang="en-US" altLang="ko-KR" sz="800" b="0" i="0" u="none" strike="noStrike" cap="none" normalizeH="0" baseline="0" dirty="0">
+              <a:rPr kumimoji="0" lang="en-US" altLang="ko-KR" sz="800" b="0" i="0" u="none" strike="noStrike" cap="none" normalizeH="0" baseline="0">
                 <a:ln>
                   <a:noFill/>
                 </a:ln>
@@ -17623,7 +17108,7 @@
               <a:t>-</a:t>
             </a:r>
             <a:r>
-              <a:rPr kumimoji="0" lang="ko-KR" altLang="ko-KR" sz="800" b="0" i="0" u="none" strike="noStrike" cap="none" normalizeH="0" baseline="0" dirty="0" err="1">
+              <a:rPr kumimoji="0" lang="ko-KR" altLang="ko-KR" sz="800" b="0" i="0" u="none" strike="noStrike" cap="none" normalizeH="0" baseline="0" err="1">
                 <a:ln>
                   <a:noFill/>
                 </a:ln>
@@ -17635,7 +17120,7 @@
               </a:rPr>
               <a:t>Q</a:t>
             </a:r>
-            <a:endParaRPr kumimoji="0" lang="ko-KR" altLang="ko-KR" sz="2800" b="0" i="0" u="none" strike="noStrike" cap="none" normalizeH="0" baseline="0" dirty="0">
+            <a:endParaRPr kumimoji="0" lang="ko-KR" altLang="ko-KR" sz="2800" b="0" i="0" u="none" strike="noStrike" cap="none" normalizeH="0" baseline="0">
               <a:ln>
                 <a:noFill/>
               </a:ln>
@@ -17926,7 +17411,7 @@
               <a:tabLst/>
             </a:pPr>
             <a:r>
-              <a:rPr kumimoji="0" lang="ko-KR" altLang="ko-KR" sz="800" b="0" i="1" u="none" strike="noStrike" cap="none" normalizeH="0" baseline="0" dirty="0">
+              <a:rPr kumimoji="0" lang="ko-KR" altLang="ko-KR" sz="800" b="0" i="1" u="none" strike="noStrike" cap="none" normalizeH="0" baseline="0">
                 <a:ln>
                   <a:noFill/>
                 </a:ln>
@@ -17939,7 +17424,7 @@
               <a:t> </a:t>
             </a:r>
             <a:r>
-              <a:rPr kumimoji="0" lang="en-US" altLang="ko-KR" sz="800" b="0" i="1" u="none" strike="noStrike" cap="none" normalizeH="0" baseline="0" dirty="0">
+              <a:rPr kumimoji="0" lang="en-US" altLang="ko-KR" sz="800" b="0" i="1" u="none" strike="noStrike" cap="none" normalizeH="0" baseline="0">
                 <a:ln>
                   <a:noFill/>
                 </a:ln>
@@ -17952,7 +17437,7 @@
               <a:t>S. </a:t>
             </a:r>
             <a:r>
-              <a:rPr kumimoji="0" lang="ko-KR" altLang="ko-KR" sz="800" b="0" i="1" u="none" strike="noStrike" cap="none" normalizeH="0" baseline="0" dirty="0" err="1">
+              <a:rPr kumimoji="0" lang="ko-KR" altLang="ko-KR" sz="800" b="0" i="1" u="none" strike="noStrike" cap="none" normalizeH="0" baseline="0" err="1">
                 <a:ln>
                   <a:noFill/>
                 </a:ln>
@@ -17965,7 +17450,7 @@
               <a:t>integrifolia</a:t>
             </a:r>
             <a:r>
-              <a:rPr kumimoji="0" lang="ko-KR" altLang="en-US" sz="800" b="0" i="1" u="none" strike="noStrike" cap="none" normalizeH="0" baseline="0" dirty="0">
+              <a:rPr kumimoji="0" lang="ko-KR" altLang="en-US" sz="800" b="0" i="1" u="none" strike="noStrike" cap="none" normalizeH="0" baseline="0">
                 <a:ln>
                   <a:noFill/>
                 </a:ln>
@@ -17978,7 +17463,7 @@
               <a:t> </a:t>
             </a:r>
             <a:r>
-              <a:rPr kumimoji="0" lang="en-US" altLang="ko-KR" sz="800" b="0" i="0" u="none" strike="noStrike" cap="none" normalizeH="0" baseline="0" dirty="0">
+              <a:rPr kumimoji="0" lang="en-US" altLang="ko-KR" sz="800" b="0" i="0" u="none" strike="noStrike" cap="none" normalizeH="0" baseline="0">
                 <a:ln>
                   <a:noFill/>
                 </a:ln>
@@ -17991,7 +17476,7 @@
               <a:t>-</a:t>
             </a:r>
             <a:r>
-              <a:rPr kumimoji="0" lang="ko-KR" altLang="ko-KR" sz="800" b="0" i="0" u="none" strike="noStrike" cap="none" normalizeH="0" baseline="0" dirty="0">
+              <a:rPr kumimoji="0" lang="ko-KR" altLang="ko-KR" sz="800" b="0" i="0" u="none" strike="noStrike" cap="none" normalizeH="0" baseline="0">
                 <a:ln>
                   <a:noFill/>
                 </a:ln>
@@ -18004,32 +17489,19 @@
               <a:t>INCANA </a:t>
             </a:r>
             <a:r>
-              <a:rPr kumimoji="0" lang="en-US" altLang="ko-KR" sz="800" b="0" i="0" u="none" strike="noStrike" cap="none" normalizeH="0" baseline="0" dirty="0" err="1">
-                <a:ln>
-                  <a:noFill/>
-                </a:ln>
-                <a:solidFill>
-                  <a:srgbClr val="000000"/>
-                </a:solidFill>
-                <a:effectLst/>
-                <a:cs typeface="Arial" panose="020B0604020202020204" pitchFamily="34" charset="0"/>
-              </a:rPr>
-              <a:t>sp</a:t>
-            </a:r>
-            <a:r>
-              <a:rPr kumimoji="0" lang="en-US" altLang="ko-KR" sz="800" b="0" i="0" u="none" strike="noStrike" cap="none" normalizeH="0" baseline="0" dirty="0">
-                <a:ln>
-                  <a:noFill/>
-                </a:ln>
-                <a:solidFill>
-                  <a:srgbClr val="000000"/>
-                </a:solidFill>
-                <a:effectLst/>
-                <a:cs typeface="Arial" panose="020B0604020202020204" pitchFamily="34" charset="0"/>
-              </a:rPr>
-              <a:t>-gr.</a:t>
-            </a:r>
-            <a:endParaRPr kumimoji="0" lang="ko-KR" altLang="ko-KR" sz="2800" b="0" i="0" u="none" strike="noStrike" cap="none" normalizeH="0" baseline="0" dirty="0">
+              <a:rPr kumimoji="0" lang="en-US" altLang="ko-KR" sz="800" b="0" i="0" u="none" strike="noStrike" cap="none" normalizeH="0" baseline="0">
+                <a:ln>
+                  <a:noFill/>
+                </a:ln>
+                <a:solidFill>
+                  <a:srgbClr val="000000"/>
+                </a:solidFill>
+                <a:effectLst/>
+                <a:cs typeface="Arial" panose="020B0604020202020204" pitchFamily="34" charset="0"/>
+              </a:rPr>
+              <a:t>sp-gr.</a:t>
+            </a:r>
+            <a:endParaRPr kumimoji="0" lang="ko-KR" altLang="ko-KR" sz="2800" b="0" i="0" u="none" strike="noStrike" cap="none" normalizeH="0" baseline="0">
               <a:ln>
                 <a:noFill/>
               </a:ln>
@@ -18320,7 +17792,7 @@
               <a:tabLst/>
             </a:pPr>
             <a:r>
-              <a:rPr kumimoji="0" lang="ko-KR" altLang="ko-KR" sz="800" b="0" i="1" u="none" strike="noStrike" cap="none" normalizeH="0" baseline="0" dirty="0">
+              <a:rPr kumimoji="0" lang="ko-KR" altLang="ko-KR" sz="800" b="0" i="1" u="none" strike="noStrike" cap="none" normalizeH="0" baseline="0">
                 <a:ln>
                   <a:noFill/>
                 </a:ln>
@@ -18333,7 +17805,7 @@
               <a:t> </a:t>
             </a:r>
             <a:r>
-              <a:rPr kumimoji="0" lang="en-US" altLang="ko-KR" sz="800" b="0" i="1" u="none" strike="noStrike" cap="none" normalizeH="0" baseline="0" dirty="0">
+              <a:rPr kumimoji="0" lang="en-US" altLang="ko-KR" sz="800" b="0" i="1" u="none" strike="noStrike" cap="none" normalizeH="0" baseline="0">
                 <a:ln>
                   <a:noFill/>
                 </a:ln>
@@ -18346,7 +17818,7 @@
               <a:t>S. </a:t>
             </a:r>
             <a:r>
-              <a:rPr kumimoji="0" lang="ko-KR" altLang="ko-KR" sz="800" b="0" i="1" u="none" strike="noStrike" cap="none" normalizeH="0" baseline="0" dirty="0" err="1">
+              <a:rPr kumimoji="0" lang="ko-KR" altLang="ko-KR" sz="800" b="0" i="1" u="none" strike="noStrike" cap="none" normalizeH="0" baseline="0" err="1">
                 <a:ln>
                   <a:noFill/>
                 </a:ln>
@@ -18359,7 +17831,7 @@
               <a:t>elliptica</a:t>
             </a:r>
             <a:r>
-              <a:rPr kumimoji="0" lang="ko-KR" altLang="en-US" sz="800" b="0" i="1" u="none" strike="noStrike" cap="none" normalizeH="0" baseline="0" dirty="0">
+              <a:rPr kumimoji="0" lang="ko-KR" altLang="en-US" sz="800" b="0" i="1" u="none" strike="noStrike" cap="none" normalizeH="0" baseline="0">
                 <a:ln>
                   <a:noFill/>
                 </a:ln>
@@ -18372,7 +17844,7 @@
               <a:t> </a:t>
             </a:r>
             <a:r>
-              <a:rPr kumimoji="0" lang="en-US" altLang="ko-KR" sz="800" b="0" i="0" u="none" strike="noStrike" cap="none" normalizeH="0" baseline="0" dirty="0">
+              <a:rPr kumimoji="0" lang="en-US" altLang="ko-KR" sz="800" b="0" i="0" u="none" strike="noStrike" cap="none" normalizeH="0" baseline="0">
                 <a:ln>
                   <a:noFill/>
                 </a:ln>
@@ -18385,7 +17857,7 @@
               <a:t>-</a:t>
             </a:r>
             <a:r>
-              <a:rPr kumimoji="0" lang="ko-KR" altLang="ko-KR" sz="800" b="0" i="0" u="none" strike="noStrike" cap="none" normalizeH="0" baseline="0" dirty="0" err="1">
+              <a:rPr kumimoji="0" lang="ko-KR" altLang="ko-KR" sz="800" b="0" i="0" u="none" strike="noStrike" cap="none" normalizeH="0" baseline="0" err="1">
                 <a:ln>
                   <a:noFill/>
                 </a:ln>
@@ -18397,7 +17869,7 @@
               </a:rPr>
               <a:t>Q</a:t>
             </a:r>
-            <a:endParaRPr kumimoji="0" lang="ko-KR" altLang="ko-KR" sz="2800" b="0" i="0" u="none" strike="noStrike" cap="none" normalizeH="0" baseline="0" dirty="0">
+            <a:endParaRPr kumimoji="0" lang="ko-KR" altLang="ko-KR" sz="2800" b="0" i="0" u="none" strike="noStrike" cap="none" normalizeH="0" baseline="0">
               <a:ln>
                 <a:noFill/>
               </a:ln>
@@ -18773,7 +18245,7 @@
               <a:tabLst/>
             </a:pPr>
             <a:r>
-              <a:rPr kumimoji="0" lang="ko-KR" altLang="ko-KR" sz="800" b="0" i="1" u="none" strike="noStrike" cap="none" normalizeH="0" baseline="0" dirty="0">
+              <a:rPr kumimoji="0" lang="ko-KR" altLang="ko-KR" sz="800" b="0" i="1" u="none" strike="noStrike" cap="none" normalizeH="0" baseline="0">
                 <a:ln>
                   <a:noFill/>
                 </a:ln>
@@ -18786,7 +18258,7 @@
               <a:t> </a:t>
             </a:r>
             <a:r>
-              <a:rPr kumimoji="0" lang="en-US" altLang="ko-KR" sz="800" b="0" i="1" u="none" strike="noStrike" cap="none" normalizeH="0" baseline="0" dirty="0">
+              <a:rPr kumimoji="0" lang="en-US" altLang="ko-KR" sz="800" b="0" i="1" u="none" strike="noStrike" cap="none" normalizeH="0" baseline="0">
                 <a:ln>
                   <a:noFill/>
                 </a:ln>
@@ -18799,7 +18271,7 @@
               <a:t>S. </a:t>
             </a:r>
             <a:r>
-              <a:rPr kumimoji="0" lang="ko-KR" altLang="ko-KR" sz="800" b="0" i="1" u="none" strike="noStrike" cap="none" normalizeH="0" baseline="0" dirty="0" err="1">
+              <a:rPr kumimoji="0" lang="ko-KR" altLang="ko-KR" sz="800" b="0" i="1" u="none" strike="noStrike" cap="none" normalizeH="0" baseline="0" err="1">
                 <a:ln>
                   <a:noFill/>
                 </a:ln>
@@ -18812,7 +18284,7 @@
               <a:t>glabriuscula</a:t>
             </a:r>
             <a:r>
-              <a:rPr kumimoji="0" lang="ko-KR" altLang="en-US" sz="800" b="0" i="1" u="none" strike="noStrike" cap="none" normalizeH="0" baseline="0" dirty="0">
+              <a:rPr kumimoji="0" lang="ko-KR" altLang="en-US" sz="800" b="0" i="1" u="none" strike="noStrike" cap="none" normalizeH="0" baseline="0">
                 <a:ln>
                   <a:noFill/>
                 </a:ln>
@@ -18825,7 +18297,7 @@
               <a:t> </a:t>
             </a:r>
             <a:r>
-              <a:rPr kumimoji="0" lang="en-US" altLang="ko-KR" sz="800" b="0" i="0" u="none" strike="noStrike" cap="none" normalizeH="0" baseline="0" dirty="0">
+              <a:rPr kumimoji="0" lang="en-US" altLang="ko-KR" sz="800" b="0" i="0" u="none" strike="noStrike" cap="none" normalizeH="0" baseline="0">
                 <a:ln>
                   <a:noFill/>
                 </a:ln>
@@ -18838,7 +18310,7 @@
               <a:t>-</a:t>
             </a:r>
             <a:r>
-              <a:rPr kumimoji="0" lang="ko-KR" altLang="ko-KR" sz="800" b="0" i="0" u="none" strike="noStrike" cap="none" normalizeH="0" baseline="0" dirty="0" err="1">
+              <a:rPr kumimoji="0" lang="ko-KR" altLang="ko-KR" sz="800" b="0" i="0" u="none" strike="noStrike" cap="none" normalizeH="0" baseline="0" err="1">
                 <a:ln>
                   <a:noFill/>
                 </a:ln>
@@ -18850,7 +18322,7 @@
               </a:rPr>
               <a:t>Q</a:t>
             </a:r>
-            <a:endParaRPr kumimoji="0" lang="ko-KR" altLang="ko-KR" sz="2800" b="0" i="0" u="none" strike="noStrike" cap="none" normalizeH="0" baseline="0" dirty="0">
+            <a:endParaRPr kumimoji="0" lang="ko-KR" altLang="ko-KR" sz="2800" b="0" i="0" u="none" strike="noStrike" cap="none" normalizeH="0" baseline="0">
               <a:ln>
                 <a:noFill/>
               </a:ln>
@@ -19275,7 +18747,7 @@
               <a:tabLst/>
             </a:pPr>
             <a:r>
-              <a:rPr kumimoji="0" lang="ko-KR" altLang="ko-KR" sz="800" b="0" i="1" u="none" strike="noStrike" cap="none" normalizeH="0" baseline="0" dirty="0">
+              <a:rPr kumimoji="0" lang="ko-KR" altLang="ko-KR" sz="800" b="0" i="1" u="none" strike="noStrike" cap="none" normalizeH="0" baseline="0">
                 <a:ln>
                   <a:noFill/>
                 </a:ln>
@@ -19288,7 +18760,7 @@
               <a:t> </a:t>
             </a:r>
             <a:r>
-              <a:rPr kumimoji="0" lang="en-US" altLang="ko-KR" sz="800" b="0" i="1" u="none" strike="noStrike" cap="none" normalizeH="0" baseline="0" dirty="0">
+              <a:rPr kumimoji="0" lang="en-US" altLang="ko-KR" sz="800" b="0" i="1" u="none" strike="noStrike" cap="none" normalizeH="0" baseline="0">
                 <a:ln>
                   <a:noFill/>
                 </a:ln>
@@ -19301,7 +18773,7 @@
               <a:t>S. </a:t>
             </a:r>
             <a:r>
-              <a:rPr kumimoji="0" lang="ko-KR" altLang="ko-KR" sz="800" b="0" i="1" u="none" strike="noStrike" cap="none" normalizeH="0" baseline="0" dirty="0" err="1">
+              <a:rPr kumimoji="0" lang="ko-KR" altLang="ko-KR" sz="800" b="0" i="1" u="none" strike="noStrike" cap="none" normalizeH="0" baseline="0" err="1">
                 <a:ln>
                   <a:noFill/>
                 </a:ln>
@@ -19314,7 +18786,7 @@
               <a:t>resinosa</a:t>
             </a:r>
             <a:r>
-              <a:rPr kumimoji="0" lang="ko-KR" altLang="en-US" sz="800" b="0" i="1" u="none" strike="noStrike" cap="none" normalizeH="0" baseline="0" dirty="0">
+              <a:rPr kumimoji="0" lang="ko-KR" altLang="en-US" sz="800" b="0" i="1" u="none" strike="noStrike" cap="none" normalizeH="0" baseline="0">
                 <a:ln>
                   <a:noFill/>
                 </a:ln>
@@ -19327,7 +18799,7 @@
               <a:t> </a:t>
             </a:r>
             <a:r>
-              <a:rPr kumimoji="0" lang="en-US" altLang="ko-KR" sz="800" b="0" i="0" u="none" strike="noStrike" cap="none" normalizeH="0" baseline="0" dirty="0">
+              <a:rPr kumimoji="0" lang="en-US" altLang="ko-KR" sz="800" b="0" i="0" u="none" strike="noStrike" cap="none" normalizeH="0" baseline="0">
                 <a:ln>
                   <a:noFill/>
                 </a:ln>
@@ -19340,7 +18812,7 @@
               <a:t>-</a:t>
             </a:r>
             <a:r>
-              <a:rPr kumimoji="0" lang="ko-KR" altLang="ko-KR" sz="800" b="0" i="0" u="none" strike="noStrike" cap="none" normalizeH="0" baseline="0" dirty="0">
+              <a:rPr kumimoji="0" lang="ko-KR" altLang="ko-KR" sz="800" b="0" i="0" u="none" strike="noStrike" cap="none" normalizeH="0" baseline="0">
                 <a:ln>
                   <a:noFill/>
                 </a:ln>
@@ -19353,32 +18825,19 @@
               <a:t>RESINOSA </a:t>
             </a:r>
             <a:r>
-              <a:rPr kumimoji="0" lang="en-US" altLang="ko-KR" sz="800" b="0" i="0" u="none" strike="noStrike" cap="none" normalizeH="0" baseline="0" dirty="0" err="1">
-                <a:ln>
-                  <a:noFill/>
-                </a:ln>
-                <a:solidFill>
-                  <a:srgbClr val="000000"/>
-                </a:solidFill>
-                <a:effectLst/>
-                <a:cs typeface="Arial" panose="020B0604020202020204" pitchFamily="34" charset="0"/>
-              </a:rPr>
-              <a:t>sp</a:t>
-            </a:r>
-            <a:r>
-              <a:rPr kumimoji="0" lang="en-US" altLang="ko-KR" sz="800" b="0" i="0" u="none" strike="noStrike" cap="none" normalizeH="0" baseline="0" dirty="0">
-                <a:ln>
-                  <a:noFill/>
-                </a:ln>
-                <a:solidFill>
-                  <a:srgbClr val="000000"/>
-                </a:solidFill>
-                <a:effectLst/>
-                <a:cs typeface="Arial" panose="020B0604020202020204" pitchFamily="34" charset="0"/>
-              </a:rPr>
-              <a:t>-gr.</a:t>
-            </a:r>
-            <a:endParaRPr kumimoji="0" lang="ko-KR" altLang="ko-KR" sz="2800" b="0" i="0" u="none" strike="noStrike" cap="none" normalizeH="0" baseline="0" dirty="0">
+              <a:rPr kumimoji="0" lang="en-US" altLang="ko-KR" sz="800" b="0" i="0" u="none" strike="noStrike" cap="none" normalizeH="0" baseline="0">
+                <a:ln>
+                  <a:noFill/>
+                </a:ln>
+                <a:solidFill>
+                  <a:srgbClr val="000000"/>
+                </a:solidFill>
+                <a:effectLst/>
+                <a:cs typeface="Arial" panose="020B0604020202020204" pitchFamily="34" charset="0"/>
+              </a:rPr>
+              <a:t>sp-gr.</a:t>
+            </a:r>
+            <a:endParaRPr kumimoji="0" lang="ko-KR" altLang="ko-KR" sz="2800" b="0" i="0" u="none" strike="noStrike" cap="none" normalizeH="0" baseline="0">
               <a:ln>
                 <a:noFill/>
               </a:ln>
@@ -19666,7 +19125,7 @@
               <a:tabLst/>
             </a:pPr>
             <a:r>
-              <a:rPr kumimoji="0" lang="ko-KR" altLang="ko-KR" sz="800" b="0" i="1" u="none" strike="noStrike" cap="none" normalizeH="0" baseline="0" dirty="0">
+              <a:rPr kumimoji="0" lang="ko-KR" altLang="ko-KR" sz="800" b="0" i="1" u="none" strike="noStrike" cap="none" normalizeH="0" baseline="0">
                 <a:ln>
                   <a:noFill/>
                 </a:ln>
@@ -19679,7 +19138,7 @@
               <a:t> </a:t>
             </a:r>
             <a:r>
-              <a:rPr kumimoji="0" lang="en-US" altLang="ko-KR" sz="800" b="0" i="1" u="none" strike="noStrike" cap="none" normalizeH="0" baseline="0" dirty="0">
+              <a:rPr kumimoji="0" lang="en-US" altLang="ko-KR" sz="800" b="0" i="1" u="none" strike="noStrike" cap="none" normalizeH="0" baseline="0">
                 <a:ln>
                   <a:noFill/>
                 </a:ln>
@@ -19692,7 +19151,7 @@
               <a:t>S. </a:t>
             </a:r>
             <a:r>
-              <a:rPr kumimoji="0" lang="ko-KR" altLang="ko-KR" sz="800" b="0" i="1" u="none" strike="noStrike" cap="none" normalizeH="0" baseline="0" dirty="0" err="1">
+              <a:rPr kumimoji="0" lang="ko-KR" altLang="ko-KR" sz="800" b="0" i="1" u="none" strike="noStrike" cap="none" normalizeH="0" baseline="0" err="1">
                 <a:ln>
                   <a:noFill/>
                 </a:ln>
@@ -19705,7 +19164,7 @@
               <a:t>drummondii</a:t>
             </a:r>
             <a:r>
-              <a:rPr kumimoji="0" lang="ko-KR" altLang="en-US" sz="800" b="0" i="1" u="none" strike="noStrike" cap="none" normalizeH="0" baseline="0" dirty="0">
+              <a:rPr kumimoji="0" lang="ko-KR" altLang="en-US" sz="800" b="0" i="1" u="none" strike="noStrike" cap="none" normalizeH="0" baseline="0">
                 <a:ln>
                   <a:noFill/>
                 </a:ln>
@@ -19718,7 +19177,7 @@
               <a:t> </a:t>
             </a:r>
             <a:r>
-              <a:rPr kumimoji="0" lang="en-US" altLang="ko-KR" sz="800" b="0" i="0" u="none" strike="noStrike" cap="none" normalizeH="0" baseline="0" dirty="0">
+              <a:rPr kumimoji="0" lang="en-US" altLang="ko-KR" sz="800" b="0" i="0" u="none" strike="noStrike" cap="none" normalizeH="0" baseline="0">
                 <a:ln>
                   <a:noFill/>
                 </a:ln>
@@ -19731,7 +19190,7 @@
               <a:t>-</a:t>
             </a:r>
             <a:r>
-              <a:rPr kumimoji="0" lang="ko-KR" altLang="ko-KR" sz="800" b="0" i="0" u="none" strike="noStrike" cap="none" normalizeH="0" baseline="0" dirty="0">
+              <a:rPr kumimoji="0" lang="ko-KR" altLang="ko-KR" sz="800" b="0" i="0" u="none" strike="noStrike" cap="none" normalizeH="0" baseline="0">
                 <a:ln>
                   <a:noFill/>
                 </a:ln>
@@ -19744,32 +19203,19 @@
               <a:t>RESINOSA </a:t>
             </a:r>
             <a:r>
-              <a:rPr kumimoji="0" lang="en-US" altLang="ko-KR" sz="800" b="0" i="0" u="none" strike="noStrike" cap="none" normalizeH="0" baseline="0" dirty="0" err="1">
-                <a:ln>
-                  <a:noFill/>
-                </a:ln>
-                <a:solidFill>
-                  <a:srgbClr val="000000"/>
-                </a:solidFill>
-                <a:effectLst/>
-                <a:cs typeface="Arial" panose="020B0604020202020204" pitchFamily="34" charset="0"/>
-              </a:rPr>
-              <a:t>sp</a:t>
-            </a:r>
-            <a:r>
-              <a:rPr kumimoji="0" lang="en-US" altLang="ko-KR" sz="800" b="0" i="0" u="none" strike="noStrike" cap="none" normalizeH="0" baseline="0" dirty="0">
-                <a:ln>
-                  <a:noFill/>
-                </a:ln>
-                <a:solidFill>
-                  <a:srgbClr val="000000"/>
-                </a:solidFill>
-                <a:effectLst/>
-                <a:cs typeface="Arial" panose="020B0604020202020204" pitchFamily="34" charset="0"/>
-              </a:rPr>
-              <a:t>-gr.</a:t>
-            </a:r>
-            <a:endParaRPr kumimoji="0" lang="ko-KR" altLang="ko-KR" sz="2800" b="0" i="0" u="none" strike="noStrike" cap="none" normalizeH="0" baseline="0" dirty="0">
+              <a:rPr kumimoji="0" lang="en-US" altLang="ko-KR" sz="800" b="0" i="0" u="none" strike="noStrike" cap="none" normalizeH="0" baseline="0">
+                <a:ln>
+                  <a:noFill/>
+                </a:ln>
+                <a:solidFill>
+                  <a:srgbClr val="000000"/>
+                </a:solidFill>
+                <a:effectLst/>
+                <a:cs typeface="Arial" panose="020B0604020202020204" pitchFamily="34" charset="0"/>
+              </a:rPr>
+              <a:t>sp-gr.</a:t>
+            </a:r>
+            <a:endParaRPr kumimoji="0" lang="ko-KR" altLang="ko-KR" sz="2800" b="0" i="0" u="none" strike="noStrike" cap="none" normalizeH="0" baseline="0">
               <a:ln>
                 <a:noFill/>
               </a:ln>
@@ -20145,7 +19591,7 @@
               <a:tabLst/>
             </a:pPr>
             <a:r>
-              <a:rPr kumimoji="0" lang="ko-KR" altLang="ko-KR" sz="800" b="0" i="1" u="none" strike="noStrike" cap="none" normalizeH="0" baseline="0" dirty="0">
+              <a:rPr kumimoji="0" lang="ko-KR" altLang="ko-KR" sz="800" b="0" i="1" u="none" strike="noStrike" cap="none" normalizeH="0" baseline="0">
                 <a:ln>
                   <a:noFill/>
                 </a:ln>
@@ -20158,7 +19604,7 @@
               <a:t> </a:t>
             </a:r>
             <a:r>
-              <a:rPr kumimoji="0" lang="en-US" altLang="ko-KR" sz="800" b="0" i="1" u="none" strike="noStrike" cap="none" normalizeH="0" baseline="0" dirty="0">
+              <a:rPr kumimoji="0" lang="en-US" altLang="ko-KR" sz="800" b="0" i="1" u="none" strike="noStrike" cap="none" normalizeH="0" baseline="0">
                 <a:ln>
                   <a:noFill/>
                 </a:ln>
@@ -20171,7 +19617,7 @@
               <a:t>S. </a:t>
             </a:r>
             <a:r>
-              <a:rPr kumimoji="0" lang="ko-KR" altLang="ko-KR" sz="800" b="0" i="1" u="none" strike="noStrike" cap="none" normalizeH="0" baseline="0" dirty="0" err="1">
+              <a:rPr kumimoji="0" lang="ko-KR" altLang="ko-KR" sz="800" b="0" i="1" u="none" strike="noStrike" cap="none" normalizeH="0" baseline="0" err="1">
                 <a:ln>
                   <a:noFill/>
                 </a:ln>
@@ -20184,7 +19630,7 @@
               <a:t>potosina</a:t>
             </a:r>
             <a:r>
-              <a:rPr kumimoji="0" lang="ko-KR" altLang="en-US" sz="800" b="0" i="1" u="none" strike="noStrike" cap="none" normalizeH="0" baseline="0" dirty="0">
+              <a:rPr kumimoji="0" lang="ko-KR" altLang="en-US" sz="800" b="0" i="1" u="none" strike="noStrike" cap="none" normalizeH="0" baseline="0">
                 <a:ln>
                   <a:noFill/>
                 </a:ln>
@@ -20197,7 +19643,7 @@
               <a:t> </a:t>
             </a:r>
             <a:r>
-              <a:rPr kumimoji="0" lang="en-US" altLang="ko-KR" sz="800" b="0" i="0" u="none" strike="noStrike" cap="none" normalizeH="0" baseline="0" dirty="0">
+              <a:rPr kumimoji="0" lang="en-US" altLang="ko-KR" sz="800" b="0" i="0" u="none" strike="noStrike" cap="none" normalizeH="0" baseline="0">
                 <a:ln>
                   <a:noFill/>
                 </a:ln>
@@ -20210,7 +19656,7 @@
               <a:t>-</a:t>
             </a:r>
             <a:r>
-              <a:rPr kumimoji="0" lang="ko-KR" altLang="ko-KR" sz="800" b="0" i="0" u="none" strike="noStrike" cap="none" normalizeH="0" baseline="0" dirty="0" err="1">
+              <a:rPr kumimoji="0" lang="ko-KR" altLang="ko-KR" sz="800" b="0" i="0" u="none" strike="noStrike" cap="none" normalizeH="0" baseline="0" err="1">
                 <a:ln>
                   <a:noFill/>
                 </a:ln>
@@ -20222,7 +19668,7 @@
               </a:rPr>
               <a:t>Q</a:t>
             </a:r>
-            <a:endParaRPr kumimoji="0" lang="ko-KR" altLang="ko-KR" sz="2800" b="0" i="0" u="none" strike="noStrike" cap="none" normalizeH="0" baseline="0" dirty="0">
+            <a:endParaRPr kumimoji="0" lang="ko-KR" altLang="ko-KR" sz="2800" b="0" i="0" u="none" strike="noStrike" cap="none" normalizeH="0" baseline="0">
               <a:ln>
                 <a:noFill/>
               </a:ln>
@@ -20595,7 +20041,7 @@
               <a:tabLst/>
             </a:pPr>
             <a:r>
-              <a:rPr kumimoji="0" lang="ko-KR" altLang="ko-KR" sz="800" b="0" i="0" u="none" strike="noStrike" cap="none" normalizeH="0" baseline="0" dirty="0">
+              <a:rPr kumimoji="0" lang="ko-KR" altLang="ko-KR" sz="800" b="0" i="0" u="none" strike="noStrike" cap="none" normalizeH="0" baseline="0">
                 <a:ln>
                   <a:noFill/>
                 </a:ln>
@@ -20608,7 +20054,7 @@
               <a:t> </a:t>
             </a:r>
             <a:r>
-              <a:rPr kumimoji="0" lang="en-US" altLang="ko-KR" sz="800" b="0" i="1" u="none" strike="noStrike" cap="none" normalizeH="0" baseline="0" dirty="0">
+              <a:rPr kumimoji="0" lang="en-US" altLang="ko-KR" sz="800" b="0" i="1" u="none" strike="noStrike" cap="none" normalizeH="0" baseline="0">
                 <a:ln>
                   <a:noFill/>
                 </a:ln>
@@ -20621,7 +20067,7 @@
               <a:t>S. </a:t>
             </a:r>
             <a:r>
-              <a:rPr kumimoji="0" lang="ko-KR" altLang="ko-KR" sz="800" b="0" i="1" u="none" strike="noStrike" cap="none" normalizeH="0" baseline="0" dirty="0" err="1">
+              <a:rPr kumimoji="0" lang="ko-KR" altLang="ko-KR" sz="800" b="0" i="1" u="none" strike="noStrike" cap="none" normalizeH="0" baseline="0" err="1">
                 <a:ln>
                   <a:noFill/>
                 </a:ln>
@@ -20634,7 +20080,7 @@
               <a:t>hispidula</a:t>
             </a:r>
             <a:r>
-              <a:rPr kumimoji="0" lang="ko-KR" altLang="en-US" sz="800" b="0" i="1" u="none" strike="noStrike" cap="none" normalizeH="0" baseline="0" dirty="0">
+              <a:rPr kumimoji="0" lang="ko-KR" altLang="en-US" sz="800" b="0" i="1" u="none" strike="noStrike" cap="none" normalizeH="0" baseline="0">
                 <a:ln>
                   <a:noFill/>
                 </a:ln>
@@ -20647,7 +20093,7 @@
               <a:t> </a:t>
             </a:r>
             <a:r>
-              <a:rPr kumimoji="0" lang="en-US" altLang="ko-KR" sz="800" b="0" i="0" u="none" strike="noStrike" cap="none" normalizeH="0" baseline="0" dirty="0">
+              <a:rPr kumimoji="0" lang="en-US" altLang="ko-KR" sz="800" b="0" i="0" u="none" strike="noStrike" cap="none" normalizeH="0" baseline="0">
                 <a:ln>
                   <a:noFill/>
                 </a:ln>
@@ -20660,7 +20106,7 @@
               <a:t>-</a:t>
             </a:r>
             <a:r>
-              <a:rPr kumimoji="0" lang="ko-KR" altLang="ko-KR" sz="800" b="0" i="0" u="none" strike="noStrike" cap="none" normalizeH="0" baseline="0" dirty="0" err="1">
+              <a:rPr kumimoji="0" lang="ko-KR" altLang="ko-KR" sz="800" b="0" i="0" u="none" strike="noStrike" cap="none" normalizeH="0" baseline="0" err="1">
                 <a:ln>
                   <a:noFill/>
                 </a:ln>
@@ -20672,7 +20118,7 @@
               </a:rPr>
               <a:t>Q</a:t>
             </a:r>
-            <a:endParaRPr kumimoji="0" lang="ko-KR" altLang="ko-KR" sz="2800" b="0" i="0" u="none" strike="noStrike" cap="none" normalizeH="0" baseline="0" dirty="0">
+            <a:endParaRPr kumimoji="0" lang="ko-KR" altLang="ko-KR" sz="2800" b="0" i="0" u="none" strike="noStrike" cap="none" normalizeH="0" baseline="0">
               <a:ln>
                 <a:noFill/>
               </a:ln>
@@ -21048,7 +20494,7 @@
               <a:tabLst/>
             </a:pPr>
             <a:r>
-              <a:rPr kumimoji="0" lang="ko-KR" altLang="ko-KR" sz="800" b="0" i="0" u="none" strike="noStrike" cap="none" normalizeH="0" baseline="0" dirty="0">
+              <a:rPr kumimoji="0" lang="ko-KR" altLang="ko-KR" sz="800" b="0" i="0" u="none" strike="noStrike" cap="none" normalizeH="0" baseline="0">
                 <a:ln>
                   <a:noFill/>
                 </a:ln>
@@ -21061,7 +20507,7 @@
               <a:t> </a:t>
             </a:r>
             <a:r>
-              <a:rPr kumimoji="0" lang="en-US" altLang="ko-KR" sz="800" b="0" i="1" u="none" strike="noStrike" cap="none" normalizeH="0" baseline="0" dirty="0">
+              <a:rPr kumimoji="0" lang="en-US" altLang="ko-KR" sz="800" b="0" i="1" u="none" strike="noStrike" cap="none" normalizeH="0" baseline="0">
                 <a:ln>
                   <a:noFill/>
                 </a:ln>
@@ -21074,7 +20520,7 @@
               <a:t>S. </a:t>
             </a:r>
             <a:r>
-              <a:rPr kumimoji="0" lang="ko-KR" altLang="ko-KR" sz="800" b="0" i="1" u="none" strike="noStrike" cap="none" normalizeH="0" baseline="0" dirty="0" err="1">
+              <a:rPr kumimoji="0" lang="ko-KR" altLang="ko-KR" sz="800" b="0" i="1" u="none" strike="noStrike" cap="none" normalizeH="0" baseline="0" err="1">
                 <a:ln>
                   <a:noFill/>
                 </a:ln>
@@ -21087,7 +20533,7 @@
               <a:t>suffrutescens</a:t>
             </a:r>
             <a:r>
-              <a:rPr kumimoji="0" lang="ko-KR" altLang="en-US" sz="800" b="0" i="1" u="none" strike="noStrike" cap="none" normalizeH="0" baseline="0" dirty="0">
+              <a:rPr kumimoji="0" lang="ko-KR" altLang="en-US" sz="800" b="0" i="1" u="none" strike="noStrike" cap="none" normalizeH="0" baseline="0">
                 <a:ln>
                   <a:noFill/>
                 </a:ln>
@@ -21100,7 +20546,7 @@
               <a:t> </a:t>
             </a:r>
             <a:r>
-              <a:rPr kumimoji="0" lang="en-US" altLang="ko-KR" sz="800" b="0" i="0" u="none" strike="noStrike" cap="none" normalizeH="0" baseline="0" dirty="0">
+              <a:rPr kumimoji="0" lang="en-US" altLang="ko-KR" sz="800" b="0" i="0" u="none" strike="noStrike" cap="none" normalizeH="0" baseline="0">
                 <a:ln>
                   <a:noFill/>
                 </a:ln>
@@ -21113,7 +20559,7 @@
               <a:t>-</a:t>
             </a:r>
             <a:r>
-              <a:rPr kumimoji="0" lang="ko-KR" altLang="ko-KR" sz="800" b="0" i="0" u="none" strike="noStrike" cap="none" normalizeH="0" baseline="0" dirty="0" err="1">
+              <a:rPr kumimoji="0" lang="ko-KR" altLang="ko-KR" sz="800" b="0" i="0" u="none" strike="noStrike" cap="none" normalizeH="0" baseline="0" err="1">
                 <a:ln>
                   <a:noFill/>
                 </a:ln>
@@ -21125,7 +20571,7 @@
               </a:rPr>
               <a:t>Q</a:t>
             </a:r>
-            <a:endParaRPr kumimoji="0" lang="ko-KR" altLang="ko-KR" sz="2800" b="0" i="0" u="none" strike="noStrike" cap="none" normalizeH="0" baseline="0" dirty="0">
+            <a:endParaRPr kumimoji="0" lang="ko-KR" altLang="ko-KR" sz="2800" b="0" i="0" u="none" strike="noStrike" cap="none" normalizeH="0" baseline="0">
               <a:ln>
                 <a:noFill/>
               </a:ln>
@@ -21671,7 +21117,7 @@
               <a:tabLst/>
             </a:pPr>
             <a:r>
-              <a:rPr kumimoji="0" lang="ko-KR" altLang="ko-KR" sz="800" b="0" i="1" u="none" strike="noStrike" cap="none" normalizeH="0" baseline="0" dirty="0">
+              <a:rPr kumimoji="0" lang="ko-KR" altLang="ko-KR" sz="800" b="0" i="1" u="none" strike="noStrike" cap="none" normalizeH="0" baseline="0">
                 <a:ln>
                   <a:noFill/>
                 </a:ln>
@@ -21684,7 +21130,7 @@
               <a:t> </a:t>
             </a:r>
             <a:r>
-              <a:rPr kumimoji="0" lang="en-US" altLang="ko-KR" sz="800" b="0" i="1" u="none" strike="noStrike" cap="none" normalizeH="0" baseline="0" dirty="0">
+              <a:rPr kumimoji="0" lang="en-US" altLang="ko-KR" sz="800" b="0" i="1" u="none" strike="noStrike" cap="none" normalizeH="0" baseline="0">
                 <a:ln>
                   <a:noFill/>
                 </a:ln>
@@ -21697,7 +21143,7 @@
               <a:t>S. </a:t>
             </a:r>
             <a:r>
-              <a:rPr kumimoji="0" lang="ko-KR" altLang="ko-KR" sz="800" b="0" i="1" u="none" strike="noStrike" cap="none" normalizeH="0" baseline="0" dirty="0" err="1">
+              <a:rPr kumimoji="0" lang="ko-KR" altLang="ko-KR" sz="800" b="0" i="1" u="none" strike="noStrike" cap="none" normalizeH="0" baseline="0" err="1">
                 <a:ln>
                   <a:noFill/>
                 </a:ln>
@@ -21710,7 +21156,7 @@
               <a:t>longifolia</a:t>
             </a:r>
             <a:r>
-              <a:rPr kumimoji="0" lang="ko-KR" altLang="en-US" sz="800" b="0" i="1" u="none" strike="noStrike" cap="none" normalizeH="0" baseline="0" dirty="0">
+              <a:rPr kumimoji="0" lang="ko-KR" altLang="en-US" sz="800" b="0" i="1" u="none" strike="noStrike" cap="none" normalizeH="0" baseline="0">
                 <a:ln>
                   <a:noFill/>
                 </a:ln>
@@ -21723,7 +21169,7 @@
               <a:t> </a:t>
             </a:r>
             <a:r>
-              <a:rPr kumimoji="0" lang="en-US" altLang="ko-KR" sz="800" b="0" i="0" u="none" strike="noStrike" cap="none" normalizeH="0" baseline="0" dirty="0">
+              <a:rPr kumimoji="0" lang="en-US" altLang="ko-KR" sz="800" b="0" i="0" u="none" strike="noStrike" cap="none" normalizeH="0" baseline="0">
                 <a:ln>
                   <a:noFill/>
                 </a:ln>
@@ -21736,7 +21182,7 @@
               <a:t>-</a:t>
             </a:r>
             <a:r>
-              <a:rPr kumimoji="0" lang="ko-KR" altLang="ko-KR" sz="800" b="0" i="0" u="none" strike="noStrike" cap="none" normalizeH="0" baseline="0" dirty="0">
+              <a:rPr kumimoji="0" lang="ko-KR" altLang="ko-KR" sz="800" b="0" i="0" u="none" strike="noStrike" cap="none" normalizeH="0" baseline="0">
                 <a:ln>
                   <a:noFill/>
                 </a:ln>
@@ -21749,45 +21195,19 @@
               <a:t>HAVANENSI</a:t>
             </a:r>
             <a:r>
-              <a:rPr kumimoji="0" lang="en-US" altLang="ko-KR" sz="800" b="0" i="0" u="none" strike="noStrike" cap="none" normalizeH="0" baseline="0" dirty="0">
-                <a:ln>
-                  <a:noFill/>
-                </a:ln>
-                <a:solidFill>
-                  <a:srgbClr val="000000"/>
-                </a:solidFill>
-                <a:effectLst/>
-                <a:cs typeface="Arial" panose="020B0604020202020204" pitchFamily="34" charset="0"/>
-              </a:rPr>
-              <a:t>S </a:t>
-            </a:r>
-            <a:r>
-              <a:rPr kumimoji="0" lang="en-US" altLang="ko-KR" sz="800" b="0" i="0" u="none" strike="noStrike" cap="none" normalizeH="0" baseline="0" dirty="0" err="1">
-                <a:ln>
-                  <a:noFill/>
-                </a:ln>
-                <a:solidFill>
-                  <a:srgbClr val="000000"/>
-                </a:solidFill>
-                <a:effectLst/>
-                <a:cs typeface="Arial" panose="020B0604020202020204" pitchFamily="34" charset="0"/>
-              </a:rPr>
-              <a:t>sp</a:t>
-            </a:r>
-            <a:r>
-              <a:rPr kumimoji="0" lang="en-US" altLang="ko-KR" sz="800" b="0" i="0" u="none" strike="noStrike" cap="none" normalizeH="0" baseline="0" dirty="0">
-                <a:ln>
-                  <a:noFill/>
-                </a:ln>
-                <a:solidFill>
-                  <a:srgbClr val="000000"/>
-                </a:solidFill>
-                <a:effectLst/>
-                <a:cs typeface="Arial" panose="020B0604020202020204" pitchFamily="34" charset="0"/>
-              </a:rPr>
-              <a:t>-gr.</a:t>
-            </a:r>
-            <a:endParaRPr kumimoji="0" lang="ko-KR" altLang="ko-KR" sz="2800" b="0" i="0" u="none" strike="noStrike" cap="none" normalizeH="0" baseline="0" dirty="0">
+              <a:rPr kumimoji="0" lang="en-US" altLang="ko-KR" sz="800" b="0" i="0" u="none" strike="noStrike" cap="none" normalizeH="0" baseline="0">
+                <a:ln>
+                  <a:noFill/>
+                </a:ln>
+                <a:solidFill>
+                  <a:srgbClr val="000000"/>
+                </a:solidFill>
+                <a:effectLst/>
+                <a:cs typeface="Arial" panose="020B0604020202020204" pitchFamily="34" charset="0"/>
+              </a:rPr>
+              <a:t>S sp-gr.</a:t>
+            </a:r>
+            <a:endParaRPr kumimoji="0" lang="ko-KR" altLang="ko-KR" sz="2800" b="0" i="0" u="none" strike="noStrike" cap="none" normalizeH="0" baseline="0">
               <a:ln>
                 <a:noFill/>
               </a:ln>
@@ -22078,7 +21498,7 @@
               <a:tabLst/>
             </a:pPr>
             <a:r>
-              <a:rPr kumimoji="0" lang="ko-KR" altLang="ko-KR" sz="800" b="0" i="1" u="none" strike="noStrike" cap="none" normalizeH="0" baseline="0" dirty="0">
+              <a:rPr kumimoji="0" lang="ko-KR" altLang="ko-KR" sz="800" b="0" i="1" u="none" strike="noStrike" cap="none" normalizeH="0" baseline="0">
                 <a:ln>
                   <a:noFill/>
                 </a:ln>
@@ -22091,7 +21511,7 @@
               <a:t> </a:t>
             </a:r>
             <a:r>
-              <a:rPr kumimoji="0" lang="en-US" altLang="ko-KR" sz="800" b="0" i="1" u="none" strike="noStrike" cap="none" normalizeH="0" baseline="0" dirty="0">
+              <a:rPr kumimoji="0" lang="en-US" altLang="ko-KR" sz="800" b="0" i="1" u="none" strike="noStrike" cap="none" normalizeH="0" baseline="0">
                 <a:ln>
                   <a:noFill/>
                 </a:ln>
@@ -22104,7 +21524,7 @@
               <a:t>S. </a:t>
             </a:r>
             <a:r>
-              <a:rPr kumimoji="0" lang="ko-KR" altLang="ko-KR" sz="800" b="0" i="1" u="none" strike="noStrike" cap="none" normalizeH="0" baseline="0" dirty="0" err="1">
+              <a:rPr kumimoji="0" lang="ko-KR" altLang="ko-KR" sz="800" b="0" i="1" u="none" strike="noStrike" cap="none" normalizeH="0" baseline="0" err="1">
                 <a:ln>
                   <a:noFill/>
                 </a:ln>
@@ -22117,7 +21537,7 @@
               <a:t>seleriana</a:t>
             </a:r>
             <a:r>
-              <a:rPr kumimoji="0" lang="ko-KR" altLang="en-US" sz="800" b="0" i="1" u="none" strike="noStrike" cap="none" normalizeH="0" baseline="0" dirty="0">
+              <a:rPr kumimoji="0" lang="ko-KR" altLang="en-US" sz="800" b="0" i="1" u="none" strike="noStrike" cap="none" normalizeH="0" baseline="0">
                 <a:ln>
                   <a:noFill/>
                 </a:ln>
@@ -22130,7 +21550,7 @@
               <a:t> </a:t>
             </a:r>
             <a:r>
-              <a:rPr kumimoji="0" lang="en-US" altLang="ko-KR" sz="800" b="0" i="0" u="none" strike="noStrike" cap="none" normalizeH="0" baseline="0" dirty="0">
+              <a:rPr kumimoji="0" lang="en-US" altLang="ko-KR" sz="800" b="0" i="0" u="none" strike="noStrike" cap="none" normalizeH="0" baseline="0">
                 <a:ln>
                   <a:noFill/>
                 </a:ln>
@@ -22143,7 +21563,7 @@
               <a:t>-</a:t>
             </a:r>
             <a:r>
-              <a:rPr kumimoji="0" lang="ko-KR" altLang="ko-KR" sz="800" b="0" i="0" u="none" strike="noStrike" cap="none" normalizeH="0" baseline="0" dirty="0">
+              <a:rPr kumimoji="0" lang="ko-KR" altLang="ko-KR" sz="800" b="0" i="0" u="none" strike="noStrike" cap="none" normalizeH="0" baseline="0">
                 <a:ln>
                   <a:noFill/>
                 </a:ln>
@@ -22156,32 +21576,19 @@
               <a:t>SELERIANA </a:t>
             </a:r>
             <a:r>
-              <a:rPr kumimoji="0" lang="en-US" altLang="ko-KR" sz="800" b="0" i="0" u="none" strike="noStrike" cap="none" normalizeH="0" baseline="0" dirty="0" err="1">
-                <a:ln>
-                  <a:noFill/>
-                </a:ln>
-                <a:solidFill>
-                  <a:srgbClr val="000000"/>
-                </a:solidFill>
-                <a:effectLst/>
-                <a:cs typeface="Arial" panose="020B0604020202020204" pitchFamily="34" charset="0"/>
-              </a:rPr>
-              <a:t>sp</a:t>
-            </a:r>
-            <a:r>
-              <a:rPr kumimoji="0" lang="en-US" altLang="ko-KR" sz="800" b="0" i="0" u="none" strike="noStrike" cap="none" normalizeH="0" baseline="0" dirty="0">
-                <a:ln>
-                  <a:noFill/>
-                </a:ln>
-                <a:solidFill>
-                  <a:srgbClr val="000000"/>
-                </a:solidFill>
-                <a:effectLst/>
-                <a:cs typeface="Arial" panose="020B0604020202020204" pitchFamily="34" charset="0"/>
-              </a:rPr>
-              <a:t>-gr.</a:t>
-            </a:r>
-            <a:endParaRPr kumimoji="0" lang="ko-KR" altLang="ko-KR" sz="2800" b="0" i="0" u="none" strike="noStrike" cap="none" normalizeH="0" baseline="0" dirty="0">
+              <a:rPr kumimoji="0" lang="en-US" altLang="ko-KR" sz="800" b="0" i="0" u="none" strike="noStrike" cap="none" normalizeH="0" baseline="0">
+                <a:ln>
+                  <a:noFill/>
+                </a:ln>
+                <a:solidFill>
+                  <a:srgbClr val="000000"/>
+                </a:solidFill>
+                <a:effectLst/>
+                <a:cs typeface="Arial" panose="020B0604020202020204" pitchFamily="34" charset="0"/>
+              </a:rPr>
+              <a:t>sp-gr.</a:t>
+            </a:r>
+            <a:endParaRPr kumimoji="0" lang="ko-KR" altLang="ko-KR" sz="2800" b="0" i="0" u="none" strike="noStrike" cap="none" normalizeH="0" baseline="0">
               <a:ln>
                 <a:noFill/>
               </a:ln>
@@ -22557,7 +21964,7 @@
               <a:tabLst/>
             </a:pPr>
             <a:r>
-              <a:rPr kumimoji="0" lang="ko-KR" altLang="ko-KR" sz="800" b="0" i="0" u="none" strike="noStrike" cap="none" normalizeH="0" baseline="0" dirty="0">
+              <a:rPr kumimoji="0" lang="ko-KR" altLang="ko-KR" sz="800" b="0" i="0" u="none" strike="noStrike" cap="none" normalizeH="0" baseline="0">
                 <a:ln>
                   <a:noFill/>
                 </a:ln>
@@ -22570,7 +21977,7 @@
               <a:t> </a:t>
             </a:r>
             <a:r>
-              <a:rPr kumimoji="0" lang="en-US" altLang="ko-KR" sz="800" b="0" i="1" u="none" strike="noStrike" cap="none" normalizeH="0" baseline="0" dirty="0">
+              <a:rPr kumimoji="0" lang="en-US" altLang="ko-KR" sz="800" b="0" i="1" u="none" strike="noStrike" cap="none" normalizeH="0" baseline="0">
                 <a:ln>
                   <a:noFill/>
                 </a:ln>
@@ -22583,7 +21990,7 @@
               <a:t>S. </a:t>
             </a:r>
             <a:r>
-              <a:rPr kumimoji="0" lang="ko-KR" altLang="ko-KR" sz="800" b="0" i="1" u="none" strike="noStrike" cap="none" normalizeH="0" baseline="0" dirty="0" err="1">
+              <a:rPr kumimoji="0" lang="ko-KR" altLang="ko-KR" sz="800" b="0" i="1" u="none" strike="noStrike" cap="none" normalizeH="0" baseline="0" err="1">
                 <a:ln>
                   <a:noFill/>
                 </a:ln>
@@ -22596,7 +22003,7 @@
               <a:t>guatemalensis</a:t>
             </a:r>
             <a:r>
-              <a:rPr kumimoji="0" lang="ko-KR" altLang="en-US" sz="800" b="0" i="1" u="none" strike="noStrike" cap="none" normalizeH="0" baseline="0" dirty="0">
+              <a:rPr kumimoji="0" lang="ko-KR" altLang="en-US" sz="800" b="0" i="1" u="none" strike="noStrike" cap="none" normalizeH="0" baseline="0">
                 <a:ln>
                   <a:noFill/>
                 </a:ln>
@@ -22609,7 +22016,7 @@
               <a:t> </a:t>
             </a:r>
             <a:r>
-              <a:rPr kumimoji="0" lang="en-US" altLang="ko-KR" sz="800" b="0" i="0" u="none" strike="noStrike" cap="none" normalizeH="0" baseline="0" dirty="0">
+              <a:rPr kumimoji="0" lang="en-US" altLang="ko-KR" sz="800" b="0" i="0" u="none" strike="noStrike" cap="none" normalizeH="0" baseline="0">
                 <a:ln>
                   <a:noFill/>
                 </a:ln>
@@ -22622,7 +22029,7 @@
               <a:t>-</a:t>
             </a:r>
             <a:r>
-              <a:rPr kumimoji="0" lang="ko-KR" altLang="ko-KR" sz="800" b="0" i="0" u="none" strike="noStrike" cap="none" normalizeH="0" baseline="0" dirty="0">
+              <a:rPr kumimoji="0" lang="ko-KR" altLang="ko-KR" sz="800" b="0" i="0" u="none" strike="noStrike" cap="none" normalizeH="0" baseline="0">
                 <a:ln>
                   <a:noFill/>
                 </a:ln>
@@ -22635,32 +22042,19 @@
               <a:t>ULIGINOSA </a:t>
             </a:r>
             <a:r>
-              <a:rPr kumimoji="0" lang="en-US" altLang="ko-KR" sz="800" b="0" i="0" u="none" strike="noStrike" cap="none" normalizeH="0" baseline="0" dirty="0" err="1">
-                <a:ln>
-                  <a:noFill/>
-                </a:ln>
-                <a:solidFill>
-                  <a:srgbClr val="000000"/>
-                </a:solidFill>
-                <a:effectLst/>
-                <a:cs typeface="Arial" panose="020B0604020202020204" pitchFamily="34" charset="0"/>
-              </a:rPr>
-              <a:t>sp</a:t>
-            </a:r>
-            <a:r>
-              <a:rPr kumimoji="0" lang="en-US" altLang="ko-KR" sz="800" b="0" i="0" u="none" strike="noStrike" cap="none" normalizeH="0" baseline="0" dirty="0">
-                <a:ln>
-                  <a:noFill/>
-                </a:ln>
-                <a:solidFill>
-                  <a:srgbClr val="000000"/>
-                </a:solidFill>
-                <a:effectLst/>
-                <a:cs typeface="Arial" panose="020B0604020202020204" pitchFamily="34" charset="0"/>
-              </a:rPr>
-              <a:t>-gr.</a:t>
-            </a:r>
-            <a:endParaRPr kumimoji="0" lang="ko-KR" altLang="ko-KR" sz="2800" b="0" i="0" u="none" strike="noStrike" cap="none" normalizeH="0" baseline="0" dirty="0">
+              <a:rPr kumimoji="0" lang="en-US" altLang="ko-KR" sz="800" b="0" i="0" u="none" strike="noStrike" cap="none" normalizeH="0" baseline="0">
+                <a:ln>
+                  <a:noFill/>
+                </a:ln>
+                <a:solidFill>
+                  <a:srgbClr val="000000"/>
+                </a:solidFill>
+                <a:effectLst/>
+                <a:cs typeface="Arial" panose="020B0604020202020204" pitchFamily="34" charset="0"/>
+              </a:rPr>
+              <a:t>sp-gr.</a:t>
+            </a:r>
+            <a:endParaRPr kumimoji="0" lang="ko-KR" altLang="ko-KR" sz="2800" b="0" i="0" u="none" strike="noStrike" cap="none" normalizeH="0" baseline="0">
               <a:ln>
                 <a:noFill/>
               </a:ln>
@@ -23036,7 +22430,7 @@
               <a:tabLst/>
             </a:pPr>
             <a:r>
-              <a:rPr kumimoji="0" lang="ko-KR" altLang="ko-KR" sz="800" b="0" i="1" u="none" strike="noStrike" cap="none" normalizeH="0" baseline="0" dirty="0">
+              <a:rPr kumimoji="0" lang="ko-KR" altLang="ko-KR" sz="800" b="0" i="1" u="none" strike="noStrike" cap="none" normalizeH="0" baseline="0">
                 <a:ln>
                   <a:noFill/>
                 </a:ln>
@@ -23049,7 +22443,7 @@
               <a:t> </a:t>
             </a:r>
             <a:r>
-              <a:rPr kumimoji="0" lang="en-US" altLang="ko-KR" sz="800" b="0" i="1" u="none" strike="noStrike" cap="none" normalizeH="0" baseline="0" dirty="0">
+              <a:rPr kumimoji="0" lang="en-US" altLang="ko-KR" sz="800" b="0" i="1" u="none" strike="noStrike" cap="none" normalizeH="0" baseline="0">
                 <a:ln>
                   <a:noFill/>
                 </a:ln>
@@ -23062,7 +22456,7 @@
               <a:t>S. </a:t>
             </a:r>
             <a:r>
-              <a:rPr kumimoji="0" lang="ko-KR" altLang="ko-KR" sz="800" b="0" i="1" u="none" strike="noStrike" cap="none" normalizeH="0" baseline="0" dirty="0" err="1">
+              <a:rPr kumimoji="0" lang="ko-KR" altLang="ko-KR" sz="800" b="0" i="1" u="none" strike="noStrike" cap="none" normalizeH="0" baseline="0" err="1">
                 <a:ln>
                   <a:noFill/>
                 </a:ln>
@@ -23075,7 +22469,7 @@
               <a:t>costaricana</a:t>
             </a:r>
             <a:r>
-              <a:rPr kumimoji="0" lang="ko-KR" altLang="en-US" sz="800" b="0" i="1" u="none" strike="noStrike" cap="none" normalizeH="0" baseline="0" dirty="0">
+              <a:rPr kumimoji="0" lang="ko-KR" altLang="en-US" sz="800" b="0" i="1" u="none" strike="noStrike" cap="none" normalizeH="0" baseline="0">
                 <a:ln>
                   <a:noFill/>
                 </a:ln>
@@ -23088,7 +22482,7 @@
               <a:t> </a:t>
             </a:r>
             <a:r>
-              <a:rPr kumimoji="0" lang="en-US" altLang="ko-KR" sz="800" b="0" i="0" u="none" strike="noStrike" cap="none" normalizeH="0" baseline="0" dirty="0">
+              <a:rPr kumimoji="0" lang="en-US" altLang="ko-KR" sz="800" b="0" i="0" u="none" strike="noStrike" cap="none" normalizeH="0" baseline="0">
                 <a:ln>
                   <a:noFill/>
                 </a:ln>
@@ -23101,7 +22495,7 @@
               <a:t>-</a:t>
             </a:r>
             <a:r>
-              <a:rPr kumimoji="0" lang="ko-KR" altLang="ko-KR" sz="800" b="0" i="0" u="none" strike="noStrike" cap="none" normalizeH="0" baseline="0" dirty="0">
+              <a:rPr kumimoji="0" lang="ko-KR" altLang="ko-KR" sz="800" b="0" i="0" u="none" strike="noStrike" cap="none" normalizeH="0" baseline="0">
                 <a:ln>
                   <a:noFill/>
                 </a:ln>
@@ -23114,32 +22508,19 @@
               <a:t>COSTATICANA </a:t>
             </a:r>
             <a:r>
-              <a:rPr kumimoji="0" lang="en-US" altLang="ko-KR" sz="800" b="0" i="0" u="none" strike="noStrike" cap="none" normalizeH="0" baseline="0" dirty="0" err="1">
-                <a:ln>
-                  <a:noFill/>
-                </a:ln>
-                <a:solidFill>
-                  <a:srgbClr val="000000"/>
-                </a:solidFill>
-                <a:effectLst/>
-                <a:cs typeface="Arial" panose="020B0604020202020204" pitchFamily="34" charset="0"/>
-              </a:rPr>
-              <a:t>sp</a:t>
-            </a:r>
-            <a:r>
-              <a:rPr kumimoji="0" lang="en-US" altLang="ko-KR" sz="800" b="0" i="0" u="none" strike="noStrike" cap="none" normalizeH="0" baseline="0" dirty="0">
-                <a:ln>
-                  <a:noFill/>
-                </a:ln>
-                <a:solidFill>
-                  <a:srgbClr val="000000"/>
-                </a:solidFill>
-                <a:effectLst/>
-                <a:cs typeface="Arial" panose="020B0604020202020204" pitchFamily="34" charset="0"/>
-              </a:rPr>
-              <a:t>-gr.</a:t>
-            </a:r>
-            <a:endParaRPr kumimoji="0" lang="ko-KR" altLang="ko-KR" sz="2800" b="0" i="0" u="none" strike="noStrike" cap="none" normalizeH="0" baseline="0" dirty="0">
+              <a:rPr kumimoji="0" lang="en-US" altLang="ko-KR" sz="800" b="0" i="0" u="none" strike="noStrike" cap="none" normalizeH="0" baseline="0">
+                <a:ln>
+                  <a:noFill/>
+                </a:ln>
+                <a:solidFill>
+                  <a:srgbClr val="000000"/>
+                </a:solidFill>
+                <a:effectLst/>
+                <a:cs typeface="Arial" panose="020B0604020202020204" pitchFamily="34" charset="0"/>
+              </a:rPr>
+              <a:t>sp-gr.</a:t>
+            </a:r>
+            <a:endParaRPr kumimoji="0" lang="ko-KR" altLang="ko-KR" sz="2800" b="0" i="0" u="none" strike="noStrike" cap="none" normalizeH="0" baseline="0">
               <a:ln>
                 <a:noFill/>
               </a:ln>
@@ -23515,7 +22896,7 @@
               <a:tabLst/>
             </a:pPr>
             <a:r>
-              <a:rPr kumimoji="0" lang="ko-KR" altLang="ko-KR" sz="800" b="0" i="1" u="none" strike="noStrike" cap="none" normalizeH="0" baseline="0" dirty="0">
+              <a:rPr kumimoji="0" lang="ko-KR" altLang="ko-KR" sz="800" b="0" i="1" u="none" strike="noStrike" cap="none" normalizeH="0" baseline="0">
                 <a:ln>
                   <a:noFill/>
                 </a:ln>
@@ -23528,7 +22909,7 @@
               <a:t> </a:t>
             </a:r>
             <a:r>
-              <a:rPr kumimoji="0" lang="en-US" altLang="ko-KR" sz="800" b="0" i="1" u="none" strike="noStrike" cap="none" normalizeH="0" baseline="0" dirty="0">
+              <a:rPr kumimoji="0" lang="en-US" altLang="ko-KR" sz="800" b="0" i="1" u="none" strike="noStrike" cap="none" normalizeH="0" baseline="0">
                 <a:ln>
                   <a:noFill/>
                 </a:ln>
@@ -23541,7 +22922,7 @@
               <a:t>S. </a:t>
             </a:r>
             <a:r>
-              <a:rPr kumimoji="0" lang="ko-KR" altLang="ko-KR" sz="800" b="0" i="1" u="none" strike="noStrike" cap="none" normalizeH="0" baseline="0" dirty="0" err="1">
+              <a:rPr kumimoji="0" lang="ko-KR" altLang="ko-KR" sz="800" b="0" i="1" u="none" strike="noStrike" cap="none" normalizeH="0" baseline="0" err="1">
                 <a:ln>
                   <a:noFill/>
                 </a:ln>
@@ -23554,7 +22935,7 @@
               <a:t>lutea</a:t>
             </a:r>
             <a:r>
-              <a:rPr kumimoji="0" lang="ko-KR" altLang="en-US" sz="800" b="0" i="1" u="none" strike="noStrike" cap="none" normalizeH="0" baseline="0" dirty="0">
+              <a:rPr kumimoji="0" lang="ko-KR" altLang="en-US" sz="800" b="0" i="1" u="none" strike="noStrike" cap="none" normalizeH="0" baseline="0">
                 <a:ln>
                   <a:noFill/>
                 </a:ln>
@@ -23567,7 +22948,7 @@
               <a:t> </a:t>
             </a:r>
             <a:r>
-              <a:rPr kumimoji="0" lang="en-US" altLang="ko-KR" sz="800" b="0" i="0" u="none" strike="noStrike" cap="none" normalizeH="0" baseline="0" dirty="0">
+              <a:rPr kumimoji="0" lang="en-US" altLang="ko-KR" sz="800" b="0" i="0" u="none" strike="noStrike" cap="none" normalizeH="0" baseline="0">
                 <a:ln>
                   <a:noFill/>
                 </a:ln>
@@ -23580,7 +22961,7 @@
               <a:t>-</a:t>
             </a:r>
             <a:r>
-              <a:rPr kumimoji="0" lang="ko-KR" altLang="ko-KR" sz="800" b="0" i="0" u="none" strike="noStrike" cap="none" normalizeH="0" baseline="0" dirty="0">
+              <a:rPr kumimoji="0" lang="ko-KR" altLang="ko-KR" sz="800" b="0" i="0" u="none" strike="noStrike" cap="none" normalizeH="0" baseline="0">
                 <a:ln>
                   <a:noFill/>
                 </a:ln>
@@ -23593,32 +22974,19 @@
               <a:t>LUTEA </a:t>
             </a:r>
             <a:r>
-              <a:rPr kumimoji="0" lang="en-US" altLang="ko-KR" sz="800" b="0" i="0" u="none" strike="noStrike" cap="none" normalizeH="0" baseline="0" dirty="0" err="1">
-                <a:ln>
-                  <a:noFill/>
-                </a:ln>
-                <a:solidFill>
-                  <a:srgbClr val="000000"/>
-                </a:solidFill>
-                <a:effectLst/>
-                <a:cs typeface="Arial" panose="020B0604020202020204" pitchFamily="34" charset="0"/>
-              </a:rPr>
-              <a:t>sp</a:t>
-            </a:r>
-            <a:r>
-              <a:rPr kumimoji="0" lang="en-US" altLang="ko-KR" sz="800" b="0" i="0" u="none" strike="noStrike" cap="none" normalizeH="0" baseline="0" dirty="0">
-                <a:ln>
-                  <a:noFill/>
-                </a:ln>
-                <a:solidFill>
-                  <a:srgbClr val="000000"/>
-                </a:solidFill>
-                <a:effectLst/>
-                <a:cs typeface="Arial" panose="020B0604020202020204" pitchFamily="34" charset="0"/>
-              </a:rPr>
-              <a:t>-gr.</a:t>
-            </a:r>
-            <a:endParaRPr kumimoji="0" lang="ko-KR" altLang="ko-KR" sz="2800" b="0" i="0" u="none" strike="noStrike" cap="none" normalizeH="0" baseline="0" dirty="0">
+              <a:rPr kumimoji="0" lang="en-US" altLang="ko-KR" sz="800" b="0" i="0" u="none" strike="noStrike" cap="none" normalizeH="0" baseline="0">
+                <a:ln>
+                  <a:noFill/>
+                </a:ln>
+                <a:solidFill>
+                  <a:srgbClr val="000000"/>
+                </a:solidFill>
+                <a:effectLst/>
+                <a:cs typeface="Arial" panose="020B0604020202020204" pitchFamily="34" charset="0"/>
+              </a:rPr>
+              <a:t>sp-gr.</a:t>
+            </a:r>
+            <a:endParaRPr kumimoji="0" lang="ko-KR" altLang="ko-KR" sz="2800" b="0" i="0" u="none" strike="noStrike" cap="none" normalizeH="0" baseline="0">
               <a:ln>
                 <a:noFill/>
               </a:ln>
@@ -23994,7 +23362,7 @@
               <a:tabLst/>
             </a:pPr>
             <a:r>
-              <a:rPr kumimoji="0" lang="ko-KR" altLang="ko-KR" sz="800" i="1" u="none" strike="noStrike" cap="none" normalizeH="0" baseline="0" dirty="0">
+              <a:rPr kumimoji="0" lang="ko-KR" altLang="ko-KR" sz="800" i="1" u="none" strike="noStrike" cap="none" normalizeH="0" baseline="0">
                 <a:ln>
                   <a:noFill/>
                 </a:ln>
@@ -24007,7 +23375,7 @@
               <a:t> </a:t>
             </a:r>
             <a:r>
-              <a:rPr kumimoji="0" lang="en-US" altLang="ko-KR" sz="800" i="1" u="none" strike="noStrike" cap="none" normalizeH="0" baseline="0" dirty="0">
+              <a:rPr kumimoji="0" lang="en-US" altLang="ko-KR" sz="800" i="1" u="none" strike="noStrike" cap="none" normalizeH="0" baseline="0">
                 <a:ln>
                   <a:noFill/>
                 </a:ln>
@@ -24020,7 +23388,7 @@
               <a:t>S. </a:t>
             </a:r>
             <a:r>
-              <a:rPr kumimoji="0" lang="ko-KR" altLang="ko-KR" sz="800" i="1" u="none" strike="noStrike" cap="none" normalizeH="0" baseline="0" dirty="0" err="1">
+              <a:rPr kumimoji="0" lang="ko-KR" altLang="ko-KR" sz="800" i="1" u="none" strike="noStrike" cap="none" normalizeH="0" baseline="0" err="1">
                 <a:ln>
                   <a:noFill/>
                 </a:ln>
@@ -24033,7 +23401,7 @@
               <a:t>havanensis</a:t>
             </a:r>
             <a:r>
-              <a:rPr kumimoji="0" lang="ko-KR" altLang="en-US" sz="800" i="1" u="none" strike="noStrike" cap="none" normalizeH="0" baseline="0" dirty="0">
+              <a:rPr kumimoji="0" lang="ko-KR" altLang="en-US" sz="800" i="1" u="none" strike="noStrike" cap="none" normalizeH="0" baseline="0">
                 <a:ln>
                   <a:noFill/>
                 </a:ln>
@@ -24046,7 +23414,7 @@
               <a:t> </a:t>
             </a:r>
             <a:r>
-              <a:rPr kumimoji="0" lang="en-US" altLang="ko-KR" sz="800" b="0" i="0" u="none" strike="noStrike" cap="none" normalizeH="0" baseline="0" dirty="0">
+              <a:rPr kumimoji="0" lang="en-US" altLang="ko-KR" sz="800" b="0" i="0" u="none" strike="noStrike" cap="none" normalizeH="0" baseline="0">
                 <a:ln>
                   <a:noFill/>
                 </a:ln>
@@ -24059,7 +23427,7 @@
               <a:t>-</a:t>
             </a:r>
             <a:r>
-              <a:rPr kumimoji="0" lang="ko-KR" altLang="ko-KR" sz="800" b="0" i="0" u="none" strike="noStrike" cap="none" normalizeH="0" baseline="0" dirty="0">
+              <a:rPr kumimoji="0" lang="ko-KR" altLang="ko-KR" sz="800" b="0" i="0" u="none" strike="noStrike" cap="none" normalizeH="0" baseline="0">
                 <a:ln>
                   <a:noFill/>
                 </a:ln>
@@ -24072,45 +23440,19 @@
               <a:t>HAVANENSI</a:t>
             </a:r>
             <a:r>
-              <a:rPr kumimoji="0" lang="en-US" altLang="ko-KR" sz="800" b="0" i="0" u="none" strike="noStrike" cap="none" normalizeH="0" baseline="0" dirty="0">
-                <a:ln>
-                  <a:noFill/>
-                </a:ln>
-                <a:solidFill>
-                  <a:srgbClr val="000000"/>
-                </a:solidFill>
-                <a:effectLst/>
-                <a:cs typeface="Arial" panose="020B0604020202020204" pitchFamily="34" charset="0"/>
-              </a:rPr>
-              <a:t>S </a:t>
-            </a:r>
-            <a:r>
-              <a:rPr kumimoji="0" lang="en-US" altLang="ko-KR" sz="800" b="0" i="0" u="none" strike="noStrike" cap="none" normalizeH="0" baseline="0" dirty="0" err="1">
-                <a:ln>
-                  <a:noFill/>
-                </a:ln>
-                <a:solidFill>
-                  <a:srgbClr val="000000"/>
-                </a:solidFill>
-                <a:effectLst/>
-                <a:cs typeface="Arial" panose="020B0604020202020204" pitchFamily="34" charset="0"/>
-              </a:rPr>
-              <a:t>sp</a:t>
-            </a:r>
-            <a:r>
-              <a:rPr kumimoji="0" lang="en-US" altLang="ko-KR" sz="800" b="0" i="0" u="none" strike="noStrike" cap="none" normalizeH="0" baseline="0" dirty="0">
-                <a:ln>
-                  <a:noFill/>
-                </a:ln>
-                <a:solidFill>
-                  <a:srgbClr val="000000"/>
-                </a:solidFill>
-                <a:effectLst/>
-                <a:cs typeface="Arial" panose="020B0604020202020204" pitchFamily="34" charset="0"/>
-              </a:rPr>
-              <a:t>-gr.</a:t>
-            </a:r>
-            <a:endParaRPr kumimoji="0" lang="ko-KR" altLang="ko-KR" sz="2800" b="0" i="0" u="none" strike="noStrike" cap="none" normalizeH="0" baseline="0" dirty="0">
+              <a:rPr kumimoji="0" lang="en-US" altLang="ko-KR" sz="800" b="0" i="0" u="none" strike="noStrike" cap="none" normalizeH="0" baseline="0">
+                <a:ln>
+                  <a:noFill/>
+                </a:ln>
+                <a:solidFill>
+                  <a:srgbClr val="000000"/>
+                </a:solidFill>
+                <a:effectLst/>
+                <a:cs typeface="Arial" panose="020B0604020202020204" pitchFamily="34" charset="0"/>
+              </a:rPr>
+              <a:t>S sp-gr.</a:t>
+            </a:r>
+            <a:endParaRPr kumimoji="0" lang="ko-KR" altLang="ko-KR" sz="2800" b="0" i="0" u="none" strike="noStrike" cap="none" normalizeH="0" baseline="0">
               <a:ln>
                 <a:noFill/>
               </a:ln>
@@ -24486,7 +23828,7 @@
               <a:tabLst/>
             </a:pPr>
             <a:r>
-              <a:rPr kumimoji="0" lang="ko-KR" altLang="ko-KR" sz="800" b="0" i="1" u="none" strike="noStrike" cap="none" normalizeH="0" baseline="0" dirty="0">
+              <a:rPr kumimoji="0" lang="ko-KR" altLang="ko-KR" sz="800" b="0" i="1" u="none" strike="noStrike" cap="none" normalizeH="0" baseline="0">
                 <a:ln>
                   <a:noFill/>
                 </a:ln>
@@ -24499,7 +23841,7 @@
               <a:t> </a:t>
             </a:r>
             <a:r>
-              <a:rPr kumimoji="0" lang="en-US" altLang="ko-KR" sz="800" b="0" i="1" u="none" strike="noStrike" cap="none" normalizeH="0" baseline="0" dirty="0">
+              <a:rPr kumimoji="0" lang="en-US" altLang="ko-KR" sz="800" b="0" i="1" u="none" strike="noStrike" cap="none" normalizeH="0" baseline="0">
                 <a:ln>
                   <a:noFill/>
                 </a:ln>
@@ -24512,7 +23854,7 @@
               <a:t>S. </a:t>
             </a:r>
             <a:r>
-              <a:rPr kumimoji="0" lang="ko-KR" altLang="ko-KR" sz="800" b="0" i="1" u="none" strike="noStrike" cap="none" normalizeH="0" baseline="0" dirty="0" err="1">
+              <a:rPr kumimoji="0" lang="ko-KR" altLang="ko-KR" sz="800" b="0" i="1" u="none" strike="noStrike" cap="none" normalizeH="0" baseline="0" err="1">
                 <a:ln>
                   <a:noFill/>
                 </a:ln>
@@ -24525,7 +23867,7 @@
               <a:t>splendens</a:t>
             </a:r>
             <a:r>
-              <a:rPr kumimoji="0" lang="ko-KR" altLang="en-US" sz="800" b="0" i="1" u="none" strike="noStrike" cap="none" normalizeH="0" baseline="0" dirty="0">
+              <a:rPr kumimoji="0" lang="ko-KR" altLang="en-US" sz="800" b="0" i="1" u="none" strike="noStrike" cap="none" normalizeH="0" baseline="0">
                 <a:ln>
                   <a:noFill/>
                 </a:ln>
@@ -24538,7 +23880,7 @@
               <a:t> </a:t>
             </a:r>
             <a:r>
-              <a:rPr kumimoji="0" lang="en-US" altLang="ko-KR" sz="800" b="0" i="0" u="none" strike="noStrike" cap="none" normalizeH="0" baseline="0" dirty="0">
+              <a:rPr kumimoji="0" lang="en-US" altLang="ko-KR" sz="800" b="0" i="0" u="none" strike="noStrike" cap="none" normalizeH="0" baseline="0">
                 <a:ln>
                   <a:noFill/>
                 </a:ln>
@@ -24551,7 +23893,7 @@
               <a:t>-</a:t>
             </a:r>
             <a:r>
-              <a:rPr kumimoji="0" lang="ko-KR" altLang="ko-KR" sz="800" b="0" i="0" u="none" strike="noStrike" cap="none" normalizeH="0" baseline="0" dirty="0">
+              <a:rPr kumimoji="0" lang="ko-KR" altLang="ko-KR" sz="800" b="0" i="0" u="none" strike="noStrike" cap="none" normalizeH="0" baseline="0">
                 <a:ln>
                   <a:noFill/>
                 </a:ln>
@@ -24564,32 +23906,19 @@
               <a:t>SPECIOSA </a:t>
             </a:r>
             <a:r>
-              <a:rPr kumimoji="0" lang="en-US" altLang="ko-KR" sz="800" b="0" i="0" u="none" strike="noStrike" cap="none" normalizeH="0" baseline="0" dirty="0" err="1">
-                <a:ln>
-                  <a:noFill/>
-                </a:ln>
-                <a:solidFill>
-                  <a:srgbClr val="000000"/>
-                </a:solidFill>
-                <a:effectLst/>
-                <a:cs typeface="Arial" panose="020B0604020202020204" pitchFamily="34" charset="0"/>
-              </a:rPr>
-              <a:t>sp</a:t>
-            </a:r>
-            <a:r>
-              <a:rPr kumimoji="0" lang="en-US" altLang="ko-KR" sz="800" b="0" i="0" u="none" strike="noStrike" cap="none" normalizeH="0" baseline="0" dirty="0">
-                <a:ln>
-                  <a:noFill/>
-                </a:ln>
-                <a:solidFill>
-                  <a:srgbClr val="000000"/>
-                </a:solidFill>
-                <a:effectLst/>
-                <a:cs typeface="Arial" panose="020B0604020202020204" pitchFamily="34" charset="0"/>
-              </a:rPr>
-              <a:t>-gr.</a:t>
-            </a:r>
-            <a:endParaRPr kumimoji="0" lang="ko-KR" altLang="ko-KR" sz="2800" b="0" i="0" u="none" strike="noStrike" cap="none" normalizeH="0" baseline="0" dirty="0">
+              <a:rPr kumimoji="0" lang="en-US" altLang="ko-KR" sz="800" b="0" i="0" u="none" strike="noStrike" cap="none" normalizeH="0" baseline="0">
+                <a:ln>
+                  <a:noFill/>
+                </a:ln>
+                <a:solidFill>
+                  <a:srgbClr val="000000"/>
+                </a:solidFill>
+                <a:effectLst/>
+                <a:cs typeface="Arial" panose="020B0604020202020204" pitchFamily="34" charset="0"/>
+              </a:rPr>
+              <a:t>sp-gr.</a:t>
+            </a:r>
+            <a:endParaRPr kumimoji="0" lang="ko-KR" altLang="ko-KR" sz="2800" b="0" i="0" u="none" strike="noStrike" cap="none" normalizeH="0" baseline="0">
               <a:ln>
                 <a:noFill/>
               </a:ln>
@@ -25135,7 +24464,7 @@
               <a:tabLst/>
             </a:pPr>
             <a:r>
-              <a:rPr kumimoji="0" lang="ko-KR" altLang="ko-KR" sz="800" b="0" i="0" u="none" strike="noStrike" cap="none" normalizeH="0" baseline="0" dirty="0">
+              <a:rPr kumimoji="0" lang="ko-KR" altLang="ko-KR" sz="800" b="0" i="0" u="none" strike="noStrike" cap="none" normalizeH="0" baseline="0">
                 <a:ln>
                   <a:noFill/>
                 </a:ln>
@@ -25148,7 +24477,7 @@
               <a:t> </a:t>
             </a:r>
             <a:r>
-              <a:rPr kumimoji="0" lang="en-US" altLang="ko-KR" sz="800" b="0" i="1" u="none" strike="noStrike" cap="none" normalizeH="0" baseline="0" dirty="0">
+              <a:rPr kumimoji="0" lang="en-US" altLang="ko-KR" sz="800" b="0" i="1" u="none" strike="noStrike" cap="none" normalizeH="0" baseline="0">
                 <a:ln>
                   <a:noFill/>
                 </a:ln>
@@ -25161,7 +24490,7 @@
               <a:t>S. </a:t>
             </a:r>
             <a:r>
-              <a:rPr kumimoji="0" lang="ko-KR" altLang="ko-KR" sz="800" b="0" i="1" u="none" strike="noStrike" cap="none" normalizeH="0" baseline="0" dirty="0" err="1">
+              <a:rPr kumimoji="0" lang="ko-KR" altLang="ko-KR" sz="800" b="0" i="1" u="none" strike="noStrike" cap="none" normalizeH="0" baseline="0" err="1">
                 <a:ln>
                   <a:noFill/>
                 </a:ln>
@@ -25174,7 +24503,7 @@
               <a:t>altissima</a:t>
             </a:r>
             <a:r>
-              <a:rPr kumimoji="0" lang="ko-KR" altLang="en-US" sz="800" b="0" i="1" u="none" strike="noStrike" cap="none" normalizeH="0" baseline="0" dirty="0">
+              <a:rPr kumimoji="0" lang="ko-KR" altLang="en-US" sz="800" b="0" i="1" u="none" strike="noStrike" cap="none" normalizeH="0" baseline="0">
                 <a:ln>
                   <a:noFill/>
                 </a:ln>
@@ -25187,7 +24516,7 @@
               <a:t> </a:t>
             </a:r>
             <a:r>
-              <a:rPr kumimoji="0" lang="en-US" altLang="ko-KR" sz="800" b="0" i="0" u="none" strike="noStrike" cap="none" normalizeH="0" baseline="0" dirty="0">
+              <a:rPr kumimoji="0" lang="en-US" altLang="ko-KR" sz="800" b="0" i="0" u="none" strike="noStrike" cap="none" normalizeH="0" baseline="0">
                 <a:ln>
                   <a:noFill/>
                 </a:ln>
@@ -25200,7 +24529,7 @@
               <a:t>-</a:t>
             </a:r>
             <a:r>
-              <a:rPr kumimoji="0" lang="ko-KR" altLang="ko-KR" sz="800" b="0" i="0" u="none" strike="noStrike" cap="none" normalizeH="0" baseline="0" dirty="0">
+              <a:rPr kumimoji="0" lang="ko-KR" altLang="ko-KR" sz="800" b="0" i="0" u="none" strike="noStrike" cap="none" normalizeH="0" baseline="0">
                 <a:ln>
                   <a:noFill/>
                 </a:ln>
@@ -25213,32 +24542,19 @@
               <a:t>ALBIDA </a:t>
             </a:r>
             <a:r>
-              <a:rPr kumimoji="0" lang="en-US" altLang="ko-KR" sz="800" b="0" i="0" u="none" strike="noStrike" cap="none" normalizeH="0" baseline="0" dirty="0" err="1">
-                <a:ln>
-                  <a:noFill/>
-                </a:ln>
-                <a:solidFill>
-                  <a:srgbClr val="000000"/>
-                </a:solidFill>
-                <a:effectLst/>
-                <a:cs typeface="Arial" panose="020B0604020202020204" pitchFamily="34" charset="0"/>
-              </a:rPr>
-              <a:t>sp</a:t>
-            </a:r>
-            <a:r>
-              <a:rPr kumimoji="0" lang="en-US" altLang="ko-KR" sz="800" b="0" i="0" u="none" strike="noStrike" cap="none" normalizeH="0" baseline="0" dirty="0">
-                <a:ln>
-                  <a:noFill/>
-                </a:ln>
-                <a:solidFill>
-                  <a:srgbClr val="000000"/>
-                </a:solidFill>
-                <a:effectLst/>
-                <a:cs typeface="Arial" panose="020B0604020202020204" pitchFamily="34" charset="0"/>
-              </a:rPr>
-              <a:t>-gr.</a:t>
-            </a:r>
-            <a:endParaRPr kumimoji="0" lang="ko-KR" altLang="ko-KR" sz="2800" b="0" i="0" u="none" strike="noStrike" cap="none" normalizeH="0" baseline="0" dirty="0">
+              <a:rPr kumimoji="0" lang="en-US" altLang="ko-KR" sz="800" b="0" i="0" u="none" strike="noStrike" cap="none" normalizeH="0" baseline="0">
+                <a:ln>
+                  <a:noFill/>
+                </a:ln>
+                <a:solidFill>
+                  <a:srgbClr val="000000"/>
+                </a:solidFill>
+                <a:effectLst/>
+                <a:cs typeface="Arial" panose="020B0604020202020204" pitchFamily="34" charset="0"/>
+              </a:rPr>
+              <a:t>sp-gr.</a:t>
+            </a:r>
+            <a:endParaRPr kumimoji="0" lang="ko-KR" altLang="ko-KR" sz="2800" b="0" i="0" u="none" strike="noStrike" cap="none" normalizeH="0" baseline="0">
               <a:ln>
                 <a:noFill/>
               </a:ln>
@@ -25529,7 +24845,7 @@
               <a:tabLst/>
             </a:pPr>
             <a:r>
-              <a:rPr kumimoji="0" lang="ko-KR" altLang="ko-KR" sz="800" b="0" i="1" u="none" strike="noStrike" cap="none" normalizeH="0" baseline="0" dirty="0">
+              <a:rPr kumimoji="0" lang="ko-KR" altLang="ko-KR" sz="800" b="0" i="1" u="none" strike="noStrike" cap="none" normalizeH="0" baseline="0">
                 <a:ln>
                   <a:noFill/>
                 </a:ln>
@@ -25542,7 +24858,7 @@
               <a:t> </a:t>
             </a:r>
             <a:r>
-              <a:rPr kumimoji="0" lang="en-US" altLang="ko-KR" sz="800" b="0" i="1" u="none" strike="noStrike" cap="none" normalizeH="0" baseline="0" dirty="0">
+              <a:rPr kumimoji="0" lang="en-US" altLang="ko-KR" sz="800" b="0" i="1" u="none" strike="noStrike" cap="none" normalizeH="0" baseline="0">
                 <a:ln>
                   <a:noFill/>
                 </a:ln>
@@ -25555,7 +24871,7 @@
               <a:t>S. </a:t>
             </a:r>
             <a:r>
-              <a:rPr kumimoji="0" lang="ko-KR" altLang="ko-KR" sz="800" b="0" i="1" u="none" strike="noStrike" cap="none" normalizeH="0" baseline="0" dirty="0" err="1">
+              <a:rPr kumimoji="0" lang="ko-KR" altLang="ko-KR" sz="800" b="0" i="1" u="none" strike="noStrike" cap="none" normalizeH="0" baseline="0" err="1">
                 <a:ln>
                   <a:noFill/>
                 </a:ln>
@@ -25568,7 +24884,7 @@
               <a:t>tournefortii</a:t>
             </a:r>
             <a:r>
-              <a:rPr kumimoji="0" lang="ko-KR" altLang="en-US" sz="800" b="0" i="1" u="none" strike="noStrike" cap="none" normalizeH="0" baseline="0" dirty="0">
+              <a:rPr kumimoji="0" lang="ko-KR" altLang="en-US" sz="800" b="0" i="1" u="none" strike="noStrike" cap="none" normalizeH="0" baseline="0">
                 <a:ln>
                   <a:noFill/>
                 </a:ln>
@@ -25581,7 +24897,7 @@
               <a:t> </a:t>
             </a:r>
             <a:r>
-              <a:rPr kumimoji="0" lang="en-US" altLang="ko-KR" sz="800" b="0" i="0" u="none" strike="noStrike" cap="none" normalizeH="0" baseline="0" dirty="0">
+              <a:rPr kumimoji="0" lang="en-US" altLang="ko-KR" sz="800" b="0" i="0" u="none" strike="noStrike" cap="none" normalizeH="0" baseline="0">
                 <a:ln>
                   <a:noFill/>
                 </a:ln>
@@ -25594,7 +24910,7 @@
               <a:t>-</a:t>
             </a:r>
             <a:r>
-              <a:rPr kumimoji="0" lang="ko-KR" altLang="ko-KR" sz="800" b="0" i="0" u="none" strike="noStrike" cap="none" normalizeH="0" baseline="0" dirty="0">
+              <a:rPr kumimoji="0" lang="ko-KR" altLang="ko-KR" sz="800" b="0" i="0" u="none" strike="noStrike" cap="none" normalizeH="0" baseline="0">
                 <a:ln>
                   <a:noFill/>
                 </a:ln>
@@ -25607,32 +24923,19 @@
               <a:t>ALBIDA </a:t>
             </a:r>
             <a:r>
-              <a:rPr kumimoji="0" lang="en-US" altLang="ko-KR" sz="800" b="0" i="0" u="none" strike="noStrike" cap="none" normalizeH="0" baseline="0" dirty="0" err="1">
-                <a:ln>
-                  <a:noFill/>
-                </a:ln>
-                <a:solidFill>
-                  <a:srgbClr val="000000"/>
-                </a:solidFill>
-                <a:effectLst/>
-                <a:cs typeface="Arial" panose="020B0604020202020204" pitchFamily="34" charset="0"/>
-              </a:rPr>
-              <a:t>sp</a:t>
-            </a:r>
-            <a:r>
-              <a:rPr kumimoji="0" lang="en-US" altLang="ko-KR" sz="800" b="0" i="0" u="none" strike="noStrike" cap="none" normalizeH="0" baseline="0" dirty="0">
-                <a:ln>
-                  <a:noFill/>
-                </a:ln>
-                <a:solidFill>
-                  <a:srgbClr val="000000"/>
-                </a:solidFill>
-                <a:effectLst/>
-                <a:cs typeface="Arial" panose="020B0604020202020204" pitchFamily="34" charset="0"/>
-              </a:rPr>
-              <a:t>-gr.</a:t>
-            </a:r>
-            <a:endParaRPr kumimoji="0" lang="ko-KR" altLang="ko-KR" sz="2800" b="0" i="0" u="none" strike="noStrike" cap="none" normalizeH="0" baseline="0" dirty="0">
+              <a:rPr kumimoji="0" lang="en-US" altLang="ko-KR" sz="800" b="0" i="0" u="none" strike="noStrike" cap="none" normalizeH="0" baseline="0">
+                <a:ln>
+                  <a:noFill/>
+                </a:ln>
+                <a:solidFill>
+                  <a:srgbClr val="000000"/>
+                </a:solidFill>
+                <a:effectLst/>
+                <a:cs typeface="Arial" panose="020B0604020202020204" pitchFamily="34" charset="0"/>
+              </a:rPr>
+              <a:t>sp-gr.</a:t>
+            </a:r>
+            <a:endParaRPr kumimoji="0" lang="ko-KR" altLang="ko-KR" sz="2800" b="0" i="0" u="none" strike="noStrike" cap="none" normalizeH="0" baseline="0">
               <a:ln>
                 <a:noFill/>
               </a:ln>
@@ -26008,7 +25311,7 @@
               <a:tabLst/>
             </a:pPr>
             <a:r>
-              <a:rPr kumimoji="0" lang="ko-KR" altLang="ko-KR" sz="800" b="0" i="1" u="none" strike="noStrike" cap="none" normalizeH="0" baseline="0" dirty="0">
+              <a:rPr kumimoji="0" lang="ko-KR" altLang="ko-KR" sz="800" b="0" i="1" u="none" strike="noStrike" cap="none" normalizeH="0" baseline="0">
                 <a:ln>
                   <a:noFill/>
                 </a:ln>
@@ -26021,7 +25324,7 @@
               <a:t> </a:t>
             </a:r>
             <a:r>
-              <a:rPr kumimoji="0" lang="en-US" altLang="ko-KR" sz="800" b="0" i="1" u="none" strike="noStrike" cap="none" normalizeH="0" baseline="0" dirty="0">
+              <a:rPr kumimoji="0" lang="en-US" altLang="ko-KR" sz="800" b="0" i="1" u="none" strike="noStrike" cap="none" normalizeH="0" baseline="0">
                 <a:ln>
                   <a:noFill/>
                 </a:ln>
@@ -26034,7 +25337,7 @@
               <a:t>S. </a:t>
             </a:r>
             <a:r>
-              <a:rPr kumimoji="0" lang="ko-KR" altLang="ko-KR" sz="800" b="0" i="1" u="none" strike="noStrike" cap="none" normalizeH="0" baseline="0" dirty="0" err="1">
+              <a:rPr kumimoji="0" lang="ko-KR" altLang="ko-KR" sz="800" b="0" i="1" u="none" strike="noStrike" cap="none" normalizeH="0" baseline="0" err="1">
                 <a:ln>
                   <a:noFill/>
                 </a:ln>
@@ -26047,7 +25350,7 @@
               <a:t>heterophylla</a:t>
             </a:r>
             <a:r>
-              <a:rPr kumimoji="0" lang="ko-KR" altLang="en-US" sz="800" b="0" i="1" u="none" strike="noStrike" cap="none" normalizeH="0" baseline="0" dirty="0">
+              <a:rPr kumimoji="0" lang="ko-KR" altLang="en-US" sz="800" b="0" i="1" u="none" strike="noStrike" cap="none" normalizeH="0" baseline="0">
                 <a:ln>
                   <a:noFill/>
                 </a:ln>
@@ -26060,7 +25363,7 @@
               <a:t> </a:t>
             </a:r>
             <a:r>
-              <a:rPr kumimoji="0" lang="en-US" altLang="ko-KR" sz="800" b="0" i="0" u="none" strike="noStrike" cap="none" normalizeH="0" baseline="0" dirty="0">
+              <a:rPr kumimoji="0" lang="en-US" altLang="ko-KR" sz="800" b="0" i="0" u="none" strike="noStrike" cap="none" normalizeH="0" baseline="0">
                 <a:ln>
                   <a:noFill/>
                 </a:ln>
@@ -26073,7 +25376,7 @@
               <a:t>-</a:t>
             </a:r>
             <a:r>
-              <a:rPr kumimoji="0" lang="ko-KR" altLang="ko-KR" sz="800" b="0" i="0" u="none" strike="noStrike" cap="none" normalizeH="0" baseline="0" dirty="0" err="1">
+              <a:rPr kumimoji="0" lang="ko-KR" altLang="ko-KR" sz="800" b="0" i="0" u="none" strike="noStrike" cap="none" normalizeH="0" baseline="0" err="1">
                 <a:ln>
                   <a:noFill/>
                 </a:ln>
@@ -26086,7 +25389,7 @@
               <a:t>Sect</a:t>
             </a:r>
             <a:r>
-              <a:rPr kumimoji="0" lang="ko-KR" altLang="ko-KR" sz="800" b="0" i="0" u="none" strike="noStrike" cap="none" normalizeH="0" baseline="0" dirty="0">
+              <a:rPr kumimoji="0" lang="ko-KR" altLang="ko-KR" sz="800" b="0" i="0" u="none" strike="noStrike" cap="none" normalizeH="0" baseline="0">
                 <a:ln>
                   <a:noFill/>
                 </a:ln>
@@ -26098,7 +25401,7 @@
               </a:rPr>
               <a:t> SALVIIFOLIAE</a:t>
             </a:r>
-            <a:endParaRPr kumimoji="0" lang="ko-KR" altLang="ko-KR" sz="2800" b="0" i="0" u="none" strike="noStrike" cap="none" normalizeH="0" baseline="0" dirty="0">
+            <a:endParaRPr kumimoji="0" lang="ko-KR" altLang="ko-KR" sz="2800" b="0" i="0" u="none" strike="noStrike" cap="none" normalizeH="0" baseline="0">
               <a:ln>
                 <a:noFill/>
               </a:ln>
@@ -26474,7 +25777,7 @@
               <a:tabLst/>
             </a:pPr>
             <a:r>
-              <a:rPr kumimoji="0" lang="ko-KR" altLang="ko-KR" sz="800" b="0" i="1" u="none" strike="noStrike" cap="none" normalizeH="0" baseline="0" dirty="0">
+              <a:rPr kumimoji="0" lang="ko-KR" altLang="ko-KR" sz="800" b="0" i="1" u="none" strike="noStrike" cap="none" normalizeH="0" baseline="0">
                 <a:ln>
                   <a:noFill/>
                 </a:ln>
@@ -26487,7 +25790,7 @@
               <a:t> </a:t>
             </a:r>
             <a:r>
-              <a:rPr kumimoji="0" lang="en-US" altLang="ko-KR" sz="800" b="0" i="1" u="none" strike="noStrike" cap="none" normalizeH="0" baseline="0" dirty="0">
+              <a:rPr kumimoji="0" lang="en-US" altLang="ko-KR" sz="800" b="0" i="1" u="none" strike="noStrike" cap="none" normalizeH="0" baseline="0">
                 <a:ln>
                   <a:noFill/>
                 </a:ln>
@@ -26500,7 +25803,7 @@
               <a:t>S. </a:t>
             </a:r>
             <a:r>
-              <a:rPr kumimoji="0" lang="ko-KR" altLang="ko-KR" sz="800" b="0" i="1" u="none" strike="noStrike" cap="none" normalizeH="0" baseline="0" dirty="0" err="1">
+              <a:rPr kumimoji="0" lang="ko-KR" altLang="ko-KR" sz="800" b="0" i="1" u="none" strike="noStrike" cap="none" normalizeH="0" baseline="0" err="1">
                 <a:ln>
                   <a:noFill/>
                 </a:ln>
@@ -26513,7 +25816,7 @@
               <a:t>oblonga</a:t>
             </a:r>
             <a:r>
-              <a:rPr kumimoji="0" lang="ko-KR" altLang="en-US" sz="800" b="0" i="1" u="none" strike="noStrike" cap="none" normalizeH="0" baseline="0" dirty="0">
+              <a:rPr kumimoji="0" lang="ko-KR" altLang="en-US" sz="800" b="0" i="1" u="none" strike="noStrike" cap="none" normalizeH="0" baseline="0">
                 <a:ln>
                   <a:noFill/>
                 </a:ln>
@@ -26526,7 +25829,7 @@
               <a:t> </a:t>
             </a:r>
             <a:r>
-              <a:rPr kumimoji="0" lang="en-US" altLang="ko-KR" sz="800" b="0" i="0" u="none" strike="noStrike" cap="none" normalizeH="0" baseline="0" dirty="0">
+              <a:rPr kumimoji="0" lang="en-US" altLang="ko-KR" sz="800" b="0" i="0" u="none" strike="noStrike" cap="none" normalizeH="0" baseline="0">
                 <a:ln>
                   <a:noFill/>
                 </a:ln>
@@ -26539,7 +25842,7 @@
               <a:t>-</a:t>
             </a:r>
             <a:r>
-              <a:rPr kumimoji="0" lang="ko-KR" altLang="ko-KR" sz="800" b="0" i="0" u="none" strike="noStrike" cap="none" normalizeH="0" baseline="0" dirty="0" err="1">
+              <a:rPr kumimoji="0" lang="ko-KR" altLang="ko-KR" sz="800" b="0" i="0" u="none" strike="noStrike" cap="none" normalizeH="0" baseline="0" err="1">
                 <a:ln>
                   <a:noFill/>
                 </a:ln>
@@ -26551,7 +25854,7 @@
               </a:rPr>
               <a:t>Q</a:t>
             </a:r>
-            <a:endParaRPr kumimoji="0" lang="ko-KR" altLang="ko-KR" sz="2800" b="0" i="0" u="none" strike="noStrike" cap="none" normalizeH="0" baseline="0" dirty="0">
+            <a:endParaRPr kumimoji="0" lang="ko-KR" altLang="ko-KR" sz="2800" b="0" i="0" u="none" strike="noStrike" cap="none" normalizeH="0" baseline="0">
               <a:ln>
                 <a:noFill/>
               </a:ln>
@@ -26842,7 +26145,7 @@
               <a:tabLst/>
             </a:pPr>
             <a:r>
-              <a:rPr kumimoji="0" lang="ko-KR" altLang="ko-KR" sz="800" b="0" i="1" u="none" strike="noStrike" cap="none" normalizeH="0" baseline="0" dirty="0">
+              <a:rPr kumimoji="0" lang="ko-KR" altLang="ko-KR" sz="800" b="0" i="1" u="none" strike="noStrike" cap="none" normalizeH="0" baseline="0">
                 <a:ln>
                   <a:noFill/>
                 </a:ln>
@@ -26855,7 +26158,7 @@
               <a:t> </a:t>
             </a:r>
             <a:r>
-              <a:rPr kumimoji="0" lang="en-US" altLang="ko-KR" sz="800" b="0" i="1" u="none" strike="noStrike" cap="none" normalizeH="0" baseline="0" dirty="0">
+              <a:rPr kumimoji="0" lang="en-US" altLang="ko-KR" sz="800" b="0" i="1" u="none" strike="noStrike" cap="none" normalizeH="0" baseline="0">
                 <a:ln>
                   <a:noFill/>
                 </a:ln>
@@ -26868,7 +26171,7 @@
               <a:t>S. </a:t>
             </a:r>
             <a:r>
-              <a:rPr kumimoji="0" lang="ko-KR" altLang="ko-KR" sz="800" b="0" i="1" u="none" strike="noStrike" cap="none" normalizeH="0" baseline="0" dirty="0" err="1">
+              <a:rPr kumimoji="0" lang="ko-KR" altLang="ko-KR" sz="800" b="0" i="1" u="none" strike="noStrike" cap="none" normalizeH="0" baseline="0" err="1">
                 <a:ln>
                   <a:noFill/>
                 </a:ln>
@@ -26881,7 +26184,7 @@
               <a:t>purpurascens</a:t>
             </a:r>
             <a:r>
-              <a:rPr kumimoji="0" lang="ko-KR" altLang="en-US" sz="800" b="0" i="1" u="none" strike="noStrike" cap="none" normalizeH="0" baseline="0" dirty="0">
+              <a:rPr kumimoji="0" lang="ko-KR" altLang="en-US" sz="800" b="0" i="1" u="none" strike="noStrike" cap="none" normalizeH="0" baseline="0">
                 <a:ln>
                   <a:noFill/>
                 </a:ln>
@@ -26894,7 +26197,7 @@
               <a:t> </a:t>
             </a:r>
             <a:r>
-              <a:rPr kumimoji="0" lang="en-US" altLang="ko-KR" sz="800" b="0" i="0" u="none" strike="noStrike" cap="none" normalizeH="0" baseline="0" dirty="0">
+              <a:rPr kumimoji="0" lang="en-US" altLang="ko-KR" sz="800" b="0" i="0" u="none" strike="noStrike" cap="none" normalizeH="0" baseline="0">
                 <a:ln>
                   <a:noFill/>
                 </a:ln>
@@ -26907,7 +26210,7 @@
               <a:t>-</a:t>
             </a:r>
             <a:r>
-              <a:rPr kumimoji="0" lang="ko-KR" altLang="ko-KR" sz="800" b="0" i="0" u="none" strike="noStrike" cap="none" normalizeH="0" baseline="0" dirty="0">
+              <a:rPr kumimoji="0" lang="ko-KR" altLang="ko-KR" sz="800" b="0" i="0" u="none" strike="noStrike" cap="none" normalizeH="0" baseline="0">
                 <a:ln>
                   <a:noFill/>
                 </a:ln>
@@ -26920,32 +26223,19 @@
               <a:t>ULIGINOSA </a:t>
             </a:r>
             <a:r>
-              <a:rPr kumimoji="0" lang="en-US" altLang="ko-KR" sz="800" b="0" i="0" u="none" strike="noStrike" cap="none" normalizeH="0" baseline="0" dirty="0" err="1">
-                <a:ln>
-                  <a:noFill/>
-                </a:ln>
-                <a:solidFill>
-                  <a:srgbClr val="000000"/>
-                </a:solidFill>
-                <a:effectLst/>
-                <a:cs typeface="Arial" panose="020B0604020202020204" pitchFamily="34" charset="0"/>
-              </a:rPr>
-              <a:t>sp</a:t>
-            </a:r>
-            <a:r>
-              <a:rPr kumimoji="0" lang="en-US" altLang="ko-KR" sz="800" b="0" i="0" u="none" strike="noStrike" cap="none" normalizeH="0" baseline="0" dirty="0">
-                <a:ln>
-                  <a:noFill/>
-                </a:ln>
-                <a:solidFill>
-                  <a:srgbClr val="000000"/>
-                </a:solidFill>
-                <a:effectLst/>
-                <a:cs typeface="Arial" panose="020B0604020202020204" pitchFamily="34" charset="0"/>
-              </a:rPr>
-              <a:t>-gr.</a:t>
-            </a:r>
-            <a:endParaRPr kumimoji="0" lang="ko-KR" altLang="ko-KR" sz="2800" b="0" i="0" u="none" strike="noStrike" cap="none" normalizeH="0" baseline="0" dirty="0">
+              <a:rPr kumimoji="0" lang="en-US" altLang="ko-KR" sz="800" b="0" i="0" u="none" strike="noStrike" cap="none" normalizeH="0" baseline="0">
+                <a:ln>
+                  <a:noFill/>
+                </a:ln>
+                <a:solidFill>
+                  <a:srgbClr val="000000"/>
+                </a:solidFill>
+                <a:effectLst/>
+                <a:cs typeface="Arial" panose="020B0604020202020204" pitchFamily="34" charset="0"/>
+              </a:rPr>
+              <a:t>sp-gr.</a:t>
+            </a:r>
+            <a:endParaRPr kumimoji="0" lang="ko-KR" altLang="ko-KR" sz="2800" b="0" i="0" u="none" strike="noStrike" cap="none" normalizeH="0" baseline="0">
               <a:ln>
                 <a:noFill/>
               </a:ln>
@@ -27491,7 +26781,7 @@
               <a:tabLst/>
             </a:pPr>
             <a:r>
-              <a:rPr kumimoji="0" lang="ko-KR" altLang="ko-KR" sz="800" b="0" i="1" u="none" strike="noStrike" cap="none" normalizeH="0" baseline="0" dirty="0">
+              <a:rPr kumimoji="0" lang="ko-KR" altLang="ko-KR" sz="800" b="0" i="1" u="none" strike="noStrike" cap="none" normalizeH="0" baseline="0">
                 <a:ln>
                   <a:noFill/>
                 </a:ln>
@@ -27504,7 +26794,7 @@
               <a:t> </a:t>
             </a:r>
             <a:r>
-              <a:rPr kumimoji="0" lang="ko-KR" altLang="ko-KR" sz="800" b="0" i="1" u="none" strike="noStrike" cap="none" normalizeH="0" baseline="0" dirty="0" err="1">
+              <a:rPr kumimoji="0" lang="ko-KR" altLang="ko-KR" sz="800" b="0" i="1" u="none" strike="noStrike" cap="none" normalizeH="0" baseline="0" err="1">
                 <a:ln>
                   <a:noFill/>
                 </a:ln>
@@ -27517,7 +26807,7 @@
               <a:t>Holmskioldia</a:t>
             </a:r>
             <a:r>
-              <a:rPr kumimoji="0" lang="ko-KR" altLang="ko-KR" sz="800" b="0" i="1" u="none" strike="noStrike" cap="none" normalizeH="0" baseline="0" dirty="0">
+              <a:rPr kumimoji="0" lang="ko-KR" altLang="ko-KR" sz="800" b="0" i="1" u="none" strike="noStrike" cap="none" normalizeH="0" baseline="0">
                 <a:ln>
                   <a:noFill/>
                 </a:ln>
@@ -27530,7 +26820,7 @@
               <a:t> </a:t>
             </a:r>
             <a:r>
-              <a:rPr kumimoji="0" lang="ko-KR" altLang="ko-KR" sz="800" b="0" i="1" u="none" strike="noStrike" cap="none" normalizeH="0" baseline="0" dirty="0" err="1">
+              <a:rPr kumimoji="0" lang="ko-KR" altLang="ko-KR" sz="800" b="0" i="1" u="none" strike="noStrike" cap="none" normalizeH="0" baseline="0" err="1">
                 <a:ln>
                   <a:noFill/>
                 </a:ln>
@@ -27543,7 +26833,7 @@
               <a:t>sanguinea</a:t>
             </a:r>
             <a:r>
-              <a:rPr kumimoji="0" lang="ko-KR" altLang="en-US" sz="800" b="0" i="1" u="none" strike="noStrike" cap="none" normalizeH="0" baseline="0" dirty="0">
+              <a:rPr kumimoji="0" lang="ko-KR" altLang="en-US" sz="800" b="0" i="1" u="none" strike="noStrike" cap="none" normalizeH="0" baseline="0">
                 <a:ln>
                   <a:noFill/>
                 </a:ln>
@@ -27556,7 +26846,7 @@
               <a:t> </a:t>
             </a:r>
             <a:r>
-              <a:rPr kumimoji="0" lang="en-US" altLang="ko-KR" sz="800" b="0" i="0" u="none" strike="noStrike" cap="none" normalizeH="0" baseline="0" dirty="0">
+              <a:rPr kumimoji="0" lang="en-US" altLang="ko-KR" sz="800" b="0" i="0" u="none" strike="noStrike" cap="none" normalizeH="0" baseline="0">
                 <a:ln>
                   <a:noFill/>
                 </a:ln>
@@ -27569,7 +26859,7 @@
               <a:t>-</a:t>
             </a:r>
             <a:r>
-              <a:rPr kumimoji="0" lang="ko-KR" altLang="ko-KR" sz="800" b="0" i="0" u="none" strike="noStrike" cap="none" normalizeH="0" baseline="0" dirty="0" err="1">
+              <a:rPr kumimoji="0" lang="ko-KR" altLang="ko-KR" sz="800" b="0" i="0" u="none" strike="noStrike" cap="none" normalizeH="0" baseline="0" err="1">
                 <a:ln>
                   <a:noFill/>
                 </a:ln>
@@ -27581,7 +26871,7 @@
               </a:rPr>
               <a:t>Outgroup</a:t>
             </a:r>
-            <a:endParaRPr kumimoji="0" lang="ko-KR" altLang="ko-KR" sz="2800" b="0" i="0" u="none" strike="noStrike" cap="none" normalizeH="0" baseline="0" dirty="0">
+            <a:endParaRPr kumimoji="0" lang="ko-KR" altLang="ko-KR" sz="2800" b="0" i="0" u="none" strike="noStrike" cap="none" normalizeH="0" baseline="0">
               <a:ln>
                 <a:noFill/>
               </a:ln>
@@ -28308,7 +27598,7 @@
               <a:tabLst/>
             </a:pPr>
             <a:r>
-              <a:rPr kumimoji="0" lang="ko-KR" altLang="ko-KR" sz="700" b="0" i="0" u="none" strike="noStrike" cap="none" normalizeH="0" baseline="0" dirty="0">
+              <a:rPr kumimoji="0" lang="ko-KR" altLang="ko-KR" sz="700" b="0" i="0" u="none" strike="noStrike" cap="none" normalizeH="0" baseline="0">
                 <a:ln>
                   <a:noFill/>
                 </a:ln>
@@ -28320,7 +27610,7 @@
               </a:rPr>
               <a:t>59</a:t>
             </a:r>
-            <a:endParaRPr kumimoji="0" lang="ko-KR" altLang="ko-KR" sz="2800" b="0" i="0" u="none" strike="noStrike" cap="none" normalizeH="0" baseline="0" dirty="0">
+            <a:endParaRPr kumimoji="0" lang="ko-KR" altLang="ko-KR" sz="2800" b="0" i="0" u="none" strike="noStrike" cap="none" normalizeH="0" baseline="0">
               <a:ln>
                 <a:noFill/>
               </a:ln>
@@ -28526,7 +27816,7 @@
               <a:tabLst/>
             </a:pPr>
             <a:r>
-              <a:rPr kumimoji="0" lang="ko-KR" altLang="ko-KR" sz="700" b="0" i="0" u="none" strike="noStrike" cap="none" normalizeH="0" baseline="0" dirty="0">
+              <a:rPr kumimoji="0" lang="ko-KR" altLang="ko-KR" sz="700" b="0" i="0" u="none" strike="noStrike" cap="none" normalizeH="0" baseline="0">
                 <a:ln>
                   <a:noFill/>
                 </a:ln>
@@ -28538,7 +27828,7 @@
               </a:rPr>
               <a:t>87</a:t>
             </a:r>
-            <a:endParaRPr kumimoji="0" lang="ko-KR" altLang="ko-KR" sz="2800" b="0" i="0" u="none" strike="noStrike" cap="none" normalizeH="0" baseline="0" dirty="0">
+            <a:endParaRPr kumimoji="0" lang="ko-KR" altLang="ko-KR" sz="2800" b="0" i="0" u="none" strike="noStrike" cap="none" normalizeH="0" baseline="0">
               <a:ln>
                 <a:noFill/>
               </a:ln>
@@ -28744,7 +28034,7 @@
               <a:tabLst/>
             </a:pPr>
             <a:r>
-              <a:rPr kumimoji="0" lang="ko-KR" altLang="ko-KR" sz="700" b="0" i="0" u="none" strike="noStrike" cap="none" normalizeH="0" baseline="0" dirty="0">
+              <a:rPr kumimoji="0" lang="ko-KR" altLang="ko-KR" sz="700" b="0" i="0" u="none" strike="noStrike" cap="none" normalizeH="0" baseline="0">
                 <a:ln>
                   <a:noFill/>
                 </a:ln>
@@ -28756,7 +28046,7 @@
               </a:rPr>
               <a:t>52</a:t>
             </a:r>
-            <a:endParaRPr kumimoji="0" lang="ko-KR" altLang="ko-KR" sz="2800" b="0" i="0" u="none" strike="noStrike" cap="none" normalizeH="0" baseline="0" dirty="0">
+            <a:endParaRPr kumimoji="0" lang="ko-KR" altLang="ko-KR" sz="2800" b="0" i="0" u="none" strike="noStrike" cap="none" normalizeH="0" baseline="0">
               <a:ln>
                 <a:noFill/>
               </a:ln>
@@ -28962,7 +28252,7 @@
               <a:tabLst/>
             </a:pPr>
             <a:r>
-              <a:rPr kumimoji="0" lang="ko-KR" altLang="ko-KR" sz="700" b="0" i="0" u="none" strike="noStrike" cap="none" normalizeH="0" baseline="0" dirty="0">
+              <a:rPr kumimoji="0" lang="ko-KR" altLang="ko-KR" sz="700" b="0" i="0" u="none" strike="noStrike" cap="none" normalizeH="0" baseline="0">
                 <a:ln>
                   <a:noFill/>
                 </a:ln>
@@ -28974,7 +28264,7 @@
               </a:rPr>
               <a:t>88</a:t>
             </a:r>
-            <a:endParaRPr kumimoji="0" lang="ko-KR" altLang="ko-KR" sz="2800" b="0" i="0" u="none" strike="noStrike" cap="none" normalizeH="0" baseline="0" dirty="0">
+            <a:endParaRPr kumimoji="0" lang="ko-KR" altLang="ko-KR" sz="2800" b="0" i="0" u="none" strike="noStrike" cap="none" normalizeH="0" baseline="0">
               <a:ln>
                 <a:noFill/>
               </a:ln>
@@ -29616,7 +28906,7 @@
               <a:tabLst/>
             </a:pPr>
             <a:r>
-              <a:rPr kumimoji="0" lang="ko-KR" altLang="ko-KR" sz="700" b="0" i="0" u="none" strike="noStrike" cap="none" normalizeH="0" baseline="0" dirty="0">
+              <a:rPr kumimoji="0" lang="ko-KR" altLang="ko-KR" sz="700" b="0" i="0" u="none" strike="noStrike" cap="none" normalizeH="0" baseline="0">
                 <a:ln>
                   <a:noFill/>
                 </a:ln>
@@ -29628,7 +28918,7 @@
               </a:rPr>
               <a:t>53</a:t>
             </a:r>
-            <a:endParaRPr kumimoji="0" lang="ko-KR" altLang="ko-KR" sz="2800" b="0" i="0" u="none" strike="noStrike" cap="none" normalizeH="0" baseline="0" dirty="0">
+            <a:endParaRPr kumimoji="0" lang="ko-KR" altLang="ko-KR" sz="2800" b="0" i="0" u="none" strike="noStrike" cap="none" normalizeH="0" baseline="0">
               <a:ln>
                 <a:noFill/>
               </a:ln>
@@ -29834,7 +29124,7 @@
               <a:tabLst/>
             </a:pPr>
             <a:r>
-              <a:rPr kumimoji="0" lang="ko-KR" altLang="ko-KR" sz="700" b="0" i="0" u="none" strike="noStrike" cap="none" normalizeH="0" baseline="0" dirty="0">
+              <a:rPr kumimoji="0" lang="ko-KR" altLang="ko-KR" sz="700" b="0" i="0" u="none" strike="noStrike" cap="none" normalizeH="0" baseline="0">
                 <a:ln>
                   <a:noFill/>
                 </a:ln>
@@ -29846,7 +29136,7 @@
               </a:rPr>
               <a:t>80</a:t>
             </a:r>
-            <a:endParaRPr kumimoji="0" lang="ko-KR" altLang="ko-KR" sz="2800" b="0" i="0" u="none" strike="noStrike" cap="none" normalizeH="0" baseline="0" dirty="0">
+            <a:endParaRPr kumimoji="0" lang="ko-KR" altLang="ko-KR" sz="2800" b="0" i="0" u="none" strike="noStrike" cap="none" normalizeH="0" baseline="0">
               <a:ln>
                 <a:noFill/>
               </a:ln>
@@ -30052,7 +29342,7 @@
               <a:tabLst/>
             </a:pPr>
             <a:r>
-              <a:rPr kumimoji="0" lang="ko-KR" altLang="ko-KR" sz="700" b="0" i="0" u="none" strike="noStrike" cap="none" normalizeH="0" baseline="0" dirty="0">
+              <a:rPr kumimoji="0" lang="ko-KR" altLang="ko-KR" sz="700" b="0" i="0" u="none" strike="noStrike" cap="none" normalizeH="0" baseline="0">
                 <a:ln>
                   <a:noFill/>
                 </a:ln>
@@ -30064,7 +29354,7 @@
               </a:rPr>
               <a:t>48</a:t>
             </a:r>
-            <a:endParaRPr kumimoji="0" lang="ko-KR" altLang="ko-KR" sz="2800" b="0" i="0" u="none" strike="noStrike" cap="none" normalizeH="0" baseline="0" dirty="0">
+            <a:endParaRPr kumimoji="0" lang="ko-KR" altLang="ko-KR" sz="2800" b="0" i="0" u="none" strike="noStrike" cap="none" normalizeH="0" baseline="0">
               <a:ln>
                 <a:noFill/>
               </a:ln>
@@ -30706,7 +29996,7 @@
               <a:tabLst/>
             </a:pPr>
             <a:r>
-              <a:rPr kumimoji="0" lang="ko-KR" altLang="ko-KR" sz="700" b="0" i="0" u="none" strike="noStrike" cap="none" normalizeH="0" baseline="0" dirty="0">
+              <a:rPr kumimoji="0" lang="ko-KR" altLang="ko-KR" sz="700" b="0" i="0" u="none" strike="noStrike" cap="none" normalizeH="0" baseline="0">
                 <a:ln>
                   <a:noFill/>
                 </a:ln>
@@ -30718,7 +30008,7 @@
               </a:rPr>
               <a:t>84</a:t>
             </a:r>
-            <a:endParaRPr kumimoji="0" lang="ko-KR" altLang="ko-KR" sz="2800" b="0" i="0" u="none" strike="noStrike" cap="none" normalizeH="0" baseline="0" dirty="0">
+            <a:endParaRPr kumimoji="0" lang="ko-KR" altLang="ko-KR" sz="2800" b="0" i="0" u="none" strike="noStrike" cap="none" normalizeH="0" baseline="0">
               <a:ln>
                 <a:noFill/>
               </a:ln>
@@ -30924,7 +30214,7 @@
               <a:tabLst/>
             </a:pPr>
             <a:r>
-              <a:rPr kumimoji="0" lang="ko-KR" altLang="ko-KR" sz="700" b="0" i="0" u="none" strike="noStrike" cap="none" normalizeH="0" baseline="0" dirty="0">
+              <a:rPr kumimoji="0" lang="ko-KR" altLang="ko-KR" sz="700" b="0" i="0" u="none" strike="noStrike" cap="none" normalizeH="0" baseline="0">
                 <a:ln>
                   <a:noFill/>
                 </a:ln>
@@ -30936,7 +30226,7 @@
               </a:rPr>
               <a:t>99</a:t>
             </a:r>
-            <a:endParaRPr kumimoji="0" lang="ko-KR" altLang="ko-KR" sz="2800" b="0" i="0" u="none" strike="noStrike" cap="none" normalizeH="0" baseline="0" dirty="0">
+            <a:endParaRPr kumimoji="0" lang="ko-KR" altLang="ko-KR" sz="2800" b="0" i="0" u="none" strike="noStrike" cap="none" normalizeH="0" baseline="0">
               <a:ln>
                 <a:noFill/>
               </a:ln>
@@ -31142,7 +30432,7 @@
               <a:tabLst/>
             </a:pPr>
             <a:r>
-              <a:rPr kumimoji="0" lang="ko-KR" altLang="ko-KR" sz="700" b="0" i="0" u="none" strike="noStrike" cap="none" normalizeH="0" baseline="0" dirty="0">
+              <a:rPr kumimoji="0" lang="ko-KR" altLang="ko-KR" sz="700" b="0" i="0" u="none" strike="noStrike" cap="none" normalizeH="0" baseline="0">
                 <a:ln>
                   <a:noFill/>
                 </a:ln>
@@ -31154,7 +30444,7 @@
               </a:rPr>
               <a:t>80</a:t>
             </a:r>
-            <a:endParaRPr kumimoji="0" lang="ko-KR" altLang="ko-KR" sz="2800" b="0" i="0" u="none" strike="noStrike" cap="none" normalizeH="0" baseline="0" dirty="0">
+            <a:endParaRPr kumimoji="0" lang="ko-KR" altLang="ko-KR" sz="2800" b="0" i="0" u="none" strike="noStrike" cap="none" normalizeH="0" baseline="0">
               <a:ln>
                 <a:noFill/>
               </a:ln>
@@ -31360,7 +30650,7 @@
               <a:tabLst/>
             </a:pPr>
             <a:r>
-              <a:rPr kumimoji="0" lang="ko-KR" altLang="ko-KR" sz="700" b="0" i="0" u="none" strike="noStrike" cap="none" normalizeH="0" baseline="0" dirty="0">
+              <a:rPr kumimoji="0" lang="ko-KR" altLang="ko-KR" sz="700" b="0" i="0" u="none" strike="noStrike" cap="none" normalizeH="0" baseline="0">
                 <a:ln>
                   <a:noFill/>
                 </a:ln>
@@ -31372,7 +30662,7 @@
               </a:rPr>
               <a:t>100</a:t>
             </a:r>
-            <a:endParaRPr kumimoji="0" lang="ko-KR" altLang="ko-KR" sz="2800" b="0" i="0" u="none" strike="noStrike" cap="none" normalizeH="0" baseline="0" dirty="0">
+            <a:endParaRPr kumimoji="0" lang="ko-KR" altLang="ko-KR" sz="2800" b="0" i="0" u="none" strike="noStrike" cap="none" normalizeH="0" baseline="0">
               <a:ln>
                 <a:noFill/>
               </a:ln>
@@ -31796,7 +31086,7 @@
               <a:tabLst/>
             </a:pPr>
             <a:r>
-              <a:rPr kumimoji="0" lang="ko-KR" altLang="ko-KR" sz="700" b="0" i="0" u="none" strike="noStrike" cap="none" normalizeH="0" baseline="0" dirty="0">
+              <a:rPr kumimoji="0" lang="ko-KR" altLang="ko-KR" sz="700" b="0" i="0" u="none" strike="noStrike" cap="none" normalizeH="0" baseline="0">
                 <a:ln>
                   <a:noFill/>
                 </a:ln>
@@ -31808,7 +31098,7 @@
               </a:rPr>
               <a:t>69</a:t>
             </a:r>
-            <a:endParaRPr kumimoji="0" lang="ko-KR" altLang="ko-KR" sz="2800" b="0" i="0" u="none" strike="noStrike" cap="none" normalizeH="0" baseline="0" dirty="0">
+            <a:endParaRPr kumimoji="0" lang="ko-KR" altLang="ko-KR" sz="2800" b="0" i="0" u="none" strike="noStrike" cap="none" normalizeH="0" baseline="0">
               <a:ln>
                 <a:noFill/>
               </a:ln>
@@ -32450,7 +31740,7 @@
               <a:tabLst/>
             </a:pPr>
             <a:r>
-              <a:rPr kumimoji="0" lang="ko-KR" altLang="ko-KR" sz="700" b="0" i="0" u="none" strike="noStrike" cap="none" normalizeH="0" baseline="0" dirty="0">
+              <a:rPr kumimoji="0" lang="ko-KR" altLang="ko-KR" sz="700" b="0" i="0" u="none" strike="noStrike" cap="none" normalizeH="0" baseline="0">
                 <a:ln>
                   <a:noFill/>
                 </a:ln>
@@ -32462,7 +31752,7 @@
               </a:rPr>
               <a:t>80</a:t>
             </a:r>
-            <a:endParaRPr kumimoji="0" lang="ko-KR" altLang="ko-KR" sz="2800" b="0" i="0" u="none" strike="noStrike" cap="none" normalizeH="0" baseline="0" dirty="0">
+            <a:endParaRPr kumimoji="0" lang="ko-KR" altLang="ko-KR" sz="2800" b="0" i="0" u="none" strike="noStrike" cap="none" normalizeH="0" baseline="0">
               <a:ln>
                 <a:noFill/>
               </a:ln>
@@ -32703,7 +31993,7 @@
         </p:nvSpPr>
         <p:spPr bwMode="auto">
           <a:xfrm>
-            <a:off x="1692060" y="8578409"/>
+            <a:off x="1692864" y="8596822"/>
             <a:ext cx="99386" cy="107722"/>
           </a:xfrm>
           <a:prstGeom prst="rect">
@@ -32886,7 +32176,7 @@
               <a:tabLst/>
             </a:pPr>
             <a:r>
-              <a:rPr kumimoji="0" lang="ko-KR" altLang="ko-KR" sz="700" b="0" i="0" u="none" strike="noStrike" cap="none" normalizeH="0" baseline="0" dirty="0">
+              <a:rPr kumimoji="0" lang="ko-KR" altLang="ko-KR" sz="700" b="0" i="0" u="none" strike="noStrike" cap="none" normalizeH="0" baseline="0">
                 <a:ln>
                   <a:noFill/>
                 </a:ln>
@@ -32898,7 +32188,7 @@
               </a:rPr>
               <a:t>73</a:t>
             </a:r>
-            <a:endParaRPr kumimoji="0" lang="ko-KR" altLang="ko-KR" sz="2800" b="0" i="0" u="none" strike="noStrike" cap="none" normalizeH="0" baseline="0" dirty="0">
+            <a:endParaRPr kumimoji="0" lang="ko-KR" altLang="ko-KR" sz="2800" b="0" i="0" u="none" strike="noStrike" cap="none" normalizeH="0" baseline="0">
               <a:ln>
                 <a:noFill/>
               </a:ln>
@@ -33104,7 +32394,7 @@
               <a:tabLst/>
             </a:pPr>
             <a:r>
-              <a:rPr kumimoji="0" lang="ko-KR" altLang="ko-KR" sz="700" b="0" i="0" u="none" strike="noStrike" cap="none" normalizeH="0" baseline="0" dirty="0">
+              <a:rPr kumimoji="0" lang="ko-KR" altLang="ko-KR" sz="700" b="0" i="0" u="none" strike="noStrike" cap="none" normalizeH="0" baseline="0">
                 <a:ln>
                   <a:noFill/>
                 </a:ln>
@@ -33116,7 +32406,7 @@
               </a:rPr>
               <a:t>92</a:t>
             </a:r>
-            <a:endParaRPr kumimoji="0" lang="ko-KR" altLang="ko-KR" sz="2800" b="0" i="0" u="none" strike="noStrike" cap="none" normalizeH="0" baseline="0" dirty="0">
+            <a:endParaRPr kumimoji="0" lang="ko-KR" altLang="ko-KR" sz="2800" b="0" i="0" u="none" strike="noStrike" cap="none" normalizeH="0" baseline="0">
               <a:ln>
                 <a:noFill/>
               </a:ln>
@@ -33758,7 +33048,7 @@
               <a:tabLst/>
             </a:pPr>
             <a:r>
-              <a:rPr kumimoji="0" lang="ko-KR" altLang="ko-KR" sz="700" b="0" i="0" u="none" strike="noStrike" cap="none" normalizeH="0" baseline="0" dirty="0">
+              <a:rPr kumimoji="0" lang="ko-KR" altLang="ko-KR" sz="700" b="0" i="0" u="none" strike="noStrike" cap="none" normalizeH="0" baseline="0">
                 <a:ln>
                   <a:noFill/>
                 </a:ln>
@@ -33770,7 +33060,7 @@
               </a:rPr>
               <a:t>52</a:t>
             </a:r>
-            <a:endParaRPr kumimoji="0" lang="ko-KR" altLang="ko-KR" sz="2800" b="0" i="0" u="none" strike="noStrike" cap="none" normalizeH="0" baseline="0" dirty="0">
+            <a:endParaRPr kumimoji="0" lang="ko-KR" altLang="ko-KR" sz="2800" b="0" i="0" u="none" strike="noStrike" cap="none" normalizeH="0" baseline="0">
               <a:ln>
                 <a:noFill/>
               </a:ln>
@@ -33976,7 +33266,7 @@
               <a:tabLst/>
             </a:pPr>
             <a:r>
-              <a:rPr kumimoji="0" lang="ko-KR" altLang="ko-KR" sz="700" b="0" i="0" u="none" strike="noStrike" cap="none" normalizeH="0" baseline="0" dirty="0">
+              <a:rPr kumimoji="0" lang="ko-KR" altLang="ko-KR" sz="700" b="0" i="0" u="none" strike="noStrike" cap="none" normalizeH="0" baseline="0">
                 <a:ln>
                   <a:noFill/>
                 </a:ln>
@@ -33988,7 +33278,7 @@
               </a:rPr>
               <a:t>100</a:t>
             </a:r>
-            <a:endParaRPr kumimoji="0" lang="ko-KR" altLang="ko-KR" sz="2800" b="0" i="0" u="none" strike="noStrike" cap="none" normalizeH="0" baseline="0" dirty="0">
+            <a:endParaRPr kumimoji="0" lang="ko-KR" altLang="ko-KR" sz="2800" b="0" i="0" u="none" strike="noStrike" cap="none" normalizeH="0" baseline="0">
               <a:ln>
                 <a:noFill/>
               </a:ln>
@@ -34011,7 +33301,7 @@
         </p:nvSpPr>
         <p:spPr bwMode="auto">
           <a:xfrm>
-            <a:off x="1751438" y="2277915"/>
+            <a:off x="1750134" y="2264714"/>
             <a:ext cx="99386" cy="107722"/>
           </a:xfrm>
           <a:prstGeom prst="rect">
@@ -34412,7 +33702,7 @@
               <a:tabLst/>
             </a:pPr>
             <a:r>
-              <a:rPr kumimoji="0" lang="ko-KR" altLang="ko-KR" sz="700" b="0" i="0" u="none" strike="noStrike" cap="none" normalizeH="0" baseline="0" dirty="0">
+              <a:rPr kumimoji="0" lang="ko-KR" altLang="ko-KR" sz="700" b="0" i="0" u="none" strike="noStrike" cap="none" normalizeH="0" baseline="0">
                 <a:ln>
                   <a:noFill/>
                 </a:ln>
@@ -34424,7 +33714,7 @@
               </a:rPr>
               <a:t>85</a:t>
             </a:r>
-            <a:endParaRPr kumimoji="0" lang="ko-KR" altLang="ko-KR" sz="2800" b="0" i="0" u="none" strike="noStrike" cap="none" normalizeH="0" baseline="0" dirty="0">
+            <a:endParaRPr kumimoji="0" lang="ko-KR" altLang="ko-KR" sz="2800" b="0" i="0" u="none" strike="noStrike" cap="none" normalizeH="0" baseline="0">
               <a:ln>
                 <a:noFill/>
               </a:ln>
@@ -34630,7 +33920,7 @@
               <a:tabLst/>
             </a:pPr>
             <a:r>
-              <a:rPr kumimoji="0" lang="ko-KR" altLang="ko-KR" sz="700" b="0" i="0" u="none" strike="noStrike" cap="none" normalizeH="0" baseline="0" dirty="0">
+              <a:rPr kumimoji="0" lang="ko-KR" altLang="ko-KR" sz="700" b="0" i="0" u="none" strike="noStrike" cap="none" normalizeH="0" baseline="0">
                 <a:ln>
                   <a:noFill/>
                 </a:ln>
@@ -34642,7 +33932,7 @@
               </a:rPr>
               <a:t>100</a:t>
             </a:r>
-            <a:endParaRPr kumimoji="0" lang="ko-KR" altLang="ko-KR" sz="2800" b="0" i="0" u="none" strike="noStrike" cap="none" normalizeH="0" baseline="0" dirty="0">
+            <a:endParaRPr kumimoji="0" lang="ko-KR" altLang="ko-KR" sz="2800" b="0" i="0" u="none" strike="noStrike" cap="none" normalizeH="0" baseline="0">
               <a:ln>
                 <a:noFill/>
               </a:ln>
@@ -34848,7 +34138,7 @@
               <a:tabLst/>
             </a:pPr>
             <a:r>
-              <a:rPr kumimoji="0" lang="ko-KR" altLang="ko-KR" sz="700" b="0" i="0" u="none" strike="noStrike" cap="none" normalizeH="0" baseline="0" dirty="0">
+              <a:rPr kumimoji="0" lang="ko-KR" altLang="ko-KR" sz="700" b="0" i="0" u="none" strike="noStrike" cap="none" normalizeH="0" baseline="0">
                 <a:ln>
                   <a:noFill/>
                 </a:ln>
@@ -34860,7 +34150,7 @@
               </a:rPr>
               <a:t>100</a:t>
             </a:r>
-            <a:endParaRPr kumimoji="0" lang="ko-KR" altLang="ko-KR" sz="2800" b="0" i="0" u="none" strike="noStrike" cap="none" normalizeH="0" baseline="0" dirty="0">
+            <a:endParaRPr kumimoji="0" lang="ko-KR" altLang="ko-KR" sz="2800" b="0" i="0" u="none" strike="noStrike" cap="none" normalizeH="0" baseline="0">
               <a:ln>
                 <a:noFill/>
               </a:ln>
@@ -34883,7 +34173,7 @@
         </p:nvSpPr>
         <p:spPr bwMode="auto">
           <a:xfrm>
-            <a:off x="1679667" y="9285251"/>
+            <a:off x="1682247" y="9315252"/>
             <a:ext cx="99386" cy="107722"/>
           </a:xfrm>
           <a:prstGeom prst="rect">
@@ -35066,7 +34356,7 @@
               <a:tabLst/>
             </a:pPr>
             <a:r>
-              <a:rPr kumimoji="0" lang="ko-KR" altLang="ko-KR" sz="700" b="0" i="0" u="none" strike="noStrike" cap="none" normalizeH="0" baseline="0" dirty="0">
+              <a:rPr kumimoji="0" lang="ko-KR" altLang="ko-KR" sz="700" b="0" i="0" u="none" strike="noStrike" cap="none" normalizeH="0" baseline="0">
                 <a:ln>
                   <a:noFill/>
                 </a:ln>
@@ -35078,7 +34368,7 @@
               </a:rPr>
               <a:t>86</a:t>
             </a:r>
-            <a:endParaRPr kumimoji="0" lang="ko-KR" altLang="ko-KR" sz="2800" b="0" i="0" u="none" strike="noStrike" cap="none" normalizeH="0" baseline="0" dirty="0">
+            <a:endParaRPr kumimoji="0" lang="ko-KR" altLang="ko-KR" sz="2800" b="0" i="0" u="none" strike="noStrike" cap="none" normalizeH="0" baseline="0">
               <a:ln>
                 <a:noFill/>
               </a:ln>
@@ -35502,7 +34792,7 @@
               <a:tabLst/>
             </a:pPr>
             <a:r>
-              <a:rPr kumimoji="0" lang="ko-KR" altLang="ko-KR" sz="700" b="0" i="0" u="none" strike="noStrike" cap="none" normalizeH="0" baseline="0" dirty="0">
+              <a:rPr kumimoji="0" lang="ko-KR" altLang="ko-KR" sz="700" b="0" i="0" u="none" strike="noStrike" cap="none" normalizeH="0" baseline="0">
                 <a:ln>
                   <a:noFill/>
                 </a:ln>
@@ -35514,7 +34804,7 @@
               </a:rPr>
               <a:t>71</a:t>
             </a:r>
-            <a:endParaRPr kumimoji="0" lang="ko-KR" altLang="ko-KR" sz="2800" b="0" i="0" u="none" strike="noStrike" cap="none" normalizeH="0" baseline="0" dirty="0">
+            <a:endParaRPr kumimoji="0" lang="ko-KR" altLang="ko-KR" sz="2800" b="0" i="0" u="none" strike="noStrike" cap="none" normalizeH="0" baseline="0">
               <a:ln>
                 <a:noFill/>
               </a:ln>
@@ -35537,7 +34827,7 @@
         </p:nvSpPr>
         <p:spPr bwMode="auto">
           <a:xfrm>
-            <a:off x="1793418" y="5442315"/>
+            <a:off x="1793329" y="5417478"/>
             <a:ext cx="99386" cy="107722"/>
           </a:xfrm>
           <a:prstGeom prst="rect">
@@ -35720,7 +35010,7 @@
               <a:tabLst/>
             </a:pPr>
             <a:r>
-              <a:rPr kumimoji="0" lang="ko-KR" altLang="ko-KR" sz="700" b="0" i="0" u="none" strike="noStrike" cap="none" normalizeH="0" baseline="0" dirty="0">
+              <a:rPr kumimoji="0" lang="ko-KR" altLang="ko-KR" sz="700" b="0" i="0" u="none" strike="noStrike" cap="none" normalizeH="0" baseline="0">
                 <a:ln>
                   <a:noFill/>
                 </a:ln>
@@ -35732,7 +35022,7 @@
               </a:rPr>
               <a:t>99</a:t>
             </a:r>
-            <a:endParaRPr kumimoji="0" lang="ko-KR" altLang="ko-KR" sz="2800" b="0" i="0" u="none" strike="noStrike" cap="none" normalizeH="0" baseline="0" dirty="0">
+            <a:endParaRPr kumimoji="0" lang="ko-KR" altLang="ko-KR" sz="2800" b="0" i="0" u="none" strike="noStrike" cap="none" normalizeH="0" baseline="0">
               <a:ln>
                 <a:noFill/>
               </a:ln>
@@ -36156,7 +35446,7 @@
               <a:tabLst/>
             </a:pPr>
             <a:r>
-              <a:rPr kumimoji="0" lang="ko-KR" altLang="ko-KR" sz="700" b="0" i="0" u="none" strike="noStrike" cap="none" normalizeH="0" baseline="0" dirty="0">
+              <a:rPr kumimoji="0" lang="ko-KR" altLang="ko-KR" sz="700" b="0" i="0" u="none" strike="noStrike" cap="none" normalizeH="0" baseline="0">
                 <a:ln>
                   <a:noFill/>
                 </a:ln>
@@ -36168,7 +35458,7 @@
               </a:rPr>
               <a:t>44</a:t>
             </a:r>
-            <a:endParaRPr kumimoji="0" lang="ko-KR" altLang="ko-KR" sz="2800" b="0" i="0" u="none" strike="noStrike" cap="none" normalizeH="0" baseline="0" dirty="0">
+            <a:endParaRPr kumimoji="0" lang="ko-KR" altLang="ko-KR" sz="2800" b="0" i="0" u="none" strike="noStrike" cap="none" normalizeH="0" baseline="0">
               <a:ln>
                 <a:noFill/>
               </a:ln>
@@ -36546,6 +35836,164 @@
           </a:p>
         </p:txBody>
       </p:sp>
+      <p:cxnSp>
+        <p:nvCxnSpPr>
+          <p:cNvPr id="203" name="Straight Connector 202">
+            <a:extLst>
+              <a:ext uri="{FF2B5EF4-FFF2-40B4-BE49-F238E27FC236}">
+                <a16:creationId xmlns:a16="http://schemas.microsoft.com/office/drawing/2014/main" id="{3E6F83BE-25BA-44F4-8431-F5448E6D49A9}"/>
+              </a:ext>
+            </a:extLst>
+          </p:cNvPr>
+          <p:cNvCxnSpPr>
+            <a:cxnSpLocks/>
+          </p:cNvCxnSpPr>
+          <p:nvPr/>
+        </p:nvCxnSpPr>
+        <p:spPr>
+          <a:xfrm>
+            <a:off x="1628800" y="2384145"/>
+            <a:ext cx="228600" cy="0"/>
+          </a:xfrm>
+          <a:prstGeom prst="line">
+            <a:avLst/>
+          </a:prstGeom>
+          <a:ln w="38100"/>
+        </p:spPr>
+        <p:style>
+          <a:lnRef idx="1">
+            <a:schemeClr val="dk1"/>
+          </a:lnRef>
+          <a:fillRef idx="0">
+            <a:schemeClr val="dk1"/>
+          </a:fillRef>
+          <a:effectRef idx="0">
+            <a:schemeClr val="dk1"/>
+          </a:effectRef>
+          <a:fontRef idx="minor">
+            <a:schemeClr val="tx1"/>
+          </a:fontRef>
+        </p:style>
+      </p:cxnSp>
+      <p:cxnSp>
+        <p:nvCxnSpPr>
+          <p:cNvPr id="214" name="Straight Connector 213">
+            <a:extLst>
+              <a:ext uri="{FF2B5EF4-FFF2-40B4-BE49-F238E27FC236}">
+                <a16:creationId xmlns:a16="http://schemas.microsoft.com/office/drawing/2014/main" id="{26E6B3BB-8462-416D-897B-3B5399E68A52}"/>
+              </a:ext>
+            </a:extLst>
+          </p:cNvPr>
+          <p:cNvCxnSpPr>
+            <a:cxnSpLocks/>
+            <a:stCxn id="119" idx="1"/>
+          </p:cNvCxnSpPr>
+          <p:nvPr/>
+        </p:nvCxnSpPr>
+        <p:spPr>
+          <a:xfrm>
+            <a:off x="1683403" y="5540290"/>
+            <a:ext cx="230548" cy="0"/>
+          </a:xfrm>
+          <a:prstGeom prst="line">
+            <a:avLst/>
+          </a:prstGeom>
+          <a:ln w="38100"/>
+        </p:spPr>
+        <p:style>
+          <a:lnRef idx="1">
+            <a:schemeClr val="dk1"/>
+          </a:lnRef>
+          <a:fillRef idx="0">
+            <a:schemeClr val="dk1"/>
+          </a:fillRef>
+          <a:effectRef idx="0">
+            <a:schemeClr val="dk1"/>
+          </a:effectRef>
+          <a:fontRef idx="minor">
+            <a:schemeClr val="tx1"/>
+          </a:fontRef>
+        </p:style>
+      </p:cxnSp>
+      <p:cxnSp>
+        <p:nvCxnSpPr>
+          <p:cNvPr id="216" name="Straight Connector 215">
+            <a:extLst>
+              <a:ext uri="{FF2B5EF4-FFF2-40B4-BE49-F238E27FC236}">
+                <a16:creationId xmlns:a16="http://schemas.microsoft.com/office/drawing/2014/main" id="{C12B0E54-CA40-4EC7-8F43-16BFDECDDD05}"/>
+              </a:ext>
+            </a:extLst>
+          </p:cNvPr>
+          <p:cNvCxnSpPr>
+            <a:cxnSpLocks/>
+          </p:cNvCxnSpPr>
+          <p:nvPr/>
+        </p:nvCxnSpPr>
+        <p:spPr>
+          <a:xfrm>
+            <a:off x="1683403" y="8570801"/>
+            <a:ext cx="121275" cy="0"/>
+          </a:xfrm>
+          <a:prstGeom prst="line">
+            <a:avLst/>
+          </a:prstGeom>
+          <a:ln w="38100"/>
+        </p:spPr>
+        <p:style>
+          <a:lnRef idx="1">
+            <a:schemeClr val="dk1"/>
+          </a:lnRef>
+          <a:fillRef idx="0">
+            <a:schemeClr val="dk1"/>
+          </a:fillRef>
+          <a:effectRef idx="0">
+            <a:schemeClr val="dk1"/>
+          </a:effectRef>
+          <a:fontRef idx="minor">
+            <a:schemeClr val="tx1"/>
+          </a:fontRef>
+        </p:style>
+      </p:cxnSp>
+      <p:cxnSp>
+        <p:nvCxnSpPr>
+          <p:cNvPr id="218" name="Straight Connector 217">
+            <a:extLst>
+              <a:ext uri="{FF2B5EF4-FFF2-40B4-BE49-F238E27FC236}">
+                <a16:creationId xmlns:a16="http://schemas.microsoft.com/office/drawing/2014/main" id="{93CE9D4A-203C-43B8-B328-3E1FFC499D42}"/>
+              </a:ext>
+            </a:extLst>
+          </p:cNvPr>
+          <p:cNvCxnSpPr>
+            <a:cxnSpLocks/>
+            <a:stCxn id="155" idx="1"/>
+          </p:cNvCxnSpPr>
+          <p:nvPr/>
+        </p:nvCxnSpPr>
+        <p:spPr>
+          <a:xfrm>
+            <a:off x="1452856" y="9284474"/>
+            <a:ext cx="341910" cy="0"/>
+          </a:xfrm>
+          <a:prstGeom prst="line">
+            <a:avLst/>
+          </a:prstGeom>
+          <a:ln w="38100"/>
+        </p:spPr>
+        <p:style>
+          <a:lnRef idx="1">
+            <a:schemeClr val="dk1"/>
+          </a:lnRef>
+          <a:fillRef idx="0">
+            <a:schemeClr val="dk1"/>
+          </a:fillRef>
+          <a:effectRef idx="0">
+            <a:schemeClr val="dk1"/>
+          </a:effectRef>
+          <a:fontRef idx="minor">
+            <a:schemeClr val="tx1"/>
+          </a:fontRef>
+        </p:style>
+      </p:cxnSp>
     </p:spTree>
     <p:extLst>
       <p:ext uri="{BB962C8B-B14F-4D97-AF65-F5344CB8AC3E}">

--- a/figures/phylogeneticTrees/phylo-tree-51sp2.pptx
+++ b/figures/phylogeneticTrees/phylo-tree-51sp2.pptx
@@ -302,7 +302,7 @@
           <a:p>
             <a:fld id="{488CEBE3-1740-4D45-B435-43B16EB302B8}" type="datetimeFigureOut">
               <a:rPr lang="ko-KR" altLang="en-US" smtClean="0"/>
-              <a:t>2020-07-17</a:t>
+              <a:t>2020-08-05</a:t>
             </a:fld>
             <a:endParaRPr lang="ko-KR" altLang="en-US"/>
           </a:p>
@@ -470,7 +470,7 @@
           <a:p>
             <a:fld id="{488CEBE3-1740-4D45-B435-43B16EB302B8}" type="datetimeFigureOut">
               <a:rPr lang="ko-KR" altLang="en-US" smtClean="0"/>
-              <a:t>2020-07-17</a:t>
+              <a:t>2020-08-05</a:t>
             </a:fld>
             <a:endParaRPr lang="ko-KR" altLang="en-US"/>
           </a:p>
@@ -648,7 +648,7 @@
           <a:p>
             <a:fld id="{488CEBE3-1740-4D45-B435-43B16EB302B8}" type="datetimeFigureOut">
               <a:rPr lang="ko-KR" altLang="en-US" smtClean="0"/>
-              <a:t>2020-07-17</a:t>
+              <a:t>2020-08-05</a:t>
             </a:fld>
             <a:endParaRPr lang="ko-KR" altLang="en-US"/>
           </a:p>
@@ -816,7 +816,7 @@
           <a:p>
             <a:fld id="{488CEBE3-1740-4D45-B435-43B16EB302B8}" type="datetimeFigureOut">
               <a:rPr lang="ko-KR" altLang="en-US" smtClean="0"/>
-              <a:t>2020-07-17</a:t>
+              <a:t>2020-08-05</a:t>
             </a:fld>
             <a:endParaRPr lang="ko-KR" altLang="en-US"/>
           </a:p>
@@ -1061,7 +1061,7 @@
           <a:p>
             <a:fld id="{488CEBE3-1740-4D45-B435-43B16EB302B8}" type="datetimeFigureOut">
               <a:rPr lang="ko-KR" altLang="en-US" smtClean="0"/>
-              <a:t>2020-07-17</a:t>
+              <a:t>2020-08-05</a:t>
             </a:fld>
             <a:endParaRPr lang="ko-KR" altLang="en-US"/>
           </a:p>
@@ -1346,7 +1346,7 @@
           <a:p>
             <a:fld id="{488CEBE3-1740-4D45-B435-43B16EB302B8}" type="datetimeFigureOut">
               <a:rPr lang="ko-KR" altLang="en-US" smtClean="0"/>
-              <a:t>2020-07-17</a:t>
+              <a:t>2020-08-05</a:t>
             </a:fld>
             <a:endParaRPr lang="ko-KR" altLang="en-US"/>
           </a:p>
@@ -1770,7 +1770,7 @@
           <a:p>
             <a:fld id="{488CEBE3-1740-4D45-B435-43B16EB302B8}" type="datetimeFigureOut">
               <a:rPr lang="ko-KR" altLang="en-US" smtClean="0"/>
-              <a:t>2020-07-17</a:t>
+              <a:t>2020-08-05</a:t>
             </a:fld>
             <a:endParaRPr lang="ko-KR" altLang="en-US"/>
           </a:p>
@@ -1887,7 +1887,7 @@
           <a:p>
             <a:fld id="{488CEBE3-1740-4D45-B435-43B16EB302B8}" type="datetimeFigureOut">
               <a:rPr lang="ko-KR" altLang="en-US" smtClean="0"/>
-              <a:t>2020-07-17</a:t>
+              <a:t>2020-08-05</a:t>
             </a:fld>
             <a:endParaRPr lang="ko-KR" altLang="en-US"/>
           </a:p>
@@ -1982,7 +1982,7 @@
           <a:p>
             <a:fld id="{488CEBE3-1740-4D45-B435-43B16EB302B8}" type="datetimeFigureOut">
               <a:rPr lang="ko-KR" altLang="en-US" smtClean="0"/>
-              <a:t>2020-07-17</a:t>
+              <a:t>2020-08-05</a:t>
             </a:fld>
             <a:endParaRPr lang="ko-KR" altLang="en-US"/>
           </a:p>
@@ -2257,7 +2257,7 @@
           <a:p>
             <a:fld id="{488CEBE3-1740-4D45-B435-43B16EB302B8}" type="datetimeFigureOut">
               <a:rPr lang="ko-KR" altLang="en-US" smtClean="0"/>
-              <a:t>2020-07-17</a:t>
+              <a:t>2020-08-05</a:t>
             </a:fld>
             <a:endParaRPr lang="ko-KR" altLang="en-US"/>
           </a:p>
@@ -2509,7 +2509,7 @@
           <a:p>
             <a:fld id="{488CEBE3-1740-4D45-B435-43B16EB302B8}" type="datetimeFigureOut">
               <a:rPr lang="ko-KR" altLang="en-US" smtClean="0"/>
-              <a:t>2020-07-17</a:t>
+              <a:t>2020-08-05</a:t>
             </a:fld>
             <a:endParaRPr lang="ko-KR" altLang="en-US"/>
           </a:p>
@@ -2720,7 +2720,7 @@
           <a:p>
             <a:fld id="{488CEBE3-1740-4D45-B435-43B16EB302B8}" type="datetimeFigureOut">
               <a:rPr lang="ko-KR" altLang="en-US" smtClean="0"/>
-              <a:t>2020-07-17</a:t>
+              <a:t>2020-08-05</a:t>
             </a:fld>
             <a:endParaRPr lang="ko-KR" altLang="en-US"/>
           </a:p>
@@ -3097,6 +3097,58 @@
       </p:grpSpPr>
       <p:sp>
         <p:nvSpPr>
+          <p:cNvPr id="204" name="Rectangle 203">
+            <a:extLst>
+              <a:ext uri="{FF2B5EF4-FFF2-40B4-BE49-F238E27FC236}">
+                <a16:creationId xmlns:a16="http://schemas.microsoft.com/office/drawing/2014/main" id="{B56AC64B-E9BD-4F7A-8647-689F15D03FD1}"/>
+              </a:ext>
+            </a:extLst>
+          </p:cNvPr>
+          <p:cNvSpPr/>
+          <p:nvPr/>
+        </p:nvSpPr>
+        <p:spPr>
+          <a:xfrm>
+            <a:off x="1971247" y="5735434"/>
+            <a:ext cx="3386739" cy="1946249"/>
+          </a:xfrm>
+          <a:prstGeom prst="rect">
+            <a:avLst/>
+          </a:prstGeom>
+          <a:solidFill>
+            <a:srgbClr val="C6CE86"/>
+          </a:solidFill>
+          <a:ln w="19050">
+            <a:noFill/>
+          </a:ln>
+        </p:spPr>
+        <p:style>
+          <a:lnRef idx="2">
+            <a:schemeClr val="accent1">
+              <a:shade val="50000"/>
+            </a:schemeClr>
+          </a:lnRef>
+          <a:fillRef idx="1">
+            <a:schemeClr val="accent1"/>
+          </a:fillRef>
+          <a:effectRef idx="0">
+            <a:schemeClr val="accent1"/>
+          </a:effectRef>
+          <a:fontRef idx="minor">
+            <a:schemeClr val="lt1"/>
+          </a:fontRef>
+        </p:style>
+        <p:txBody>
+          <a:bodyPr rtlCol="0" anchor="ctr"/>
+          <a:lstStyle/>
+          <a:p>
+            <a:pPr algn="ctr"/>
+            <a:endParaRPr lang="en-US"/>
+          </a:p>
+        </p:txBody>
+      </p:sp>
+      <p:sp>
+        <p:nvSpPr>
           <p:cNvPr id="2" name="Rectangle 1">
             <a:extLst>
               <a:ext uri="{FF2B5EF4-FFF2-40B4-BE49-F238E27FC236}">
@@ -3109,14 +3161,14 @@
         </p:nvSpPr>
         <p:spPr>
           <a:xfrm>
-            <a:off x="1751438" y="8836881"/>
-            <a:ext cx="3554113" cy="793641"/>
+            <a:off x="1613834" y="8836881"/>
+            <a:ext cx="3744152" cy="793641"/>
           </a:xfrm>
           <a:prstGeom prst="rect">
             <a:avLst/>
           </a:prstGeom>
           <a:solidFill>
-            <a:srgbClr val="FB7070"/>
+            <a:srgbClr val="FFA2A2"/>
           </a:solidFill>
           <a:ln w="19050">
             <a:noFill/>
@@ -3161,14 +3213,14 @@
         </p:nvSpPr>
         <p:spPr>
           <a:xfrm>
-            <a:off x="1751438" y="7666398"/>
-            <a:ext cx="3554113" cy="1172101"/>
+            <a:off x="1753393" y="7680641"/>
+            <a:ext cx="3604593" cy="1157858"/>
           </a:xfrm>
           <a:prstGeom prst="rect">
             <a:avLst/>
           </a:prstGeom>
           <a:solidFill>
-            <a:srgbClr val="CAA349"/>
+            <a:srgbClr val="F0B682"/>
           </a:solidFill>
           <a:ln w="19050">
             <a:noFill/>
@@ -3213,14 +3265,14 @@
         </p:nvSpPr>
         <p:spPr>
           <a:xfrm>
-            <a:off x="1751438" y="2774871"/>
-            <a:ext cx="3554113" cy="4892020"/>
+            <a:off x="1971247" y="2802833"/>
+            <a:ext cx="3386739" cy="2937818"/>
           </a:xfrm>
           <a:prstGeom prst="rect">
             <a:avLst/>
           </a:prstGeom>
           <a:solidFill>
-            <a:srgbClr val="80C585"/>
+            <a:srgbClr val="90DFB0"/>
           </a:solidFill>
           <a:ln w="19050">
             <a:noFill/>
@@ -3265,14 +3317,14 @@
         </p:nvSpPr>
         <p:spPr>
           <a:xfrm>
-            <a:off x="1751438" y="1324497"/>
-            <a:ext cx="3554113" cy="1458799"/>
+            <a:off x="1753393" y="1324497"/>
+            <a:ext cx="3604593" cy="1480381"/>
           </a:xfrm>
           <a:prstGeom prst="rect">
             <a:avLst/>
           </a:prstGeom>
           <a:solidFill>
-            <a:srgbClr val="59D3D9"/>
+            <a:srgbClr val="62E8EC"/>
           </a:solidFill>
           <a:ln w="19050">
             <a:noFill/>
@@ -3323,7 +3375,7 @@
         </p:nvSpPr>
         <p:spPr>
           <a:xfrm>
-            <a:off x="5352982" y="1915397"/>
+            <a:off x="5502224" y="1926188"/>
             <a:ext cx="712054" cy="276999"/>
           </a:xfrm>
           <a:prstGeom prst="rect">
@@ -3361,7 +3413,7 @@
         </p:nvSpPr>
         <p:spPr>
           <a:xfrm>
-            <a:off x="5352982" y="5082382"/>
+            <a:off x="5502224" y="4133243"/>
             <a:ext cx="712054" cy="276999"/>
           </a:xfrm>
           <a:prstGeom prst="rect">
@@ -3399,7 +3451,7 @@
         </p:nvSpPr>
         <p:spPr>
           <a:xfrm>
-            <a:off x="5352982" y="8113949"/>
+            <a:off x="5502224" y="6570059"/>
             <a:ext cx="712054" cy="276999"/>
           </a:xfrm>
           <a:prstGeom prst="rect">
@@ -3437,7 +3489,7 @@
         </p:nvSpPr>
         <p:spPr>
           <a:xfrm>
-            <a:off x="5352982" y="9095202"/>
+            <a:off x="5502224" y="8121071"/>
             <a:ext cx="712054" cy="276999"/>
           </a:xfrm>
           <a:prstGeom prst="rect">
@@ -30685,7 +30737,7 @@
         </p:nvSpPr>
         <p:spPr bwMode="auto">
           <a:xfrm>
-            <a:off x="1889591" y="6873081"/>
+            <a:off x="1889682" y="6881066"/>
             <a:ext cx="99386" cy="107722"/>
           </a:xfrm>
           <a:prstGeom prst="rect">
@@ -35045,7 +35097,7 @@
         </p:nvSpPr>
         <p:spPr bwMode="auto">
           <a:xfrm>
-            <a:off x="1904521" y="4120415"/>
+            <a:off x="1905289" y="4110274"/>
             <a:ext cx="99386" cy="107722"/>
           </a:xfrm>
           <a:prstGeom prst="rect">
@@ -35877,46 +35929,6 @@
       </p:cxnSp>
       <p:cxnSp>
         <p:nvCxnSpPr>
-          <p:cNvPr id="214" name="Straight Connector 213">
-            <a:extLst>
-              <a:ext uri="{FF2B5EF4-FFF2-40B4-BE49-F238E27FC236}">
-                <a16:creationId xmlns:a16="http://schemas.microsoft.com/office/drawing/2014/main" id="{26E6B3BB-8462-416D-897B-3B5399E68A52}"/>
-              </a:ext>
-            </a:extLst>
-          </p:cNvPr>
-          <p:cNvCxnSpPr>
-            <a:cxnSpLocks/>
-            <a:stCxn id="119" idx="1"/>
-          </p:cNvCxnSpPr>
-          <p:nvPr/>
-        </p:nvCxnSpPr>
-        <p:spPr>
-          <a:xfrm>
-            <a:off x="1683403" y="5540290"/>
-            <a:ext cx="230548" cy="0"/>
-          </a:xfrm>
-          <a:prstGeom prst="line">
-            <a:avLst/>
-          </a:prstGeom>
-          <a:ln w="38100"/>
-        </p:spPr>
-        <p:style>
-          <a:lnRef idx="1">
-            <a:schemeClr val="dk1"/>
-          </a:lnRef>
-          <a:fillRef idx="0">
-            <a:schemeClr val="dk1"/>
-          </a:fillRef>
-          <a:effectRef idx="0">
-            <a:schemeClr val="dk1"/>
-          </a:effectRef>
-          <a:fontRef idx="minor">
-            <a:schemeClr val="tx1"/>
-          </a:fontRef>
-        </p:style>
-      </p:cxnSp>
-      <p:cxnSp>
-        <p:nvCxnSpPr>
           <p:cNvPr id="216" name="Straight Connector 215">
             <a:extLst>
               <a:ext uri="{FF2B5EF4-FFF2-40B4-BE49-F238E27FC236}">
@@ -35994,6 +36006,122 @@
           </a:fontRef>
         </p:style>
       </p:cxnSp>
+      <p:cxnSp>
+        <p:nvCxnSpPr>
+          <p:cNvPr id="208" name="Straight Connector 207">
+            <a:extLst>
+              <a:ext uri="{FF2B5EF4-FFF2-40B4-BE49-F238E27FC236}">
+                <a16:creationId xmlns:a16="http://schemas.microsoft.com/office/drawing/2014/main" id="{56A71E87-9C89-4016-AE9E-0FC998C4B4CD}"/>
+              </a:ext>
+            </a:extLst>
+          </p:cNvPr>
+          <p:cNvCxnSpPr>
+            <a:cxnSpLocks/>
+          </p:cNvCxnSpPr>
+          <p:nvPr/>
+        </p:nvCxnSpPr>
+        <p:spPr>
+          <a:xfrm>
+            <a:off x="1904849" y="4223529"/>
+            <a:ext cx="109728" cy="0"/>
+          </a:xfrm>
+          <a:prstGeom prst="line">
+            <a:avLst/>
+          </a:prstGeom>
+          <a:ln w="38100"/>
+        </p:spPr>
+        <p:style>
+          <a:lnRef idx="1">
+            <a:schemeClr val="dk1"/>
+          </a:lnRef>
+          <a:fillRef idx="0">
+            <a:schemeClr val="dk1"/>
+          </a:fillRef>
+          <a:effectRef idx="0">
+            <a:schemeClr val="dk1"/>
+          </a:effectRef>
+          <a:fontRef idx="minor">
+            <a:schemeClr val="tx1"/>
+          </a:fontRef>
+        </p:style>
+      </p:cxnSp>
+      <p:cxnSp>
+        <p:nvCxnSpPr>
+          <p:cNvPr id="217" name="Straight Connector 216">
+            <a:extLst>
+              <a:ext uri="{FF2B5EF4-FFF2-40B4-BE49-F238E27FC236}">
+                <a16:creationId xmlns:a16="http://schemas.microsoft.com/office/drawing/2014/main" id="{8CF0475E-0344-4FDB-96D3-3676CDB405DB}"/>
+              </a:ext>
+            </a:extLst>
+          </p:cNvPr>
+          <p:cNvCxnSpPr>
+            <a:cxnSpLocks/>
+          </p:cNvCxnSpPr>
+          <p:nvPr/>
+        </p:nvCxnSpPr>
+        <p:spPr>
+          <a:xfrm>
+            <a:off x="1904849" y="6868470"/>
+            <a:ext cx="94040" cy="0"/>
+          </a:xfrm>
+          <a:prstGeom prst="line">
+            <a:avLst/>
+          </a:prstGeom>
+          <a:ln w="38100"/>
+        </p:spPr>
+        <p:style>
+          <a:lnRef idx="1">
+            <a:schemeClr val="dk1"/>
+          </a:lnRef>
+          <a:fillRef idx="0">
+            <a:schemeClr val="dk1"/>
+          </a:fillRef>
+          <a:effectRef idx="0">
+            <a:schemeClr val="dk1"/>
+          </a:effectRef>
+          <a:fontRef idx="minor">
+            <a:schemeClr val="tx1"/>
+          </a:fontRef>
+        </p:style>
+      </p:cxnSp>
+      <p:sp>
+        <p:nvSpPr>
+          <p:cNvPr id="206" name="TextBox 205">
+            <a:extLst>
+              <a:ext uri="{FF2B5EF4-FFF2-40B4-BE49-F238E27FC236}">
+                <a16:creationId xmlns:a16="http://schemas.microsoft.com/office/drawing/2014/main" id="{67D377A8-6986-41A9-BDD4-B95B6DCAE12D}"/>
+              </a:ext>
+            </a:extLst>
+          </p:cNvPr>
+          <p:cNvSpPr txBox="1"/>
+          <p:nvPr/>
+        </p:nvSpPr>
+        <p:spPr>
+          <a:xfrm>
+            <a:off x="5502224" y="9095202"/>
+            <a:ext cx="712054" cy="276999"/>
+          </a:xfrm>
+          <a:prstGeom prst="rect">
+            <a:avLst/>
+          </a:prstGeom>
+          <a:noFill/>
+        </p:spPr>
+        <p:txBody>
+          <a:bodyPr wrap="none" rtlCol="0">
+            <a:spAutoFit/>
+          </a:bodyPr>
+          <a:lstStyle/>
+          <a:p>
+            <a:r>
+              <a:rPr lang="en-US" sz="1200">
+                <a:latin typeface="Arial" panose="020B0604020202020204" pitchFamily="34" charset="0"/>
+                <a:cs typeface="Arial" panose="020B0604020202020204" pitchFamily="34" charset="0"/>
+              </a:rPr>
+              <a:t>Clade 5</a:t>
+            </a:r>
+          </a:p>
+        </p:txBody>
+      </p:sp>
     </p:spTree>
     <p:extLst>
       <p:ext uri="{BB962C8B-B14F-4D97-AF65-F5344CB8AC3E}">
